--- a/PDF.pptx
+++ b/PDF.pptx
@@ -44,6 +44,26 @@
     <p:sldId id="289" r:id="rId41"/>
     <p:sldId id="290" r:id="rId42"/>
     <p:sldId id="291" r:id="rId43"/>
+    <p:sldId id="292" r:id="rId44"/>
+    <p:sldId id="293" r:id="rId45"/>
+    <p:sldId id="294" r:id="rId46"/>
+    <p:sldId id="295" r:id="rId47"/>
+    <p:sldId id="296" r:id="rId48"/>
+    <p:sldId id="297" r:id="rId49"/>
+    <p:sldId id="298" r:id="rId50"/>
+    <p:sldId id="299" r:id="rId51"/>
+    <p:sldId id="300" r:id="rId52"/>
+    <p:sldId id="301" r:id="rId53"/>
+    <p:sldId id="302" r:id="rId54"/>
+    <p:sldId id="303" r:id="rId55"/>
+    <p:sldId id="304" r:id="rId56"/>
+    <p:sldId id="305" r:id="rId57"/>
+    <p:sldId id="306" r:id="rId58"/>
+    <p:sldId id="307" r:id="rId59"/>
+    <p:sldId id="308" r:id="rId60"/>
+    <p:sldId id="309" r:id="rId61"/>
+    <p:sldId id="310" r:id="rId62"/>
+    <p:sldId id="311" r:id="rId63"/>
   </p:sldIdLst>
   <p:sldSz cx="13004800" cy="9753600"/>
   <p:notesSz cx="6858000" cy="9144000"/>
@@ -2766,7 +2786,7 @@
         <p:spPr>
           <a:xfrm>
             <a:off x="1270000" y="3634345"/>
-            <a:ext cx="10464801" cy="2484910"/>
+            <a:ext cx="10464800" cy="2484910"/>
           </a:xfrm>
           <a:prstGeom prst="rect">
             <a:avLst/>
@@ -2875,40 +2895,33 @@
           </a:p>
         </p:txBody>
       </p:sp>
-      <p:sp>
-        <p:nvSpPr>
-          <p:cNvPr id="75" name="Shape 75"/>
-          <p:cNvSpPr/>
-          <p:nvPr>
-            <p:ph type="body" idx="1"/>
-          </p:nvPr>
-        </p:nvSpPr>
+      <p:pic>
+        <p:nvPicPr>
+          <p:cNvPr id="75" name="Use Case.pdf"/>
+          <p:cNvPicPr/>
+          <p:nvPr/>
+        </p:nvPicPr>
+        <p:blipFill>
+          <a:blip r:embed="rId2">
+            <a:extLst/>
+          </a:blip>
+          <a:stretch>
+            <a:fillRect/>
+          </a:stretch>
+        </p:blipFill>
         <p:spPr>
           <a:xfrm>
-            <a:off x="952500" y="1526120"/>
-            <a:ext cx="11099800" cy="7492341"/>
+            <a:off x="739984" y="1574464"/>
+            <a:ext cx="11524832" cy="7929154"/>
           </a:xfrm>
           <a:prstGeom prst="rect">
             <a:avLst/>
           </a:prstGeom>
+          <a:ln w="12700">
+            <a:miter lim="400000"/>
+          </a:ln>
         </p:spPr>
-        <p:txBody>
-          <a:bodyPr/>
-          <a:lstStyle/>
-          <a:p>
-            <a:pPr lvl="0" marL="533400" indent="-533400">
-              <a:spcBef>
-                <a:spcPts val="3200"/>
-              </a:spcBef>
-              <a:buSzPct val="100000"/>
-              <a:buBlip>
-                <a:blip r:embed="rId2"/>
-              </a:buBlip>
-              <a:defRPr sz="2800"/>
-            </a:pPr>
-          </a:p>
-        </p:txBody>
-      </p:sp>
+      </p:pic>
     </p:spTree>
   </p:cSld>
   <p:clrMapOvr>
@@ -3189,40 +3202,33 @@
           </a:p>
         </p:txBody>
       </p:sp>
-      <p:sp>
-        <p:nvSpPr>
-          <p:cNvPr id="84" name="Shape 84"/>
-          <p:cNvSpPr/>
-          <p:nvPr>
-            <p:ph type="body" idx="1"/>
-          </p:nvPr>
-        </p:nvSpPr>
+      <p:pic>
+        <p:nvPicPr>
+          <p:cNvPr id="84" name="Identificazione SEP.pdf"/>
+          <p:cNvPicPr/>
+          <p:nvPr/>
+        </p:nvPicPr>
+        <p:blipFill>
+          <a:blip r:embed="rId2">
+            <a:extLst/>
+          </a:blip>
+          <a:stretch>
+            <a:fillRect/>
+          </a:stretch>
+        </p:blipFill>
         <p:spPr>
           <a:xfrm>
-            <a:off x="952500" y="1526120"/>
-            <a:ext cx="11099800" cy="7492341"/>
+            <a:off x="340192" y="2030805"/>
+            <a:ext cx="12324416" cy="6710169"/>
           </a:xfrm>
           <a:prstGeom prst="rect">
             <a:avLst/>
           </a:prstGeom>
+          <a:ln w="12700">
+            <a:miter lim="400000"/>
+          </a:ln>
         </p:spPr>
-        <p:txBody>
-          <a:bodyPr/>
-          <a:lstStyle/>
-          <a:p>
-            <a:pPr lvl="0" marL="533400" indent="-533400">
-              <a:spcBef>
-                <a:spcPts val="3200"/>
-              </a:spcBef>
-              <a:buSzPct val="100000"/>
-              <a:buBlip>
-                <a:blip r:embed="rId2"/>
-              </a:buBlip>
-              <a:defRPr sz="2800"/>
-            </a:pPr>
-          </a:p>
-        </p:txBody>
-      </p:sp>
+      </p:pic>
     </p:spTree>
   </p:cSld>
   <p:clrMapOvr>
@@ -3296,40 +3302,33 @@
           </a:p>
         </p:txBody>
       </p:sp>
-      <p:sp>
-        <p:nvSpPr>
-          <p:cNvPr id="87" name="Shape 87"/>
-          <p:cNvSpPr/>
-          <p:nvPr>
-            <p:ph type="body" idx="1"/>
-          </p:nvPr>
-        </p:nvSpPr>
+      <p:pic>
+        <p:nvPicPr>
+          <p:cNvPr id="87" name="Acquisizione Dati Idrometrici.pdf"/>
+          <p:cNvPicPr/>
+          <p:nvPr/>
+        </p:nvPicPr>
+        <p:blipFill>
+          <a:blip r:embed="rId2">
+            <a:extLst/>
+          </a:blip>
+          <a:stretch>
+            <a:fillRect/>
+          </a:stretch>
+        </p:blipFill>
         <p:spPr>
           <a:xfrm>
-            <a:off x="952500" y="1526120"/>
-            <a:ext cx="11099800" cy="7492341"/>
+            <a:off x="564853" y="1676584"/>
+            <a:ext cx="11875094" cy="7332630"/>
           </a:xfrm>
           <a:prstGeom prst="rect">
             <a:avLst/>
           </a:prstGeom>
+          <a:ln w="12700">
+            <a:miter lim="400000"/>
+          </a:ln>
         </p:spPr>
-        <p:txBody>
-          <a:bodyPr/>
-          <a:lstStyle/>
-          <a:p>
-            <a:pPr lvl="0" marL="533400" indent="-533400">
-              <a:spcBef>
-                <a:spcPts val="3200"/>
-              </a:spcBef>
-              <a:buSzPct val="100000"/>
-              <a:buBlip>
-                <a:blip r:embed="rId2"/>
-              </a:buBlip>
-              <a:defRPr sz="2800"/>
-            </a:pPr>
-          </a:p>
-        </p:txBody>
-      </p:sp>
+      </p:pic>
     </p:spTree>
   </p:cSld>
   <p:clrMapOvr>
@@ -3597,40 +3596,33 @@
           </a:p>
         </p:txBody>
       </p:sp>
-      <p:sp>
-        <p:nvSpPr>
-          <p:cNvPr id="90" name="Shape 90"/>
-          <p:cNvSpPr/>
-          <p:nvPr>
-            <p:ph type="body" idx="1"/>
-          </p:nvPr>
-        </p:nvSpPr>
+      <p:pic>
+        <p:nvPicPr>
+          <p:cNvPr id="90" name="Pianificazione Squadre Emergenza.pdf"/>
+          <p:cNvPicPr/>
+          <p:nvPr/>
+        </p:nvPicPr>
+        <p:blipFill>
+          <a:blip r:embed="rId2">
+            <a:extLst/>
+          </a:blip>
+          <a:stretch>
+            <a:fillRect/>
+          </a:stretch>
+        </p:blipFill>
         <p:spPr>
           <a:xfrm>
-            <a:off x="952500" y="1526120"/>
-            <a:ext cx="11099800" cy="7492341"/>
+            <a:off x="952499" y="1449045"/>
+            <a:ext cx="11099801" cy="8279848"/>
           </a:xfrm>
           <a:prstGeom prst="rect">
             <a:avLst/>
           </a:prstGeom>
+          <a:ln w="12700">
+            <a:miter lim="400000"/>
+          </a:ln>
         </p:spPr>
-        <p:txBody>
-          <a:bodyPr/>
-          <a:lstStyle/>
-          <a:p>
-            <a:pPr lvl="0" marL="533400" indent="-533400">
-              <a:spcBef>
-                <a:spcPts val="3200"/>
-              </a:spcBef>
-              <a:buSzPct val="100000"/>
-              <a:buBlip>
-                <a:blip r:embed="rId2"/>
-              </a:buBlip>
-              <a:defRPr sz="2800"/>
-            </a:pPr>
-          </a:p>
-        </p:txBody>
-      </p:sp>
+      </p:pic>
     </p:spTree>
   </p:cSld>
   <p:clrMapOvr>
@@ -3704,40 +3696,33 @@
           </a:p>
         </p:txBody>
       </p:sp>
-      <p:sp>
-        <p:nvSpPr>
-          <p:cNvPr id="93" name="Shape 93"/>
-          <p:cNvSpPr/>
-          <p:nvPr>
-            <p:ph type="body" idx="1"/>
-          </p:nvPr>
-        </p:nvSpPr>
+      <p:pic>
+        <p:nvPicPr>
+          <p:cNvPr id="93" name="Acquisizione Segnalazione Emergenza Grave (SEG).pdf"/>
+          <p:cNvPicPr/>
+          <p:nvPr/>
+        </p:nvPicPr>
+        <p:blipFill>
+          <a:blip r:embed="rId2">
+            <a:extLst/>
+          </a:blip>
+          <a:stretch>
+            <a:fillRect/>
+          </a:stretch>
+        </p:blipFill>
         <p:spPr>
           <a:xfrm>
-            <a:off x="952500" y="1526120"/>
-            <a:ext cx="11099800" cy="7492341"/>
+            <a:off x="2316391" y="1426030"/>
+            <a:ext cx="8372018" cy="8183003"/>
           </a:xfrm>
           <a:prstGeom prst="rect">
             <a:avLst/>
           </a:prstGeom>
+          <a:ln w="12700">
+            <a:miter lim="400000"/>
+          </a:ln>
         </p:spPr>
-        <p:txBody>
-          <a:bodyPr/>
-          <a:lstStyle/>
-          <a:p>
-            <a:pPr lvl="0" marL="533400" indent="-533400">
-              <a:spcBef>
-                <a:spcPts val="3200"/>
-              </a:spcBef>
-              <a:buSzPct val="100000"/>
-              <a:buBlip>
-                <a:blip r:embed="rId2"/>
-              </a:buBlip>
-              <a:defRPr sz="2800"/>
-            </a:pPr>
-          </a:p>
-        </p:txBody>
-      </p:sp>
+      </p:pic>
     </p:spTree>
   </p:cSld>
   <p:clrMapOvr>
@@ -3811,40 +3796,33 @@
           </a:p>
         </p:txBody>
       </p:sp>
-      <p:sp>
-        <p:nvSpPr>
-          <p:cNvPr id="96" name="Shape 96"/>
-          <p:cNvSpPr/>
-          <p:nvPr>
-            <p:ph type="body" idx="1"/>
-          </p:nvPr>
-        </p:nvSpPr>
+      <p:pic>
+        <p:nvPicPr>
+          <p:cNvPr id="96" name="Consulta SEP.pdf"/>
+          <p:cNvPicPr/>
+          <p:nvPr/>
+        </p:nvPicPr>
+        <p:blipFill>
+          <a:blip r:embed="rId2">
+            <a:extLst/>
+          </a:blip>
+          <a:stretch>
+            <a:fillRect/>
+          </a:stretch>
+        </p:blipFill>
         <p:spPr>
           <a:xfrm>
-            <a:off x="952500" y="1526120"/>
-            <a:ext cx="11099800" cy="7492341"/>
+            <a:off x="1183921" y="1659500"/>
+            <a:ext cx="10636958" cy="7866663"/>
           </a:xfrm>
           <a:prstGeom prst="rect">
             <a:avLst/>
           </a:prstGeom>
+          <a:ln w="12700">
+            <a:miter lim="400000"/>
+          </a:ln>
         </p:spPr>
-        <p:txBody>
-          <a:bodyPr/>
-          <a:lstStyle/>
-          <a:p>
-            <a:pPr lvl="0" marL="533400" indent="-533400">
-              <a:spcBef>
-                <a:spcPts val="3200"/>
-              </a:spcBef>
-              <a:buSzPct val="100000"/>
-              <a:buBlip>
-                <a:blip r:embed="rId2"/>
-              </a:buBlip>
-              <a:defRPr sz="2800"/>
-            </a:pPr>
-          </a:p>
-        </p:txBody>
-      </p:sp>
+      </p:pic>
     </p:spTree>
   </p:cSld>
   <p:clrMapOvr>
@@ -3918,40 +3896,33 @@
           </a:p>
         </p:txBody>
       </p:sp>
-      <p:sp>
-        <p:nvSpPr>
-          <p:cNvPr id="99" name="Shape 99"/>
-          <p:cNvSpPr/>
-          <p:nvPr>
-            <p:ph type="body" idx="1"/>
-          </p:nvPr>
-        </p:nvSpPr>
+      <p:pic>
+        <p:nvPicPr>
+          <p:cNvPr id="99" name="Consulta Sintesi SEP.pdf"/>
+          <p:cNvPicPr/>
+          <p:nvPr/>
+        </p:nvPicPr>
+        <p:blipFill>
+          <a:blip r:embed="rId2">
+            <a:extLst/>
+          </a:blip>
+          <a:stretch>
+            <a:fillRect/>
+          </a:stretch>
+        </p:blipFill>
         <p:spPr>
           <a:xfrm>
-            <a:off x="952500" y="1526120"/>
-            <a:ext cx="11099800" cy="7492341"/>
+            <a:off x="1138850" y="1522767"/>
+            <a:ext cx="10727100" cy="8241066"/>
           </a:xfrm>
           <a:prstGeom prst="rect">
             <a:avLst/>
           </a:prstGeom>
+          <a:ln w="12700">
+            <a:miter lim="400000"/>
+          </a:ln>
         </p:spPr>
-        <p:txBody>
-          <a:bodyPr/>
-          <a:lstStyle/>
-          <a:p>
-            <a:pPr lvl="0" marL="533400" indent="-533400">
-              <a:spcBef>
-                <a:spcPts val="3200"/>
-              </a:spcBef>
-              <a:buSzPct val="100000"/>
-              <a:buBlip>
-                <a:blip r:embed="rId2"/>
-              </a:buBlip>
-              <a:defRPr sz="2800"/>
-            </a:pPr>
-          </a:p>
-        </p:txBody>
-      </p:sp>
+      </p:pic>
     </p:spTree>
   </p:cSld>
   <p:clrMapOvr>
@@ -5260,8 +5231,8 @@
         </p:nvSpPr>
         <p:spPr>
           <a:xfrm>
-            <a:off x="1422400" y="177800"/>
-            <a:ext cx="10464800" cy="1422400"/>
+            <a:off x="952500" y="444500"/>
+            <a:ext cx="11099800" cy="1116040"/>
           </a:xfrm>
           <a:prstGeom prst="rect">
             <a:avLst/>
@@ -5292,38 +5263,298 @@
                   <a:srgbClr val="C82506"/>
                 </a:solidFill>
               </a:rPr>
-              <a:t>Ambiguità nelle Specifiche</a:t>
+              <a:t>Descrizione - Soluzione 3</a:t>
             </a:r>
           </a:p>
         </p:txBody>
       </p:sp>
-      <p:pic>
-        <p:nvPicPr>
-          <p:cNvPr id="134" name="ERCompleto.pdf"/>
-          <p:cNvPicPr/>
-          <p:nvPr/>
-        </p:nvPicPr>
-        <p:blipFill>
-          <a:blip r:embed="rId2">
-            <a:extLst/>
-          </a:blip>
-          <a:stretch>
-            <a:fillRect/>
-          </a:stretch>
-        </p:blipFill>
+      <p:sp>
+        <p:nvSpPr>
+          <p:cNvPr id="134" name="Shape 134"/>
+          <p:cNvSpPr/>
+          <p:nvPr>
+            <p:ph type="body" idx="1"/>
+          </p:nvPr>
+        </p:nvSpPr>
         <p:spPr>
           <a:xfrm>
-            <a:off x="216234" y="1753100"/>
-            <a:ext cx="12877132" cy="6247400"/>
+            <a:off x="952500" y="1526120"/>
+            <a:ext cx="11099800" cy="7492341"/>
           </a:xfrm>
           <a:prstGeom prst="rect">
             <a:avLst/>
           </a:prstGeom>
-          <a:ln w="12700">
-            <a:miter lim="400000"/>
-          </a:ln>
         </p:spPr>
-      </p:pic>
+        <p:txBody>
+          <a:bodyPr/>
+          <a:lstStyle/>
+          <a:p>
+            <a:pPr lvl="0" marL="533400" indent="-533400">
+              <a:spcBef>
+                <a:spcPts val="3200"/>
+              </a:spcBef>
+              <a:buSzPct val="100000"/>
+              <a:buBlip>
+                <a:blip r:embed="rId2"/>
+              </a:buBlip>
+              <a:defRPr sz="2800"/>
+            </a:pPr>
+          </a:p>
+        </p:txBody>
+      </p:sp>
+    </p:spTree>
+  </p:cSld>
+  <p:clrMapOvr>
+    <a:masterClrMapping/>
+  </p:clrMapOvr>
+  <p:transition spd="med" advClick="1"/>
+</p:sld>
+</file>
+
+<file path=ppt/slides/slide37.xml><?xml version="1.0" encoding="utf-8"?>
+<p:sld xmlns:a="http://schemas.openxmlformats.org/drawingml/2006/main" xmlns:r="http://schemas.openxmlformats.org/officeDocument/2006/relationships" xmlns:p="http://schemas.openxmlformats.org/presentationml/2006/main" showMasterSp="1" showMasterPhAnim="1">
+  <p:cSld>
+    <p:spTree>
+      <p:nvGrpSpPr>
+        <p:cNvPr id="1" name=""/>
+        <p:cNvGrpSpPr/>
+        <p:nvPr/>
+      </p:nvGrpSpPr>
+      <p:grpSpPr>
+        <a:xfrm>
+          <a:off x="0" y="0"/>
+          <a:ext cx="0" cy="0"/>
+          <a:chOff x="0" y="0"/>
+          <a:chExt cx="0" cy="0"/>
+        </a:xfrm>
+      </p:grpSpPr>
+      <p:sp>
+        <p:nvSpPr>
+          <p:cNvPr id="136" name="Shape 136"/>
+          <p:cNvSpPr/>
+          <p:nvPr>
+            <p:ph type="title"/>
+          </p:nvPr>
+        </p:nvSpPr>
+        <p:spPr>
+          <a:xfrm>
+            <a:off x="952500" y="444500"/>
+            <a:ext cx="11099800" cy="1116040"/>
+          </a:xfrm>
+          <a:prstGeom prst="rect">
+            <a:avLst/>
+          </a:prstGeom>
+        </p:spPr>
+        <p:txBody>
+          <a:bodyPr/>
+          <a:lstStyle>
+            <a:lvl1pPr>
+              <a:defRPr sz="6000">
+                <a:solidFill>
+                  <a:srgbClr val="C82506"/>
+                </a:solidFill>
+              </a:defRPr>
+            </a:lvl1pPr>
+          </a:lstStyle>
+          <a:p>
+            <a:pPr lvl="0">
+              <a:defRPr sz="1800">
+                <a:solidFill>
+                  <a:srgbClr val="000000"/>
+                </a:solidFill>
+              </a:defRPr>
+            </a:pPr>
+            <a:r>
+              <a:rPr sz="6000">
+                <a:solidFill>
+                  <a:srgbClr val="C82506"/>
+                </a:solidFill>
+              </a:rPr>
+              <a:t>Footprint - Soluzione 3</a:t>
+            </a:r>
+          </a:p>
+        </p:txBody>
+      </p:sp>
+      <p:sp>
+        <p:nvSpPr>
+          <p:cNvPr id="137" name="Shape 137"/>
+          <p:cNvSpPr/>
+          <p:nvPr>
+            <p:ph type="body" idx="1"/>
+          </p:nvPr>
+        </p:nvSpPr>
+        <p:spPr>
+          <a:xfrm>
+            <a:off x="952500" y="1526120"/>
+            <a:ext cx="11099800" cy="7492341"/>
+          </a:xfrm>
+          <a:prstGeom prst="rect">
+            <a:avLst/>
+          </a:prstGeom>
+        </p:spPr>
+        <p:txBody>
+          <a:bodyPr/>
+          <a:lstStyle/>
+          <a:p>
+            <a:pPr lvl="0" marL="533400" indent="-533400">
+              <a:spcBef>
+                <a:spcPts val="3200"/>
+              </a:spcBef>
+              <a:buSzPct val="100000"/>
+              <a:buBlip>
+                <a:blip r:embed="rId2"/>
+              </a:buBlip>
+              <a:defRPr sz="2800"/>
+            </a:pPr>
+          </a:p>
+        </p:txBody>
+      </p:sp>
+    </p:spTree>
+  </p:cSld>
+  <p:clrMapOvr>
+    <a:masterClrMapping/>
+  </p:clrMapOvr>
+  <p:transition spd="med" advClick="1"/>
+</p:sld>
+</file>
+
+<file path=ppt/slides/slide38.xml><?xml version="1.0" encoding="utf-8"?>
+<p:sld xmlns:a="http://schemas.openxmlformats.org/drawingml/2006/main" xmlns:r="http://schemas.openxmlformats.org/officeDocument/2006/relationships" xmlns:p="http://schemas.openxmlformats.org/presentationml/2006/main" showMasterSp="1" showMasterPhAnim="1">
+  <p:cSld>
+    <p:spTree>
+      <p:nvGrpSpPr>
+        <p:cNvPr id="1" name=""/>
+        <p:cNvGrpSpPr/>
+        <p:nvPr/>
+      </p:nvGrpSpPr>
+      <p:grpSpPr>
+        <a:xfrm>
+          <a:off x="0" y="0"/>
+          <a:ext cx="0" cy="0"/>
+          <a:chOff x="0" y="0"/>
+          <a:chExt cx="0" cy="0"/>
+        </a:xfrm>
+      </p:grpSpPr>
+      <p:sp>
+        <p:nvSpPr>
+          <p:cNvPr id="139" name="Shape 139"/>
+          <p:cNvSpPr/>
+          <p:nvPr>
+            <p:ph type="title"/>
+          </p:nvPr>
+        </p:nvSpPr>
+        <p:spPr>
+          <a:xfrm>
+            <a:off x="1270000" y="3634345"/>
+            <a:ext cx="10464800" cy="2484910"/>
+          </a:xfrm>
+          <a:prstGeom prst="rect">
+            <a:avLst/>
+          </a:prstGeom>
+        </p:spPr>
+        <p:txBody>
+          <a:bodyPr anchor="ctr"/>
+          <a:lstStyle>
+            <a:lvl1pPr>
+              <a:defRPr>
+                <a:solidFill>
+                  <a:srgbClr val="C82506"/>
+                </a:solidFill>
+              </a:defRPr>
+            </a:lvl1pPr>
+          </a:lstStyle>
+          <a:p>
+            <a:pPr lvl="0">
+              <a:defRPr sz="1800">
+                <a:solidFill>
+                  <a:srgbClr val="000000"/>
+                </a:solidFill>
+              </a:defRPr>
+            </a:pPr>
+            <a:r>
+              <a:rPr sz="8000">
+                <a:solidFill>
+                  <a:srgbClr val="C82506"/>
+                </a:solidFill>
+              </a:rPr>
+              <a:t>Architettura Concreta</a:t>
+            </a:r>
+          </a:p>
+        </p:txBody>
+      </p:sp>
+    </p:spTree>
+  </p:cSld>
+  <p:clrMapOvr>
+    <a:masterClrMapping/>
+  </p:clrMapOvr>
+  <p:transition spd="med" advClick="1"/>
+</p:sld>
+</file>
+
+<file path=ppt/slides/slide39.xml><?xml version="1.0" encoding="utf-8"?>
+<p:sld xmlns:a="http://schemas.openxmlformats.org/drawingml/2006/main" xmlns:r="http://schemas.openxmlformats.org/officeDocument/2006/relationships" xmlns:p="http://schemas.openxmlformats.org/presentationml/2006/main" showMasterSp="1" showMasterPhAnim="1">
+  <p:cSld>
+    <p:spTree>
+      <p:nvGrpSpPr>
+        <p:cNvPr id="1" name=""/>
+        <p:cNvGrpSpPr/>
+        <p:nvPr/>
+      </p:nvGrpSpPr>
+      <p:grpSpPr>
+        <a:xfrm>
+          <a:off x="0" y="0"/>
+          <a:ext cx="0" cy="0"/>
+          <a:chOff x="0" y="0"/>
+          <a:chExt cx="0" cy="0"/>
+        </a:xfrm>
+      </p:grpSpPr>
+      <p:sp>
+        <p:nvSpPr>
+          <p:cNvPr id="141" name="Shape 141"/>
+          <p:cNvSpPr/>
+          <p:nvPr>
+            <p:ph type="title"/>
+          </p:nvPr>
+        </p:nvSpPr>
+        <p:spPr>
+          <a:xfrm>
+            <a:off x="1270000" y="3634345"/>
+            <a:ext cx="10464800" cy="2484910"/>
+          </a:xfrm>
+          <a:prstGeom prst="rect">
+            <a:avLst/>
+          </a:prstGeom>
+        </p:spPr>
+        <p:txBody>
+          <a:bodyPr anchor="ctr"/>
+          <a:lstStyle>
+            <a:lvl1pPr>
+              <a:defRPr>
+                <a:solidFill>
+                  <a:srgbClr val="C82506"/>
+                </a:solidFill>
+              </a:defRPr>
+            </a:lvl1pPr>
+          </a:lstStyle>
+          <a:p>
+            <a:pPr lvl="0">
+              <a:defRPr sz="1800">
+                <a:solidFill>
+                  <a:srgbClr val="000000"/>
+                </a:solidFill>
+              </a:defRPr>
+            </a:pPr>
+            <a:r>
+              <a:rPr sz="8000">
+                <a:solidFill>
+                  <a:srgbClr val="C82506"/>
+                </a:solidFill>
+              </a:rPr>
+              <a:t>Architettura dei Dati</a:t>
+            </a:r>
+          </a:p>
+        </p:txBody>
+      </p:sp>
     </p:spTree>
   </p:cSld>
   <p:clrMapOvr>
@@ -5626,6 +5857,2015 @@
               <a:t>Le scelte architetturali dovranno essere discusse presentandone le motivazioni ed evidenziando, ove opportuno, possibili scelte alternative con i relativi vantaggi e svantaggi (ad esempio, per la architettura dati, una scelta di tipo base dati distribuita, con le relative problematiche di replicazione e distribuzione dei frammenti); </a:t>
             </a:r>
             <a:endParaRPr sz="1483"/>
+          </a:p>
+        </p:txBody>
+      </p:sp>
+    </p:spTree>
+  </p:cSld>
+  <p:clrMapOvr>
+    <a:masterClrMapping/>
+  </p:clrMapOvr>
+  <p:transition spd="med" advClick="1"/>
+</p:sld>
+</file>
+
+<file path=ppt/slides/slide40.xml><?xml version="1.0" encoding="utf-8"?>
+<p:sld xmlns:a="http://schemas.openxmlformats.org/drawingml/2006/main" xmlns:r="http://schemas.openxmlformats.org/officeDocument/2006/relationships" xmlns:p="http://schemas.openxmlformats.org/presentationml/2006/main" showMasterSp="1" showMasterPhAnim="1">
+  <p:cSld>
+    <p:spTree>
+      <p:nvGrpSpPr>
+        <p:cNvPr id="1" name=""/>
+        <p:cNvGrpSpPr/>
+        <p:nvPr/>
+      </p:nvGrpSpPr>
+      <p:grpSpPr>
+        <a:xfrm>
+          <a:off x="0" y="0"/>
+          <a:ext cx="0" cy="0"/>
+          <a:chOff x="0" y="0"/>
+          <a:chExt cx="0" cy="0"/>
+        </a:xfrm>
+      </p:grpSpPr>
+      <p:sp>
+        <p:nvSpPr>
+          <p:cNvPr id="143" name="Shape 143"/>
+          <p:cNvSpPr/>
+          <p:nvPr>
+            <p:ph type="title"/>
+          </p:nvPr>
+        </p:nvSpPr>
+        <p:spPr>
+          <a:xfrm>
+            <a:off x="1270000" y="3634345"/>
+            <a:ext cx="10464800" cy="2484910"/>
+          </a:xfrm>
+          <a:prstGeom prst="rect">
+            <a:avLst/>
+          </a:prstGeom>
+        </p:spPr>
+        <p:txBody>
+          <a:bodyPr anchor="ctr"/>
+          <a:lstStyle>
+            <a:lvl1pPr>
+              <a:defRPr>
+                <a:solidFill>
+                  <a:srgbClr val="C82506"/>
+                </a:solidFill>
+              </a:defRPr>
+            </a:lvl1pPr>
+          </a:lstStyle>
+          <a:p>
+            <a:pPr lvl="0">
+              <a:defRPr sz="1800">
+                <a:solidFill>
+                  <a:srgbClr val="000000"/>
+                </a:solidFill>
+              </a:defRPr>
+            </a:pPr>
+            <a:r>
+              <a:rPr sz="8000">
+                <a:solidFill>
+                  <a:srgbClr val="C82506"/>
+                </a:solidFill>
+              </a:rPr>
+              <a:t>Integrazione</a:t>
+            </a:r>
+          </a:p>
+        </p:txBody>
+      </p:sp>
+    </p:spTree>
+  </p:cSld>
+  <p:clrMapOvr>
+    <a:masterClrMapping/>
+  </p:clrMapOvr>
+  <p:transition spd="med" advClick="1"/>
+</p:sld>
+</file>
+
+<file path=ppt/slides/slide41.xml><?xml version="1.0" encoding="utf-8"?>
+<p:sld xmlns:a="http://schemas.openxmlformats.org/drawingml/2006/main" xmlns:r="http://schemas.openxmlformats.org/officeDocument/2006/relationships" xmlns:p="http://schemas.openxmlformats.org/presentationml/2006/main" showMasterSp="1" showMasterPhAnim="1">
+  <p:cSld>
+    <p:spTree>
+      <p:nvGrpSpPr>
+        <p:cNvPr id="1" name=""/>
+        <p:cNvGrpSpPr/>
+        <p:nvPr/>
+      </p:nvGrpSpPr>
+      <p:grpSpPr>
+        <a:xfrm>
+          <a:off x="0" y="0"/>
+          <a:ext cx="0" cy="0"/>
+          <a:chOff x="0" y="0"/>
+          <a:chExt cx="0" cy="0"/>
+        </a:xfrm>
+      </p:grpSpPr>
+      <p:sp>
+        <p:nvSpPr>
+          <p:cNvPr id="145" name="Shape 145"/>
+          <p:cNvSpPr/>
+          <p:nvPr>
+            <p:ph type="title"/>
+          </p:nvPr>
+        </p:nvSpPr>
+        <p:spPr>
+          <a:xfrm>
+            <a:off x="952500" y="444500"/>
+            <a:ext cx="11099800" cy="1116040"/>
+          </a:xfrm>
+          <a:prstGeom prst="rect">
+            <a:avLst/>
+          </a:prstGeom>
+        </p:spPr>
+        <p:txBody>
+          <a:bodyPr/>
+          <a:lstStyle>
+            <a:lvl1pPr>
+              <a:defRPr sz="6000">
+                <a:solidFill>
+                  <a:srgbClr val="C82506"/>
+                </a:solidFill>
+              </a:defRPr>
+            </a:lvl1pPr>
+          </a:lstStyle>
+          <a:p>
+            <a:pPr lvl="0">
+              <a:defRPr sz="1800">
+                <a:solidFill>
+                  <a:srgbClr val="000000"/>
+                </a:solidFill>
+              </a:defRPr>
+            </a:pPr>
+            <a:r>
+              <a:rPr sz="6000">
+                <a:solidFill>
+                  <a:srgbClr val="C82506"/>
+                </a:solidFill>
+              </a:rPr>
+              <a:t>Base Dati Meteo (BDM)</a:t>
+            </a:r>
+          </a:p>
+        </p:txBody>
+      </p:sp>
+      <p:pic>
+        <p:nvPicPr>
+          <p:cNvPr id="146" name="bdm.pdf"/>
+          <p:cNvPicPr/>
+          <p:nvPr/>
+        </p:nvPicPr>
+        <p:blipFill>
+          <a:blip r:embed="rId2">
+            <a:extLst/>
+          </a:blip>
+          <a:srcRect l="12310" t="12646" r="12310" b="17830"/>
+          <a:stretch>
+            <a:fillRect/>
+          </a:stretch>
+        </p:blipFill>
+        <p:spPr>
+          <a:xfrm>
+            <a:off x="404785" y="1470091"/>
+            <a:ext cx="12195229" cy="7948343"/>
+          </a:xfrm>
+          <a:prstGeom prst="rect">
+            <a:avLst/>
+          </a:prstGeom>
+          <a:ln w="12700">
+            <a:miter lim="400000"/>
+          </a:ln>
+        </p:spPr>
+      </p:pic>
+    </p:spTree>
+  </p:cSld>
+  <p:clrMapOvr>
+    <a:masterClrMapping/>
+  </p:clrMapOvr>
+  <p:transition spd="med" advClick="1"/>
+</p:sld>
+</file>
+
+<file path=ppt/slides/slide42.xml><?xml version="1.0" encoding="utf-8"?>
+<p:sld xmlns:a="http://schemas.openxmlformats.org/drawingml/2006/main" xmlns:r="http://schemas.openxmlformats.org/officeDocument/2006/relationships" xmlns:p="http://schemas.openxmlformats.org/presentationml/2006/main" showMasterSp="1" showMasterPhAnim="1">
+  <p:cSld>
+    <p:spTree>
+      <p:nvGrpSpPr>
+        <p:cNvPr id="1" name=""/>
+        <p:cNvGrpSpPr/>
+        <p:nvPr/>
+      </p:nvGrpSpPr>
+      <p:grpSpPr>
+        <a:xfrm>
+          <a:off x="0" y="0"/>
+          <a:ext cx="0" cy="0"/>
+          <a:chOff x="0" y="0"/>
+          <a:chExt cx="0" cy="0"/>
+        </a:xfrm>
+      </p:grpSpPr>
+      <p:sp>
+        <p:nvSpPr>
+          <p:cNvPr id="148" name="Shape 148"/>
+          <p:cNvSpPr/>
+          <p:nvPr>
+            <p:ph type="title"/>
+          </p:nvPr>
+        </p:nvSpPr>
+        <p:spPr>
+          <a:xfrm>
+            <a:off x="952500" y="444500"/>
+            <a:ext cx="11099800" cy="1116040"/>
+          </a:xfrm>
+          <a:prstGeom prst="rect">
+            <a:avLst/>
+          </a:prstGeom>
+        </p:spPr>
+        <p:txBody>
+          <a:bodyPr/>
+          <a:lstStyle>
+            <a:lvl1pPr>
+              <a:defRPr sz="6000">
+                <a:solidFill>
+                  <a:srgbClr val="C82506"/>
+                </a:solidFill>
+              </a:defRPr>
+            </a:lvl1pPr>
+          </a:lstStyle>
+          <a:p>
+            <a:pPr lvl="0">
+              <a:defRPr sz="1800">
+                <a:solidFill>
+                  <a:srgbClr val="000000"/>
+                </a:solidFill>
+              </a:defRPr>
+            </a:pPr>
+            <a:r>
+              <a:rPr sz="6000">
+                <a:solidFill>
+                  <a:srgbClr val="C82506"/>
+                </a:solidFill>
+              </a:rPr>
+              <a:t>BDM - Modello Relazionale</a:t>
+            </a:r>
+          </a:p>
+        </p:txBody>
+      </p:sp>
+      <p:sp>
+        <p:nvSpPr>
+          <p:cNvPr id="149" name="Shape 149"/>
+          <p:cNvSpPr/>
+          <p:nvPr>
+            <p:ph type="body" idx="1"/>
+          </p:nvPr>
+        </p:nvSpPr>
+        <p:spPr>
+          <a:xfrm>
+            <a:off x="952500" y="1526120"/>
+            <a:ext cx="11099800" cy="7492341"/>
+          </a:xfrm>
+          <a:prstGeom prst="rect">
+            <a:avLst/>
+          </a:prstGeom>
+        </p:spPr>
+        <p:txBody>
+          <a:bodyPr anchor="t"/>
+          <a:lstStyle/>
+          <a:p>
+            <a:pPr lvl="0" marL="0" indent="0">
+              <a:spcBef>
+                <a:spcPts val="3200"/>
+              </a:spcBef>
+              <a:buSzTx/>
+              <a:buNone/>
+              <a:defRPr sz="1800"/>
+            </a:pPr>
+            <a:r>
+              <a:rPr sz="2800"/>
+              <a:t>Sensore(</a:t>
+            </a:r>
+            <a:r>
+              <a:rPr sz="2800" u="sng"/>
+              <a:t>codiceSensore</a:t>
+            </a:r>
+            <a:r>
+              <a:rPr sz="2800"/>
+              <a:t>, marca, modello, tipo, idCentralina)</a:t>
+            </a:r>
+            <a:endParaRPr sz="2800"/>
+          </a:p>
+          <a:p>
+            <a:pPr lvl="0" marL="0" indent="0">
+              <a:spcBef>
+                <a:spcPts val="3200"/>
+              </a:spcBef>
+              <a:buSzTx/>
+              <a:buNone/>
+              <a:defRPr sz="1800"/>
+            </a:pPr>
+            <a:r>
+              <a:rPr sz="2800"/>
+              <a:t>RilevazioneSensore(</a:t>
+            </a:r>
+            <a:r>
+              <a:rPr sz="2800" u="sng"/>
+              <a:t>codiceSensore</a:t>
+            </a:r>
+            <a:r>
+              <a:rPr sz="2800"/>
+              <a:t>, </a:t>
+            </a:r>
+            <a:r>
+              <a:rPr sz="2800" u="sng"/>
+              <a:t>data</a:t>
+            </a:r>
+            <a:r>
+              <a:rPr sz="2800"/>
+              <a:t>, valore)</a:t>
+            </a:r>
+            <a:endParaRPr sz="2800"/>
+          </a:p>
+          <a:p>
+            <a:pPr lvl="0" marL="0" indent="0">
+              <a:spcBef>
+                <a:spcPts val="3200"/>
+              </a:spcBef>
+              <a:buSzTx/>
+              <a:buNone/>
+              <a:defRPr sz="1800"/>
+            </a:pPr>
+            <a:r>
+              <a:rPr sz="2800"/>
+              <a:t>Centralina(</a:t>
+            </a:r>
+            <a:r>
+              <a:rPr sz="2800" u="sng"/>
+              <a:t>idCentralina</a:t>
+            </a:r>
+            <a:r>
+              <a:rPr sz="2800"/>
+              <a:t>, long, lat, ASLM, idCellaGeografica)</a:t>
+            </a:r>
+            <a:endParaRPr sz="2800"/>
+          </a:p>
+          <a:p>
+            <a:pPr lvl="0" marL="0" indent="0">
+              <a:spcBef>
+                <a:spcPts val="3200"/>
+              </a:spcBef>
+              <a:buSzTx/>
+              <a:buNone/>
+              <a:defRPr sz="1800"/>
+            </a:pPr>
+            <a:r>
+              <a:rPr sz="2800"/>
+              <a:t>CellaGeografica(</a:t>
+            </a:r>
+            <a:r>
+              <a:rPr sz="2800" u="sng"/>
+              <a:t>idCella</a:t>
+            </a:r>
+            <a:r>
+              <a:rPr sz="2800"/>
+              <a:t>, longitudine, latitudine)</a:t>
+            </a:r>
+            <a:endParaRPr sz="2800"/>
+          </a:p>
+          <a:p>
+            <a:pPr lvl="0" marL="0" indent="0">
+              <a:spcBef>
+                <a:spcPts val="3200"/>
+              </a:spcBef>
+              <a:buSzTx/>
+              <a:buNone/>
+              <a:defRPr sz="1800"/>
+            </a:pPr>
+            <a:r>
+              <a:rPr sz="2800"/>
+              <a:t>PrevisioneMeteo(idPM, dataEmissione, dataRiferimento) </a:t>
+            </a:r>
+            <a:endParaRPr sz="1200"/>
+          </a:p>
+          <a:p>
+            <a:pPr lvl="0" marL="0" indent="0">
+              <a:spcBef>
+                <a:spcPts val="3200"/>
+              </a:spcBef>
+              <a:buSzTx/>
+              <a:buNone/>
+              <a:defRPr sz="1800"/>
+            </a:pPr>
+            <a:r>
+              <a:rPr sz="2800"/>
+              <a:t>Previsione-Cella(</a:t>
+            </a:r>
+            <a:r>
+              <a:rPr sz="2800" u="sng"/>
+              <a:t>idPM</a:t>
+            </a:r>
+            <a:r>
+              <a:rPr sz="2800"/>
+              <a:t>, </a:t>
+            </a:r>
+            <a:r>
+              <a:rPr sz="2800" u="sng"/>
+              <a:t>idCella</a:t>
+            </a:r>
+            <a:r>
+              <a:rPr sz="2800"/>
+              <a:t>, temperaturaMin, temperaturaMax, probPrecipitazioni, livelloPrecipitazioni) </a:t>
+            </a:r>
+          </a:p>
+        </p:txBody>
+      </p:sp>
+    </p:spTree>
+  </p:cSld>
+  <p:clrMapOvr>
+    <a:masterClrMapping/>
+  </p:clrMapOvr>
+  <p:transition spd="med" advClick="1"/>
+</p:sld>
+</file>
+
+<file path=ppt/slides/slide43.xml><?xml version="1.0" encoding="utf-8"?>
+<p:sld xmlns:a="http://schemas.openxmlformats.org/drawingml/2006/main" xmlns:r="http://schemas.openxmlformats.org/officeDocument/2006/relationships" xmlns:p="http://schemas.openxmlformats.org/presentationml/2006/main" showMasterSp="1" showMasterPhAnim="1">
+  <p:cSld>
+    <p:spTree>
+      <p:nvGrpSpPr>
+        <p:cNvPr id="1" name=""/>
+        <p:cNvGrpSpPr/>
+        <p:nvPr/>
+      </p:nvGrpSpPr>
+      <p:grpSpPr>
+        <a:xfrm>
+          <a:off x="0" y="0"/>
+          <a:ext cx="0" cy="0"/>
+          <a:chOff x="0" y="0"/>
+          <a:chExt cx="0" cy="0"/>
+        </a:xfrm>
+      </p:grpSpPr>
+      <p:sp>
+        <p:nvSpPr>
+          <p:cNvPr id="151" name="Shape 151"/>
+          <p:cNvSpPr/>
+          <p:nvPr>
+            <p:ph type="title"/>
+          </p:nvPr>
+        </p:nvSpPr>
+        <p:spPr>
+          <a:xfrm>
+            <a:off x="952500" y="444500"/>
+            <a:ext cx="11099800" cy="1116040"/>
+          </a:xfrm>
+          <a:prstGeom prst="rect">
+            <a:avLst/>
+          </a:prstGeom>
+        </p:spPr>
+        <p:txBody>
+          <a:bodyPr/>
+          <a:lstStyle>
+            <a:lvl1pPr>
+              <a:defRPr sz="6000">
+                <a:solidFill>
+                  <a:srgbClr val="C82506"/>
+                </a:solidFill>
+              </a:defRPr>
+            </a:lvl1pPr>
+          </a:lstStyle>
+          <a:p>
+            <a:pPr lvl="0">
+              <a:defRPr sz="1800">
+                <a:solidFill>
+                  <a:srgbClr val="000000"/>
+                </a:solidFill>
+              </a:defRPr>
+            </a:pPr>
+            <a:r>
+              <a:rPr sz="6000">
+                <a:solidFill>
+                  <a:srgbClr val="C82506"/>
+                </a:solidFill>
+              </a:rPr>
+              <a:t>Base Dati Rete Idrica (BRI)</a:t>
+            </a:r>
+          </a:p>
+        </p:txBody>
+      </p:sp>
+      <p:pic>
+        <p:nvPicPr>
+          <p:cNvPr id="152" name="bri.pdf"/>
+          <p:cNvPicPr/>
+          <p:nvPr/>
+        </p:nvPicPr>
+        <p:blipFill>
+          <a:blip r:embed="rId2">
+            <a:extLst/>
+          </a:blip>
+          <a:srcRect l="7093" t="16174" r="8993" b="16174"/>
+          <a:stretch>
+            <a:fillRect/>
+          </a:stretch>
+        </p:blipFill>
+        <p:spPr>
+          <a:xfrm>
+            <a:off x="353218" y="1876131"/>
+            <a:ext cx="12298406" cy="7006418"/>
+          </a:xfrm>
+          <a:prstGeom prst="rect">
+            <a:avLst/>
+          </a:prstGeom>
+          <a:ln w="12700">
+            <a:miter lim="400000"/>
+          </a:ln>
+        </p:spPr>
+      </p:pic>
+    </p:spTree>
+  </p:cSld>
+  <p:clrMapOvr>
+    <a:masterClrMapping/>
+  </p:clrMapOvr>
+  <p:transition spd="med" advClick="1"/>
+</p:sld>
+</file>
+
+<file path=ppt/slides/slide44.xml><?xml version="1.0" encoding="utf-8"?>
+<p:sld xmlns:a="http://schemas.openxmlformats.org/drawingml/2006/main" xmlns:r="http://schemas.openxmlformats.org/officeDocument/2006/relationships" xmlns:p="http://schemas.openxmlformats.org/presentationml/2006/main" showMasterSp="1" showMasterPhAnim="1">
+  <p:cSld>
+    <p:spTree>
+      <p:nvGrpSpPr>
+        <p:cNvPr id="1" name=""/>
+        <p:cNvGrpSpPr/>
+        <p:nvPr/>
+      </p:nvGrpSpPr>
+      <p:grpSpPr>
+        <a:xfrm>
+          <a:off x="0" y="0"/>
+          <a:ext cx="0" cy="0"/>
+          <a:chOff x="0" y="0"/>
+          <a:chExt cx="0" cy="0"/>
+        </a:xfrm>
+      </p:grpSpPr>
+      <p:sp>
+        <p:nvSpPr>
+          <p:cNvPr id="154" name="Shape 154"/>
+          <p:cNvSpPr/>
+          <p:nvPr>
+            <p:ph type="title"/>
+          </p:nvPr>
+        </p:nvSpPr>
+        <p:spPr>
+          <a:xfrm>
+            <a:off x="952500" y="444500"/>
+            <a:ext cx="11099800" cy="1116040"/>
+          </a:xfrm>
+          <a:prstGeom prst="rect">
+            <a:avLst/>
+          </a:prstGeom>
+        </p:spPr>
+        <p:txBody>
+          <a:bodyPr/>
+          <a:lstStyle>
+            <a:lvl1pPr>
+              <a:defRPr sz="6000">
+                <a:solidFill>
+                  <a:srgbClr val="C82506"/>
+                </a:solidFill>
+              </a:defRPr>
+            </a:lvl1pPr>
+          </a:lstStyle>
+          <a:p>
+            <a:pPr lvl="0">
+              <a:defRPr sz="1800">
+                <a:solidFill>
+                  <a:srgbClr val="000000"/>
+                </a:solidFill>
+              </a:defRPr>
+            </a:pPr>
+            <a:r>
+              <a:rPr sz="6000">
+                <a:solidFill>
+                  <a:srgbClr val="C82506"/>
+                </a:solidFill>
+              </a:rPr>
+              <a:t>BRI - Modello Relazionale</a:t>
+            </a:r>
+          </a:p>
+        </p:txBody>
+      </p:sp>
+      <p:sp>
+        <p:nvSpPr>
+          <p:cNvPr id="155" name="Shape 155"/>
+          <p:cNvSpPr/>
+          <p:nvPr>
+            <p:ph type="body" idx="1"/>
+          </p:nvPr>
+        </p:nvSpPr>
+        <p:spPr>
+          <a:xfrm>
+            <a:off x="952500" y="1526120"/>
+            <a:ext cx="11099800" cy="7492341"/>
+          </a:xfrm>
+          <a:prstGeom prst="rect">
+            <a:avLst/>
+          </a:prstGeom>
+        </p:spPr>
+        <p:txBody>
+          <a:bodyPr anchor="t"/>
+          <a:lstStyle/>
+          <a:p>
+            <a:pPr lvl="0" marL="0" indent="0">
+              <a:spcBef>
+                <a:spcPts val="0"/>
+              </a:spcBef>
+              <a:buSzTx/>
+              <a:buNone/>
+              <a:defRPr sz="1800"/>
+            </a:pPr>
+            <a:r>
+              <a:rPr sz="2800"/>
+              <a:t>Fiume(idFiume, nome) </a:t>
+            </a:r>
+            <a:endParaRPr sz="2800"/>
+          </a:p>
+          <a:p>
+            <a:pPr lvl="0" marL="0" indent="0">
+              <a:spcBef>
+                <a:spcPts val="0"/>
+              </a:spcBef>
+              <a:buSzTx/>
+              <a:buNone/>
+              <a:defRPr sz="1800"/>
+            </a:pPr>
+            <a:endParaRPr sz="2800"/>
+          </a:p>
+          <a:p>
+            <a:pPr lvl="0" marL="0" indent="0">
+              <a:spcBef>
+                <a:spcPts val="0"/>
+              </a:spcBef>
+              <a:buSzTx/>
+              <a:buNone/>
+              <a:defRPr sz="1800"/>
+            </a:pPr>
+            <a:r>
+              <a:rPr sz="2800"/>
+              <a:t>TrattoFiume(idTrattoFiume, lunghezzaTratto, livelloMassimo, </a:t>
+            </a:r>
+            <a:endParaRPr sz="2800"/>
+          </a:p>
+          <a:p>
+            <a:pPr lvl="4" marL="0" indent="0">
+              <a:spcBef>
+                <a:spcPts val="0"/>
+              </a:spcBef>
+              <a:buSzTx/>
+              <a:buNone/>
+              <a:defRPr sz="1800"/>
+            </a:pPr>
+            <a:r>
+              <a:rPr sz="2800"/>
+              <a:t>livelloAllerta, portata, idFiume, nodoInizio, nodoFine) </a:t>
+            </a:r>
+            <a:endParaRPr sz="2800"/>
+          </a:p>
+          <a:p>
+            <a:pPr lvl="0" marL="0" indent="0">
+              <a:spcBef>
+                <a:spcPts val="0"/>
+              </a:spcBef>
+              <a:buSzTx/>
+              <a:buNone/>
+              <a:defRPr sz="1800"/>
+            </a:pPr>
+            <a:endParaRPr sz="2800"/>
+          </a:p>
+          <a:p>
+            <a:pPr lvl="0" marL="0" indent="0">
+              <a:spcBef>
+                <a:spcPts val="0"/>
+              </a:spcBef>
+              <a:buSzTx/>
+              <a:buNone/>
+              <a:defRPr sz="1800"/>
+            </a:pPr>
+            <a:r>
+              <a:rPr sz="2800"/>
+              <a:t>NodoIdrico(idNodoIdrico, altitudine, latitudine, longitudine)</a:t>
+            </a:r>
+            <a:endParaRPr sz="2800"/>
+          </a:p>
+          <a:p>
+            <a:pPr lvl="0" marL="0" indent="0">
+              <a:spcBef>
+                <a:spcPts val="0"/>
+              </a:spcBef>
+              <a:buSzTx/>
+              <a:buNone/>
+              <a:defRPr sz="1800"/>
+            </a:pPr>
+            <a:endParaRPr sz="2800"/>
+          </a:p>
+          <a:p>
+            <a:pPr lvl="0" marL="0" indent="0">
+              <a:spcBef>
+                <a:spcPts val="0"/>
+              </a:spcBef>
+              <a:buSzTx/>
+              <a:buNone/>
+              <a:defRPr sz="1800"/>
+            </a:pPr>
+            <a:r>
+              <a:rPr sz="2800"/>
+              <a:t>CellaGeografica(idCellaGeografica, longit, latit)</a:t>
+            </a:r>
+            <a:endParaRPr sz="2800"/>
+          </a:p>
+          <a:p>
+            <a:pPr lvl="0" marL="0" indent="0">
+              <a:spcBef>
+                <a:spcPts val="0"/>
+              </a:spcBef>
+              <a:buSzTx/>
+              <a:buNone/>
+              <a:defRPr sz="1800"/>
+            </a:pPr>
+            <a:br>
+              <a:rPr sz="2800"/>
+            </a:br>
+            <a:r>
+              <a:rPr sz="2800"/>
+              <a:t>TrattoFiume-Cella(idCella, idTratto)</a:t>
+            </a:r>
+            <a:endParaRPr sz="2800"/>
+          </a:p>
+          <a:p>
+            <a:pPr lvl="0" marL="0" indent="0">
+              <a:spcBef>
+                <a:spcPts val="0"/>
+              </a:spcBef>
+              <a:buSzTx/>
+              <a:buNone/>
+              <a:defRPr sz="1800"/>
+            </a:pPr>
+            <a:br>
+              <a:rPr sz="2800"/>
+            </a:br>
+            <a:r>
+              <a:rPr sz="2800"/>
+              <a:t>Idrometro(idSensore, costruttore, modello, latitudine, longitudine,</a:t>
+            </a:r>
+            <a:endParaRPr sz="2800"/>
+          </a:p>
+          <a:p>
+            <a:pPr lvl="0" marL="0" indent="0">
+              <a:spcBef>
+                <a:spcPts val="0"/>
+              </a:spcBef>
+              <a:buSzTx/>
+              <a:buNone/>
+              <a:defRPr sz="1800"/>
+            </a:pPr>
+            <a:r>
+              <a:rPr sz="2800"/>
+              <a:t>idTrattoFiume)</a:t>
+            </a:r>
+            <a:endParaRPr sz="2800"/>
+          </a:p>
+          <a:p>
+            <a:pPr lvl="0" marL="0" indent="0">
+              <a:spcBef>
+                <a:spcPts val="0"/>
+              </a:spcBef>
+              <a:buSzTx/>
+              <a:buNone/>
+              <a:defRPr sz="1800"/>
+            </a:pPr>
+            <a:endParaRPr sz="2800"/>
+          </a:p>
+          <a:p>
+            <a:pPr lvl="0" marL="0" indent="0">
+              <a:spcBef>
+                <a:spcPts val="0"/>
+              </a:spcBef>
+              <a:buSzTx/>
+              <a:buNone/>
+              <a:defRPr sz="1800"/>
+            </a:pPr>
+            <a:r>
+              <a:rPr sz="2800"/>
+              <a:t>RilevazioneIdrometro(idSensore, data, livello)</a:t>
+            </a:r>
+          </a:p>
+        </p:txBody>
+      </p:sp>
+    </p:spTree>
+  </p:cSld>
+  <p:clrMapOvr>
+    <a:masterClrMapping/>
+  </p:clrMapOvr>
+  <p:transition spd="med" advClick="1"/>
+</p:sld>
+</file>
+
+<file path=ppt/slides/slide45.xml><?xml version="1.0" encoding="utf-8"?>
+<p:sld xmlns:a="http://schemas.openxmlformats.org/drawingml/2006/main" xmlns:r="http://schemas.openxmlformats.org/officeDocument/2006/relationships" xmlns:p="http://schemas.openxmlformats.org/presentationml/2006/main" showMasterSp="1" showMasterPhAnim="1">
+  <p:cSld>
+    <p:spTree>
+      <p:nvGrpSpPr>
+        <p:cNvPr id="1" name=""/>
+        <p:cNvGrpSpPr/>
+        <p:nvPr/>
+      </p:nvGrpSpPr>
+      <p:grpSpPr>
+        <a:xfrm>
+          <a:off x="0" y="0"/>
+          <a:ext cx="0" cy="0"/>
+          <a:chOff x="0" y="0"/>
+          <a:chExt cx="0" cy="0"/>
+        </a:xfrm>
+      </p:grpSpPr>
+      <p:sp>
+        <p:nvSpPr>
+          <p:cNvPr id="157" name="Shape 157"/>
+          <p:cNvSpPr/>
+          <p:nvPr>
+            <p:ph type="title"/>
+          </p:nvPr>
+        </p:nvSpPr>
+        <p:spPr>
+          <a:xfrm>
+            <a:off x="952500" y="444500"/>
+            <a:ext cx="11099800" cy="1116040"/>
+          </a:xfrm>
+          <a:prstGeom prst="rect">
+            <a:avLst/>
+          </a:prstGeom>
+        </p:spPr>
+        <p:txBody>
+          <a:bodyPr/>
+          <a:lstStyle>
+            <a:lvl1pPr>
+              <a:defRPr sz="6000">
+                <a:solidFill>
+                  <a:srgbClr val="C82506"/>
+                </a:solidFill>
+              </a:defRPr>
+            </a:lvl1pPr>
+          </a:lstStyle>
+          <a:p>
+            <a:pPr lvl="0">
+              <a:defRPr sz="1800">
+                <a:solidFill>
+                  <a:srgbClr val="000000"/>
+                </a:solidFill>
+              </a:defRPr>
+            </a:pPr>
+            <a:r>
+              <a:rPr sz="6000">
+                <a:solidFill>
+                  <a:srgbClr val="C82506"/>
+                </a:solidFill>
+              </a:rPr>
+              <a:t>Base Dati Emergenze (BSE)</a:t>
+            </a:r>
+          </a:p>
+        </p:txBody>
+      </p:sp>
+      <p:pic>
+        <p:nvPicPr>
+          <p:cNvPr id="158" name="bse.pdf"/>
+          <p:cNvPicPr/>
+          <p:nvPr/>
+        </p:nvPicPr>
+        <p:blipFill>
+          <a:blip r:embed="rId2">
+            <a:extLst/>
+          </a:blip>
+          <a:srcRect l="13799" t="11804" r="10370" b="19913"/>
+          <a:stretch>
+            <a:fillRect/>
+          </a:stretch>
+        </p:blipFill>
+        <p:spPr>
+          <a:xfrm>
+            <a:off x="566935" y="1811469"/>
+            <a:ext cx="11870902" cy="7553500"/>
+          </a:xfrm>
+          <a:prstGeom prst="rect">
+            <a:avLst/>
+          </a:prstGeom>
+          <a:ln w="12700">
+            <a:miter lim="400000"/>
+          </a:ln>
+        </p:spPr>
+      </p:pic>
+    </p:spTree>
+  </p:cSld>
+  <p:clrMapOvr>
+    <a:masterClrMapping/>
+  </p:clrMapOvr>
+  <p:transition spd="med" advClick="1"/>
+</p:sld>
+</file>
+
+<file path=ppt/slides/slide46.xml><?xml version="1.0" encoding="utf-8"?>
+<p:sld xmlns:a="http://schemas.openxmlformats.org/drawingml/2006/main" xmlns:r="http://schemas.openxmlformats.org/officeDocument/2006/relationships" xmlns:p="http://schemas.openxmlformats.org/presentationml/2006/main" showMasterSp="1" showMasterPhAnim="1">
+  <p:cSld>
+    <p:spTree>
+      <p:nvGrpSpPr>
+        <p:cNvPr id="1" name=""/>
+        <p:cNvGrpSpPr/>
+        <p:nvPr/>
+      </p:nvGrpSpPr>
+      <p:grpSpPr>
+        <a:xfrm>
+          <a:off x="0" y="0"/>
+          <a:ext cx="0" cy="0"/>
+          <a:chOff x="0" y="0"/>
+          <a:chExt cx="0" cy="0"/>
+        </a:xfrm>
+      </p:grpSpPr>
+      <p:sp>
+        <p:nvSpPr>
+          <p:cNvPr id="160" name="Shape 160"/>
+          <p:cNvSpPr/>
+          <p:nvPr>
+            <p:ph type="title"/>
+          </p:nvPr>
+        </p:nvSpPr>
+        <p:spPr>
+          <a:xfrm>
+            <a:off x="952500" y="444500"/>
+            <a:ext cx="11099800" cy="1116040"/>
+          </a:xfrm>
+          <a:prstGeom prst="rect">
+            <a:avLst/>
+          </a:prstGeom>
+        </p:spPr>
+        <p:txBody>
+          <a:bodyPr/>
+          <a:lstStyle>
+            <a:lvl1pPr>
+              <a:defRPr sz="6000">
+                <a:solidFill>
+                  <a:srgbClr val="C82506"/>
+                </a:solidFill>
+              </a:defRPr>
+            </a:lvl1pPr>
+          </a:lstStyle>
+          <a:p>
+            <a:pPr lvl="0">
+              <a:defRPr sz="1800">
+                <a:solidFill>
+                  <a:srgbClr val="000000"/>
+                </a:solidFill>
+              </a:defRPr>
+            </a:pPr>
+            <a:r>
+              <a:rPr sz="6000">
+                <a:solidFill>
+                  <a:srgbClr val="C82506"/>
+                </a:solidFill>
+              </a:rPr>
+              <a:t>BSE - Modello Relazionale</a:t>
+            </a:r>
+          </a:p>
+        </p:txBody>
+      </p:sp>
+      <p:sp>
+        <p:nvSpPr>
+          <p:cNvPr id="161" name="Shape 161"/>
+          <p:cNvSpPr/>
+          <p:nvPr>
+            <p:ph type="body" idx="1"/>
+          </p:nvPr>
+        </p:nvSpPr>
+        <p:spPr>
+          <a:xfrm>
+            <a:off x="952500" y="1526120"/>
+            <a:ext cx="11099800" cy="7492341"/>
+          </a:xfrm>
+          <a:prstGeom prst="rect">
+            <a:avLst/>
+          </a:prstGeom>
+        </p:spPr>
+        <p:txBody>
+          <a:bodyPr/>
+          <a:lstStyle/>
+          <a:p>
+            <a:pPr lvl="0" marL="0" indent="0" defTabSz="578358">
+              <a:spcBef>
+                <a:spcPts val="0"/>
+              </a:spcBef>
+              <a:buSzTx/>
+              <a:buNone/>
+              <a:defRPr sz="1800"/>
+            </a:pPr>
+            <a:r>
+              <a:rPr sz="2772"/>
+              <a:t>SEG(idSeg, tipo, latitudine, longitudine, altitudine, data, idTrattoFiume,</a:t>
+            </a:r>
+            <a:endParaRPr sz="2772"/>
+          </a:p>
+          <a:p>
+            <a:pPr lvl="0" marL="0" indent="0" defTabSz="578358">
+              <a:spcBef>
+                <a:spcPts val="0"/>
+              </a:spcBef>
+              <a:buSzTx/>
+              <a:buNone/>
+              <a:defRPr sz="1800"/>
+            </a:pPr>
+            <a:r>
+              <a:rPr sz="2772"/>
+              <a:t>CFOperatore)</a:t>
+            </a:r>
+            <a:endParaRPr sz="2772"/>
+          </a:p>
+          <a:p>
+            <a:pPr lvl="0" marL="0" indent="0" defTabSz="578358">
+              <a:spcBef>
+                <a:spcPts val="0"/>
+              </a:spcBef>
+              <a:buSzTx/>
+              <a:buNone/>
+              <a:defRPr sz="1800"/>
+            </a:pPr>
+            <a:endParaRPr sz="2772"/>
+          </a:p>
+          <a:p>
+            <a:pPr lvl="0" marL="0" indent="0" defTabSz="578358">
+              <a:spcBef>
+                <a:spcPts val="0"/>
+              </a:spcBef>
+              <a:buSzTx/>
+              <a:buNone/>
+              <a:defRPr sz="1800"/>
+            </a:pPr>
+            <a:r>
+              <a:rPr sz="2772"/>
+              <a:t>TrattoFiume(idTrattoFiume, latitudineInizio, latitudineFine, </a:t>
+            </a:r>
+            <a:endParaRPr sz="2772"/>
+          </a:p>
+          <a:p>
+            <a:pPr lvl="0" marL="0" indent="0" defTabSz="578358">
+              <a:spcBef>
+                <a:spcPts val="0"/>
+              </a:spcBef>
+              <a:buSzTx/>
+              <a:buNone/>
+              <a:defRPr sz="1800"/>
+            </a:pPr>
+            <a:r>
+              <a:rPr sz="2772"/>
+              <a:t>longitudineInizio, longitudineFine) </a:t>
+            </a:r>
+            <a:endParaRPr sz="2772"/>
+          </a:p>
+          <a:p>
+            <a:pPr lvl="0" marL="0" indent="0" defTabSz="578358">
+              <a:spcBef>
+                <a:spcPts val="0"/>
+              </a:spcBef>
+              <a:buSzTx/>
+              <a:buNone/>
+              <a:defRPr sz="1800"/>
+            </a:pPr>
+            <a:endParaRPr sz="2772"/>
+          </a:p>
+          <a:p>
+            <a:pPr lvl="0" marL="0" indent="0" defTabSz="578358">
+              <a:spcBef>
+                <a:spcPts val="0"/>
+              </a:spcBef>
+              <a:buSzTx/>
+              <a:buNone/>
+              <a:defRPr sz="1800"/>
+            </a:pPr>
+            <a:r>
+              <a:rPr sz="2772"/>
+              <a:t>SEP(idSEP, data, livelloPericolo)</a:t>
+            </a:r>
+            <a:endParaRPr sz="2772"/>
+          </a:p>
+          <a:p>
+            <a:pPr lvl="0" marL="0" indent="0" defTabSz="578358">
+              <a:spcBef>
+                <a:spcPts val="0"/>
+              </a:spcBef>
+              <a:buSzTx/>
+              <a:buNone/>
+              <a:defRPr sz="1800"/>
+            </a:pPr>
+            <a:br>
+              <a:rPr sz="2772"/>
+            </a:br>
+            <a:r>
+              <a:rPr sz="2772"/>
+              <a:t>Pianificazione(idPianificazione, data)</a:t>
+            </a:r>
+            <a:endParaRPr sz="2772"/>
+          </a:p>
+          <a:p>
+            <a:pPr lvl="0" marL="0" indent="0" defTabSz="578358">
+              <a:spcBef>
+                <a:spcPts val="0"/>
+              </a:spcBef>
+              <a:buSzTx/>
+              <a:buNone/>
+              <a:defRPr sz="1800"/>
+            </a:pPr>
+            <a:br>
+              <a:rPr sz="2772"/>
+            </a:br>
+            <a:r>
+              <a:rPr sz="2772"/>
+              <a:t>SquadraEmergenza(idSquadra, CFResponsabile, coordGPS) </a:t>
+            </a:r>
+            <a:endParaRPr sz="2772"/>
+          </a:p>
+          <a:p>
+            <a:pPr lvl="0" marL="0" indent="0" defTabSz="578358">
+              <a:spcBef>
+                <a:spcPts val="0"/>
+              </a:spcBef>
+              <a:buSzTx/>
+              <a:buNone/>
+              <a:defRPr sz="1800"/>
+            </a:pPr>
+            <a:endParaRPr sz="2772"/>
+          </a:p>
+          <a:p>
+            <a:pPr lvl="0" marL="0" indent="0" defTabSz="578358">
+              <a:spcBef>
+                <a:spcPts val="0"/>
+              </a:spcBef>
+              <a:buSzTx/>
+              <a:buNone/>
+              <a:defRPr sz="1800"/>
+            </a:pPr>
+            <a:r>
+              <a:rPr sz="2772"/>
+              <a:t>Assegnamento(idPianificazione, idSEP, idSquadra)</a:t>
+            </a:r>
+            <a:endParaRPr sz="2772"/>
+          </a:p>
+          <a:p>
+            <a:pPr lvl="0" marL="0" indent="0" defTabSz="578358">
+              <a:spcBef>
+                <a:spcPts val="0"/>
+              </a:spcBef>
+              <a:buSzTx/>
+              <a:buNone/>
+              <a:defRPr sz="1800"/>
+            </a:pPr>
+            <a:br>
+              <a:rPr sz="2772"/>
+            </a:br>
+            <a:r>
+              <a:rPr sz="2772"/>
+              <a:t>OperatoreCampo(CF, nome, cognome, recapitoTelefonico)</a:t>
+            </a:r>
+            <a:endParaRPr sz="2772"/>
+          </a:p>
+          <a:p>
+            <a:pPr lvl="0" marL="0" indent="0" defTabSz="578358">
+              <a:spcBef>
+                <a:spcPts val="0"/>
+              </a:spcBef>
+              <a:buSzTx/>
+              <a:buNone/>
+              <a:defRPr sz="1800"/>
+            </a:pPr>
+            <a:endParaRPr sz="2772"/>
+          </a:p>
+          <a:p>
+            <a:pPr lvl="0" marL="0" indent="0" defTabSz="578358">
+              <a:spcBef>
+                <a:spcPts val="0"/>
+              </a:spcBef>
+              <a:buSzTx/>
+              <a:buNone/>
+              <a:defRPr sz="1800"/>
+            </a:pPr>
+            <a:r>
+              <a:rPr sz="2772"/>
+              <a:t>ComponenteSquadra(CF, nome, cognome, recapitoTelefonico, </a:t>
+            </a:r>
+            <a:endParaRPr sz="2772"/>
+          </a:p>
+          <a:p>
+            <a:pPr lvl="0" marL="0" indent="0" defTabSz="578358">
+              <a:spcBef>
+                <a:spcPts val="0"/>
+              </a:spcBef>
+              <a:buSzTx/>
+              <a:buNone/>
+              <a:defRPr sz="1800"/>
+            </a:pPr>
+            <a:r>
+              <a:rPr sz="2772"/>
+              <a:t>idSquadra)</a:t>
+            </a:r>
+          </a:p>
+        </p:txBody>
+      </p:sp>
+    </p:spTree>
+  </p:cSld>
+  <p:clrMapOvr>
+    <a:masterClrMapping/>
+  </p:clrMapOvr>
+  <p:transition spd="med" advClick="1"/>
+</p:sld>
+</file>
+
+<file path=ppt/slides/slide47.xml><?xml version="1.0" encoding="utf-8"?>
+<p:sld xmlns:a="http://schemas.openxmlformats.org/drawingml/2006/main" xmlns:r="http://schemas.openxmlformats.org/officeDocument/2006/relationships" xmlns:p="http://schemas.openxmlformats.org/presentationml/2006/main" showMasterSp="1" showMasterPhAnim="1">
+  <p:cSld>
+    <p:spTree>
+      <p:nvGrpSpPr>
+        <p:cNvPr id="1" name=""/>
+        <p:cNvGrpSpPr/>
+        <p:nvPr/>
+      </p:nvGrpSpPr>
+      <p:grpSpPr>
+        <a:xfrm>
+          <a:off x="0" y="0"/>
+          <a:ext cx="0" cy="0"/>
+          <a:chOff x="0" y="0"/>
+          <a:chExt cx="0" cy="0"/>
+        </a:xfrm>
+      </p:grpSpPr>
+      <p:sp>
+        <p:nvSpPr>
+          <p:cNvPr id="163" name="Shape 163"/>
+          <p:cNvSpPr/>
+          <p:nvPr>
+            <p:ph type="title"/>
+          </p:nvPr>
+        </p:nvSpPr>
+        <p:spPr>
+          <a:xfrm>
+            <a:off x="1422400" y="177800"/>
+            <a:ext cx="10464800" cy="1422400"/>
+          </a:xfrm>
+          <a:prstGeom prst="rect">
+            <a:avLst/>
+          </a:prstGeom>
+        </p:spPr>
+        <p:txBody>
+          <a:bodyPr/>
+          <a:lstStyle>
+            <a:lvl1pPr>
+              <a:defRPr sz="6000">
+                <a:solidFill>
+                  <a:srgbClr val="C82506"/>
+                </a:solidFill>
+              </a:defRPr>
+            </a:lvl1pPr>
+          </a:lstStyle>
+          <a:p>
+            <a:pPr lvl="0">
+              <a:defRPr sz="1800">
+                <a:solidFill>
+                  <a:srgbClr val="000000"/>
+                </a:solidFill>
+              </a:defRPr>
+            </a:pPr>
+            <a:r>
+              <a:rPr sz="6000">
+                <a:solidFill>
+                  <a:srgbClr val="C82506"/>
+                </a:solidFill>
+              </a:rPr>
+              <a:t>Modello ER Completo</a:t>
+            </a:r>
+          </a:p>
+        </p:txBody>
+      </p:sp>
+      <p:pic>
+        <p:nvPicPr>
+          <p:cNvPr id="164" name="ERCompleto.pdf"/>
+          <p:cNvPicPr/>
+          <p:nvPr/>
+        </p:nvPicPr>
+        <p:blipFill>
+          <a:blip r:embed="rId2">
+            <a:extLst/>
+          </a:blip>
+          <a:stretch>
+            <a:fillRect/>
+          </a:stretch>
+        </p:blipFill>
+        <p:spPr>
+          <a:xfrm>
+            <a:off x="63834" y="1753100"/>
+            <a:ext cx="12877132" cy="6247400"/>
+          </a:xfrm>
+          <a:prstGeom prst="rect">
+            <a:avLst/>
+          </a:prstGeom>
+          <a:ln w="12700">
+            <a:miter lim="400000"/>
+          </a:ln>
+        </p:spPr>
+      </p:pic>
+    </p:spTree>
+  </p:cSld>
+  <p:clrMapOvr>
+    <a:masterClrMapping/>
+  </p:clrMapOvr>
+  <p:transition spd="med" advClick="1"/>
+</p:sld>
+</file>
+
+<file path=ppt/slides/slide48.xml><?xml version="1.0" encoding="utf-8"?>
+<p:sld xmlns:a="http://schemas.openxmlformats.org/drawingml/2006/main" xmlns:r="http://schemas.openxmlformats.org/officeDocument/2006/relationships" xmlns:p="http://schemas.openxmlformats.org/presentationml/2006/main" showMasterSp="1" showMasterPhAnim="1">
+  <p:cSld>
+    <p:spTree>
+      <p:nvGrpSpPr>
+        <p:cNvPr id="1" name=""/>
+        <p:cNvGrpSpPr/>
+        <p:nvPr/>
+      </p:nvGrpSpPr>
+      <p:grpSpPr>
+        <a:xfrm>
+          <a:off x="0" y="0"/>
+          <a:ext cx="0" cy="0"/>
+          <a:chOff x="0" y="0"/>
+          <a:chExt cx="0" cy="0"/>
+        </a:xfrm>
+      </p:grpSpPr>
+      <p:sp>
+        <p:nvSpPr>
+          <p:cNvPr id="166" name="Shape 166"/>
+          <p:cNvSpPr/>
+          <p:nvPr>
+            <p:ph type="title"/>
+          </p:nvPr>
+        </p:nvSpPr>
+        <p:spPr>
+          <a:xfrm>
+            <a:off x="952500" y="444500"/>
+            <a:ext cx="11099800" cy="1116040"/>
+          </a:xfrm>
+          <a:prstGeom prst="rect">
+            <a:avLst/>
+          </a:prstGeom>
+        </p:spPr>
+        <p:txBody>
+          <a:bodyPr/>
+          <a:lstStyle>
+            <a:lvl1pPr defTabSz="543305">
+              <a:defRPr sz="5580">
+                <a:solidFill>
+                  <a:srgbClr val="C82506"/>
+                </a:solidFill>
+              </a:defRPr>
+            </a:lvl1pPr>
+          </a:lstStyle>
+          <a:p>
+            <a:pPr lvl="0">
+              <a:defRPr sz="1800">
+                <a:solidFill>
+                  <a:srgbClr val="000000"/>
+                </a:solidFill>
+              </a:defRPr>
+            </a:pPr>
+            <a:r>
+              <a:rPr sz="5580">
+                <a:solidFill>
+                  <a:srgbClr val="C82506"/>
+                </a:solidFill>
+              </a:rPr>
+              <a:t>Integrata - Modello Relazionale (1)</a:t>
+            </a:r>
+          </a:p>
+        </p:txBody>
+      </p:sp>
+      <p:sp>
+        <p:nvSpPr>
+          <p:cNvPr id="167" name="Shape 167"/>
+          <p:cNvSpPr/>
+          <p:nvPr>
+            <p:ph type="body" idx="1"/>
+          </p:nvPr>
+        </p:nvSpPr>
+        <p:spPr>
+          <a:xfrm>
+            <a:off x="952500" y="1526120"/>
+            <a:ext cx="11099800" cy="7492341"/>
+          </a:xfrm>
+          <a:prstGeom prst="rect">
+            <a:avLst/>
+          </a:prstGeom>
+        </p:spPr>
+        <p:txBody>
+          <a:bodyPr/>
+          <a:lstStyle/>
+          <a:p>
+            <a:pPr lvl="0" marL="0" indent="0" defTabSz="578358">
+              <a:spcBef>
+                <a:spcPts val="0"/>
+              </a:spcBef>
+              <a:buSzTx/>
+              <a:buNone/>
+              <a:defRPr sz="1800"/>
+            </a:pPr>
+            <a:r>
+              <a:rPr sz="2772"/>
+              <a:t>SEG(</a:t>
+            </a:r>
+            <a:r>
+              <a:rPr sz="2772" u="sng"/>
+              <a:t>idSeg</a:t>
+            </a:r>
+            <a:r>
+              <a:rPr sz="2772"/>
+              <a:t>, tipo, latitudine, longitudine, altitudine, data, idTrattoFiume, </a:t>
+            </a:r>
+            <a:endParaRPr sz="2772"/>
+          </a:p>
+          <a:p>
+            <a:pPr lvl="0" marL="0" indent="0" defTabSz="578358">
+              <a:spcBef>
+                <a:spcPts val="0"/>
+              </a:spcBef>
+              <a:buSzTx/>
+              <a:buNone/>
+              <a:defRPr sz="1800"/>
+            </a:pPr>
+            <a:r>
+              <a:rPr sz="2772"/>
+              <a:t>CFOperatore)</a:t>
+            </a:r>
+            <a:endParaRPr sz="2772"/>
+          </a:p>
+          <a:p>
+            <a:pPr lvl="0" marL="0" indent="0" defTabSz="578358">
+              <a:spcBef>
+                <a:spcPts val="3100"/>
+              </a:spcBef>
+              <a:buSzTx/>
+              <a:buNone/>
+              <a:defRPr sz="1800"/>
+            </a:pPr>
+            <a:r>
+              <a:rPr sz="2772"/>
+              <a:t>SEP(</a:t>
+            </a:r>
+            <a:r>
+              <a:rPr sz="2772" u="sng"/>
+              <a:t>idSEP</a:t>
+            </a:r>
+            <a:r>
+              <a:rPr sz="2772"/>
+              <a:t>, data, livelloPericolo)</a:t>
+            </a:r>
+            <a:endParaRPr sz="2772"/>
+          </a:p>
+          <a:p>
+            <a:pPr lvl="0" marL="0" indent="0" defTabSz="578358">
+              <a:spcBef>
+                <a:spcPts val="3100"/>
+              </a:spcBef>
+              <a:buSzTx/>
+              <a:buNone/>
+              <a:defRPr sz="1800"/>
+            </a:pPr>
+            <a:r>
+              <a:rPr sz="2772"/>
+              <a:t>Pianificazione(</a:t>
+            </a:r>
+            <a:r>
+              <a:rPr sz="2772" u="sng"/>
+              <a:t>idPianificazione</a:t>
+            </a:r>
+            <a:r>
+              <a:rPr sz="2772"/>
+              <a:t>, data)</a:t>
+            </a:r>
+            <a:endParaRPr sz="2772"/>
+          </a:p>
+          <a:p>
+            <a:pPr lvl="0" marL="0" indent="0" defTabSz="578358">
+              <a:spcBef>
+                <a:spcPts val="3100"/>
+              </a:spcBef>
+              <a:buSzTx/>
+              <a:buNone/>
+              <a:defRPr sz="1800"/>
+            </a:pPr>
+            <a:r>
+              <a:rPr sz="2772"/>
+              <a:t>SquadraEmergenza(</a:t>
+            </a:r>
+            <a:r>
+              <a:rPr sz="2772" u="sng"/>
+              <a:t>idSquadra</a:t>
+            </a:r>
+            <a:r>
+              <a:rPr sz="2772"/>
+              <a:t>, </a:t>
+            </a:r>
+            <a:r>
+              <a:rPr sz="2772" u="sng"/>
+              <a:t>CFResponsabile</a:t>
+            </a:r>
+            <a:r>
+              <a:rPr sz="2772"/>
+              <a:t>, coordGPS)</a:t>
+            </a:r>
+            <a:endParaRPr sz="2772"/>
+          </a:p>
+          <a:p>
+            <a:pPr lvl="0" marL="0" indent="0" defTabSz="578358">
+              <a:spcBef>
+                <a:spcPts val="3100"/>
+              </a:spcBef>
+              <a:buSzTx/>
+              <a:buNone/>
+              <a:defRPr sz="1800"/>
+            </a:pPr>
+            <a:r>
+              <a:rPr sz="2772"/>
+              <a:t>Assegnamento(</a:t>
+            </a:r>
+            <a:r>
+              <a:rPr sz="2772" u="sng"/>
+              <a:t>idPianificazione</a:t>
+            </a:r>
+            <a:r>
+              <a:rPr sz="2772"/>
+              <a:t>, </a:t>
+            </a:r>
+            <a:r>
+              <a:rPr sz="2772" u="sng"/>
+              <a:t>idSEP</a:t>
+            </a:r>
+            <a:r>
+              <a:rPr sz="2772"/>
+              <a:t>, </a:t>
+            </a:r>
+            <a:r>
+              <a:rPr sz="2772" u="sng"/>
+              <a:t>idSquadra</a:t>
+            </a:r>
+            <a:r>
+              <a:rPr sz="2772"/>
+              <a:t>)</a:t>
+            </a:r>
+            <a:endParaRPr sz="2772"/>
+          </a:p>
+          <a:p>
+            <a:pPr lvl="0" marL="0" indent="0" defTabSz="578358">
+              <a:spcBef>
+                <a:spcPts val="3100"/>
+              </a:spcBef>
+              <a:buSzTx/>
+              <a:buNone/>
+              <a:defRPr sz="1800"/>
+            </a:pPr>
+            <a:r>
+              <a:rPr sz="2772"/>
+              <a:t>OperatoreCampo(</a:t>
+            </a:r>
+            <a:r>
+              <a:rPr sz="2772" u="sng"/>
+              <a:t>CF</a:t>
+            </a:r>
+            <a:r>
+              <a:rPr sz="2772"/>
+              <a:t>, nome, cognome, recapitoTelefonico)</a:t>
+            </a:r>
+            <a:endParaRPr sz="2772"/>
+          </a:p>
+          <a:p>
+            <a:pPr lvl="0" marL="0" indent="0" defTabSz="578358">
+              <a:spcBef>
+                <a:spcPts val="3100"/>
+              </a:spcBef>
+              <a:buSzTx/>
+              <a:buNone/>
+              <a:defRPr sz="1800"/>
+            </a:pPr>
+            <a:r>
+              <a:rPr sz="2772"/>
+              <a:t>ComponenteSquadra(</a:t>
+            </a:r>
+            <a:r>
+              <a:rPr sz="2772" u="sng"/>
+              <a:t>CF</a:t>
+            </a:r>
+            <a:r>
+              <a:rPr sz="2772"/>
+              <a:t>, nome, cognome, recapitoTelefonico, </a:t>
+            </a:r>
+            <a:endParaRPr sz="2772"/>
+          </a:p>
+          <a:p>
+            <a:pPr lvl="0" marL="0" indent="0" defTabSz="578358">
+              <a:spcBef>
+                <a:spcPts val="0"/>
+              </a:spcBef>
+              <a:buSzTx/>
+              <a:buNone/>
+              <a:defRPr sz="1800"/>
+            </a:pPr>
+            <a:r>
+              <a:rPr sz="2772"/>
+              <a:t>idSquadra)</a:t>
+            </a:r>
+            <a:endParaRPr sz="2772"/>
+          </a:p>
+          <a:p>
+            <a:pPr lvl="0" marL="0" indent="0" defTabSz="578358">
+              <a:spcBef>
+                <a:spcPts val="3100"/>
+              </a:spcBef>
+              <a:buSzTx/>
+              <a:buNone/>
+              <a:defRPr sz="1800"/>
+            </a:pPr>
+            <a:r>
+              <a:rPr sz="2772"/>
+              <a:t>Sensore(</a:t>
+            </a:r>
+            <a:r>
+              <a:rPr sz="2772" u="sng"/>
+              <a:t>codiceSensore</a:t>
+            </a:r>
+            <a:r>
+              <a:rPr sz="2772"/>
+              <a:t>, marca, modello, tipo, altitudine, latitudine, </a:t>
+            </a:r>
+            <a:endParaRPr sz="2772"/>
+          </a:p>
+          <a:p>
+            <a:pPr lvl="0" marL="0" indent="0" defTabSz="578358">
+              <a:spcBef>
+                <a:spcPts val="0"/>
+              </a:spcBef>
+              <a:buSzTx/>
+              <a:buNone/>
+              <a:defRPr sz="1800"/>
+            </a:pPr>
+            <a:r>
+              <a:rPr sz="2772"/>
+              <a:t>longitudine, idCentralina, idTrattoFiume)</a:t>
+            </a:r>
+          </a:p>
+        </p:txBody>
+      </p:sp>
+    </p:spTree>
+  </p:cSld>
+  <p:clrMapOvr>
+    <a:masterClrMapping/>
+  </p:clrMapOvr>
+  <p:transition spd="med" advClick="1"/>
+</p:sld>
+</file>
+
+<file path=ppt/slides/slide49.xml><?xml version="1.0" encoding="utf-8"?>
+<p:sld xmlns:a="http://schemas.openxmlformats.org/drawingml/2006/main" xmlns:r="http://schemas.openxmlformats.org/officeDocument/2006/relationships" xmlns:p="http://schemas.openxmlformats.org/presentationml/2006/main" showMasterSp="1" showMasterPhAnim="1">
+  <p:cSld>
+    <p:spTree>
+      <p:nvGrpSpPr>
+        <p:cNvPr id="1" name=""/>
+        <p:cNvGrpSpPr/>
+        <p:nvPr/>
+      </p:nvGrpSpPr>
+      <p:grpSpPr>
+        <a:xfrm>
+          <a:off x="0" y="0"/>
+          <a:ext cx="0" cy="0"/>
+          <a:chOff x="0" y="0"/>
+          <a:chExt cx="0" cy="0"/>
+        </a:xfrm>
+      </p:grpSpPr>
+      <p:sp>
+        <p:nvSpPr>
+          <p:cNvPr id="169" name="Shape 169"/>
+          <p:cNvSpPr/>
+          <p:nvPr>
+            <p:ph type="title"/>
+          </p:nvPr>
+        </p:nvSpPr>
+        <p:spPr>
+          <a:xfrm>
+            <a:off x="952500" y="444500"/>
+            <a:ext cx="11099800" cy="1116040"/>
+          </a:xfrm>
+          <a:prstGeom prst="rect">
+            <a:avLst/>
+          </a:prstGeom>
+        </p:spPr>
+        <p:txBody>
+          <a:bodyPr/>
+          <a:lstStyle>
+            <a:lvl1pPr defTabSz="543305">
+              <a:defRPr sz="5580">
+                <a:solidFill>
+                  <a:srgbClr val="C82506"/>
+                </a:solidFill>
+              </a:defRPr>
+            </a:lvl1pPr>
+          </a:lstStyle>
+          <a:p>
+            <a:pPr lvl="0">
+              <a:defRPr sz="1800">
+                <a:solidFill>
+                  <a:srgbClr val="000000"/>
+                </a:solidFill>
+              </a:defRPr>
+            </a:pPr>
+            <a:r>
+              <a:rPr sz="5580">
+                <a:solidFill>
+                  <a:srgbClr val="C82506"/>
+                </a:solidFill>
+              </a:rPr>
+              <a:t>Integrata - Modello Relazionale (2)</a:t>
+            </a:r>
+          </a:p>
+        </p:txBody>
+      </p:sp>
+      <p:sp>
+        <p:nvSpPr>
+          <p:cNvPr id="170" name="Shape 170"/>
+          <p:cNvSpPr/>
+          <p:nvPr>
+            <p:ph type="body" idx="1"/>
+          </p:nvPr>
+        </p:nvSpPr>
+        <p:spPr>
+          <a:xfrm>
+            <a:off x="952500" y="1526120"/>
+            <a:ext cx="11099800" cy="7492341"/>
+          </a:xfrm>
+          <a:prstGeom prst="rect">
+            <a:avLst/>
+          </a:prstGeom>
+        </p:spPr>
+        <p:txBody>
+          <a:bodyPr/>
+          <a:lstStyle/>
+          <a:p>
+            <a:pPr lvl="0" marL="0" indent="0" defTabSz="554990">
+              <a:spcBef>
+                <a:spcPts val="3000"/>
+              </a:spcBef>
+              <a:buSzTx/>
+              <a:buNone/>
+              <a:defRPr sz="1800"/>
+            </a:pPr>
+            <a:r>
+              <a:rPr sz="2660"/>
+              <a:t>RilevazioneSensore(</a:t>
+            </a:r>
+            <a:r>
+              <a:rPr sz="2660" u="sng"/>
+              <a:t>codiceSensore</a:t>
+            </a:r>
+            <a:r>
+              <a:rPr sz="2660"/>
+              <a:t>, </a:t>
+            </a:r>
+            <a:r>
+              <a:rPr sz="2660" u="sng"/>
+              <a:t>data</a:t>
+            </a:r>
+            <a:r>
+              <a:rPr sz="2660"/>
+              <a:t>, valore)</a:t>
+            </a:r>
+            <a:endParaRPr sz="2660"/>
+          </a:p>
+          <a:p>
+            <a:pPr lvl="0" marL="0" indent="0" defTabSz="554990">
+              <a:spcBef>
+                <a:spcPts val="3000"/>
+              </a:spcBef>
+              <a:buSzTx/>
+              <a:buNone/>
+              <a:defRPr sz="1800"/>
+            </a:pPr>
+            <a:r>
+              <a:rPr sz="2660"/>
+              <a:t>Centralina(</a:t>
+            </a:r>
+            <a:r>
+              <a:rPr sz="2660" u="sng"/>
+              <a:t>idCentralina</a:t>
+            </a:r>
+            <a:r>
+              <a:rPr sz="2660"/>
+              <a:t>, long, lat, ASLM, idCellaGeografica)</a:t>
+            </a:r>
+            <a:endParaRPr sz="2660"/>
+          </a:p>
+          <a:p>
+            <a:pPr lvl="0" marL="0" indent="0" defTabSz="554990">
+              <a:spcBef>
+                <a:spcPts val="3000"/>
+              </a:spcBef>
+              <a:buSzTx/>
+              <a:buNone/>
+              <a:defRPr sz="1800"/>
+            </a:pPr>
+            <a:r>
+              <a:rPr sz="2660"/>
+              <a:t>CellaGeografica(</a:t>
+            </a:r>
+            <a:r>
+              <a:rPr sz="2660" u="sng"/>
+              <a:t>idCella</a:t>
+            </a:r>
+            <a:r>
+              <a:rPr sz="2660"/>
+              <a:t>, longitudine, latitudine, regione)</a:t>
+            </a:r>
+            <a:endParaRPr sz="2660"/>
+          </a:p>
+          <a:p>
+            <a:pPr lvl="0" marL="0" indent="0" defTabSz="554990">
+              <a:spcBef>
+                <a:spcPts val="3000"/>
+              </a:spcBef>
+              <a:buSzTx/>
+              <a:buNone/>
+              <a:defRPr sz="1800"/>
+            </a:pPr>
+            <a:r>
+              <a:rPr sz="2660"/>
+              <a:t>PrevisioneMeteo(</a:t>
+            </a:r>
+            <a:r>
+              <a:rPr sz="2660" u="sng"/>
+              <a:t>idPM</a:t>
+            </a:r>
+            <a:r>
+              <a:rPr sz="2660"/>
+              <a:t>, dataEmissione, dataRiferimento)</a:t>
+            </a:r>
+            <a:endParaRPr sz="2660"/>
+          </a:p>
+          <a:p>
+            <a:pPr lvl="0" marL="0" indent="0" defTabSz="554990">
+              <a:spcBef>
+                <a:spcPts val="3000"/>
+              </a:spcBef>
+              <a:buSzTx/>
+              <a:buNone/>
+              <a:defRPr sz="1800"/>
+            </a:pPr>
+            <a:r>
+              <a:rPr sz="2660"/>
+              <a:t>Previsione-Cella(</a:t>
+            </a:r>
+            <a:r>
+              <a:rPr sz="2660" u="sng"/>
+              <a:t>idPM</a:t>
+            </a:r>
+            <a:r>
+              <a:rPr sz="2660"/>
+              <a:t>, </a:t>
+            </a:r>
+            <a:r>
+              <a:rPr sz="2660" u="sng"/>
+              <a:t>idCella</a:t>
+            </a:r>
+            <a:r>
+              <a:rPr sz="2660"/>
+              <a:t>, temperaturaMin, temperaturaMax, </a:t>
+            </a:r>
+            <a:endParaRPr sz="2660"/>
+          </a:p>
+          <a:p>
+            <a:pPr lvl="0" marL="0" indent="0" defTabSz="554990">
+              <a:spcBef>
+                <a:spcPts val="0"/>
+              </a:spcBef>
+              <a:buSzTx/>
+              <a:buNone/>
+              <a:defRPr sz="1800"/>
+            </a:pPr>
+            <a:r>
+              <a:rPr sz="2660"/>
+              <a:t>probPrecipitazioni, livelloPrecipitazioni)</a:t>
+            </a:r>
+            <a:endParaRPr sz="2660"/>
+          </a:p>
+          <a:p>
+            <a:pPr lvl="0" marL="0" indent="0" defTabSz="554990">
+              <a:spcBef>
+                <a:spcPts val="3000"/>
+              </a:spcBef>
+              <a:buSzTx/>
+              <a:buNone/>
+              <a:defRPr sz="1800"/>
+            </a:pPr>
+            <a:r>
+              <a:rPr sz="2660"/>
+              <a:t>Fiume(</a:t>
+            </a:r>
+            <a:r>
+              <a:rPr sz="2660" u="sng"/>
+              <a:t>idFiume</a:t>
+            </a:r>
+            <a:r>
+              <a:rPr sz="2660"/>
+              <a:t>, nome)</a:t>
+            </a:r>
+            <a:endParaRPr sz="2660"/>
+          </a:p>
+          <a:p>
+            <a:pPr lvl="0" marL="0" indent="0" defTabSz="554990">
+              <a:spcBef>
+                <a:spcPts val="3000"/>
+              </a:spcBef>
+              <a:buSzTx/>
+              <a:buNone/>
+              <a:defRPr sz="1800"/>
+            </a:pPr>
+            <a:r>
+              <a:rPr sz="2660"/>
+              <a:t>TrattoFiume(</a:t>
+            </a:r>
+            <a:r>
+              <a:rPr sz="2660" u="sng"/>
+              <a:t>idTrattoFiume</a:t>
+            </a:r>
+            <a:r>
+              <a:rPr sz="2660"/>
+              <a:t>, lunghezzaTratto, livelloMassimo, livelloAllerta, </a:t>
+            </a:r>
+            <a:endParaRPr sz="2660"/>
+          </a:p>
+          <a:p>
+            <a:pPr lvl="0" marL="0" indent="0" defTabSz="554990">
+              <a:spcBef>
+                <a:spcPts val="0"/>
+              </a:spcBef>
+              <a:buSzTx/>
+              <a:buNone/>
+              <a:defRPr sz="1800"/>
+            </a:pPr>
+            <a:r>
+              <a:rPr sz="2660"/>
+              <a:t>portata, idFiume, nodoInizio, nodoFine)</a:t>
+            </a:r>
+            <a:endParaRPr sz="2660"/>
+          </a:p>
+          <a:p>
+            <a:pPr lvl="0" marL="0" indent="0" defTabSz="554990">
+              <a:spcBef>
+                <a:spcPts val="3000"/>
+              </a:spcBef>
+              <a:buSzTx/>
+              <a:buNone/>
+              <a:defRPr sz="1800"/>
+            </a:pPr>
+            <a:r>
+              <a:rPr sz="2660"/>
+              <a:t>NodoIdrico(</a:t>
+            </a:r>
+            <a:r>
+              <a:rPr sz="2660" u="sng"/>
+              <a:t>idNodoIdrico</a:t>
+            </a:r>
+            <a:r>
+              <a:rPr sz="2660"/>
+              <a:t>, altitudine, latitudine, longitudine)</a:t>
+            </a:r>
+            <a:endParaRPr sz="2660"/>
+          </a:p>
+          <a:p>
+            <a:pPr lvl="0" marL="0" indent="0" defTabSz="554990">
+              <a:spcBef>
+                <a:spcPts val="3000"/>
+              </a:spcBef>
+              <a:buSzTx/>
+              <a:buNone/>
+              <a:defRPr sz="1800"/>
+            </a:pPr>
+            <a:r>
+              <a:rPr sz="2660"/>
+              <a:t>TrattoFiume-Cella(</a:t>
+            </a:r>
+            <a:r>
+              <a:rPr sz="2660" u="sng"/>
+              <a:t>idCella</a:t>
+            </a:r>
+            <a:r>
+              <a:rPr sz="2660"/>
+              <a:t>, </a:t>
+            </a:r>
+            <a:r>
+              <a:rPr sz="2660" u="sng"/>
+              <a:t>idTratto</a:t>
+            </a:r>
+            <a:r>
+              <a:rPr sz="2660"/>
+              <a:t>)</a:t>
+            </a:r>
           </a:p>
         </p:txBody>
       </p:sp>
@@ -5784,6 +8024,3358 @@
 </p:sld>
 </file>
 
+<file path=ppt/slides/slide50.xml><?xml version="1.0" encoding="utf-8"?>
+<p:sld xmlns:a="http://schemas.openxmlformats.org/drawingml/2006/main" xmlns:r="http://schemas.openxmlformats.org/officeDocument/2006/relationships" xmlns:p="http://schemas.openxmlformats.org/presentationml/2006/main" showMasterSp="1" showMasterPhAnim="1">
+  <p:cSld>
+    <p:spTree>
+      <p:nvGrpSpPr>
+        <p:cNvPr id="1" name=""/>
+        <p:cNvGrpSpPr/>
+        <p:nvPr/>
+      </p:nvGrpSpPr>
+      <p:grpSpPr>
+        <a:xfrm>
+          <a:off x="0" y="0"/>
+          <a:ext cx="0" cy="0"/>
+          <a:chOff x="0" y="0"/>
+          <a:chExt cx="0" cy="0"/>
+        </a:xfrm>
+      </p:grpSpPr>
+      <p:sp>
+        <p:nvSpPr>
+          <p:cNvPr id="172" name="Shape 172"/>
+          <p:cNvSpPr/>
+          <p:nvPr>
+            <p:ph type="title"/>
+          </p:nvPr>
+        </p:nvSpPr>
+        <p:spPr>
+          <a:xfrm>
+            <a:off x="952500" y="444500"/>
+            <a:ext cx="11099800" cy="1116040"/>
+          </a:xfrm>
+          <a:prstGeom prst="rect">
+            <a:avLst/>
+          </a:prstGeom>
+        </p:spPr>
+        <p:txBody>
+          <a:bodyPr/>
+          <a:lstStyle>
+            <a:lvl1pPr>
+              <a:defRPr sz="6000">
+                <a:solidFill>
+                  <a:srgbClr val="C82506"/>
+                </a:solidFill>
+              </a:defRPr>
+            </a:lvl1pPr>
+          </a:lstStyle>
+          <a:p>
+            <a:pPr lvl="0">
+              <a:defRPr sz="1800">
+                <a:solidFill>
+                  <a:srgbClr val="000000"/>
+                </a:solidFill>
+              </a:defRPr>
+            </a:pPr>
+            <a:r>
+              <a:rPr sz="6000">
+                <a:solidFill>
+                  <a:srgbClr val="C82506"/>
+                </a:solidFill>
+              </a:rPr>
+              <a:t>Mapping (1)</a:t>
+            </a:r>
+          </a:p>
+        </p:txBody>
+      </p:sp>
+      <p:sp>
+        <p:nvSpPr>
+          <p:cNvPr id="173" name="Shape 173"/>
+          <p:cNvSpPr/>
+          <p:nvPr>
+            <p:ph type="body" idx="1"/>
+          </p:nvPr>
+        </p:nvSpPr>
+        <p:spPr>
+          <a:xfrm>
+            <a:off x="952500" y="1526120"/>
+            <a:ext cx="11099800" cy="7492341"/>
+          </a:xfrm>
+          <a:prstGeom prst="rect">
+            <a:avLst/>
+          </a:prstGeom>
+        </p:spPr>
+        <p:txBody>
+          <a:bodyPr/>
+          <a:lstStyle/>
+          <a:p>
+            <a:pPr lvl="0" marL="0" indent="0" defTabSz="502412">
+              <a:spcBef>
+                <a:spcPts val="0"/>
+              </a:spcBef>
+              <a:buSzTx/>
+              <a:buNone/>
+              <a:defRPr sz="1800"/>
+            </a:pPr>
+            <a:r>
+              <a:rPr b="1" sz="2408">
+                <a:latin typeface="Helvetica"/>
+                <a:ea typeface="Helvetica"/>
+                <a:cs typeface="Helvetica"/>
+                <a:sym typeface="Helvetica"/>
+              </a:rPr>
+              <a:t>CREATE VIEW</a:t>
+            </a:r>
+            <a:r>
+              <a:rPr sz="2408"/>
+              <a:t> SEG(idSeg, tipo, latitudine, longitudine, altitudine, data, </a:t>
+            </a:r>
+            <a:endParaRPr sz="2408"/>
+          </a:p>
+          <a:p>
+            <a:pPr lvl="0" marL="0" indent="0" defTabSz="502412">
+              <a:spcBef>
+                <a:spcPts val="0"/>
+              </a:spcBef>
+              <a:buSzTx/>
+              <a:buNone/>
+              <a:defRPr sz="1800"/>
+            </a:pPr>
+            <a:r>
+              <a:rPr sz="2408"/>
+              <a:t>idTrattoFiume, CFOperatore) </a:t>
+            </a:r>
+            <a:r>
+              <a:rPr b="1" sz="2408">
+                <a:latin typeface="Helvetica"/>
+                <a:ea typeface="Helvetica"/>
+                <a:cs typeface="Helvetica"/>
+                <a:sym typeface="Helvetica"/>
+              </a:rPr>
+              <a:t>AS</a:t>
+            </a:r>
+            <a:endParaRPr sz="2408"/>
+          </a:p>
+          <a:p>
+            <a:pPr lvl="0" marL="0" indent="0" defTabSz="502412">
+              <a:spcBef>
+                <a:spcPts val="0"/>
+              </a:spcBef>
+              <a:buSzTx/>
+              <a:buNone/>
+              <a:defRPr sz="1800"/>
+            </a:pPr>
+            <a:r>
+              <a:rPr b="1" sz="2408">
+                <a:latin typeface="Helvetica"/>
+                <a:ea typeface="Helvetica"/>
+                <a:cs typeface="Helvetica"/>
+                <a:sym typeface="Helvetica"/>
+              </a:rPr>
+              <a:t>SELECT</a:t>
+            </a:r>
+            <a:r>
+              <a:rPr sz="2408"/>
+              <a:t> idSeg, tipo, latitudine, longitudine, altitudine, data, idTrattoFiume,	CFOperatore </a:t>
+            </a:r>
+            <a:endParaRPr sz="2408"/>
+          </a:p>
+          <a:p>
+            <a:pPr lvl="0" marL="0" indent="0" defTabSz="502412">
+              <a:spcBef>
+                <a:spcPts val="0"/>
+              </a:spcBef>
+              <a:buSzTx/>
+              <a:buNone/>
+              <a:defRPr sz="1800"/>
+            </a:pPr>
+            <a:r>
+              <a:rPr b="1" sz="2408">
+                <a:latin typeface="Helvetica"/>
+                <a:ea typeface="Helvetica"/>
+                <a:cs typeface="Helvetica"/>
+                <a:sym typeface="Helvetica"/>
+              </a:rPr>
+              <a:t>FROM</a:t>
+            </a:r>
+            <a:r>
+              <a:rPr sz="2408"/>
+              <a:t> BSE.SEG</a:t>
+            </a:r>
+            <a:endParaRPr sz="2408"/>
+          </a:p>
+          <a:p>
+            <a:pPr lvl="0" marL="0" indent="0" defTabSz="502412">
+              <a:spcBef>
+                <a:spcPts val="0"/>
+              </a:spcBef>
+              <a:buSzTx/>
+              <a:buNone/>
+              <a:defRPr sz="1800"/>
+            </a:pPr>
+            <a:endParaRPr sz="2408"/>
+          </a:p>
+          <a:p>
+            <a:pPr lvl="0" marL="0" indent="0" defTabSz="502412">
+              <a:spcBef>
+                <a:spcPts val="0"/>
+              </a:spcBef>
+              <a:buSzTx/>
+              <a:buNone/>
+              <a:defRPr sz="1800"/>
+            </a:pPr>
+            <a:r>
+              <a:rPr b="1" sz="2408">
+                <a:latin typeface="Helvetica"/>
+                <a:ea typeface="Helvetica"/>
+                <a:cs typeface="Helvetica"/>
+                <a:sym typeface="Helvetica"/>
+              </a:rPr>
+              <a:t>CREATE VIEW</a:t>
+            </a:r>
+            <a:r>
+              <a:rPr sz="2408"/>
+              <a:t> SEP(idSEP, data, livelloPericolo) </a:t>
+            </a:r>
+            <a:r>
+              <a:rPr b="1" sz="2408">
+                <a:latin typeface="Helvetica"/>
+                <a:ea typeface="Helvetica"/>
+                <a:cs typeface="Helvetica"/>
+                <a:sym typeface="Helvetica"/>
+              </a:rPr>
+              <a:t>AS</a:t>
+            </a:r>
+            <a:endParaRPr sz="2408"/>
+          </a:p>
+          <a:p>
+            <a:pPr lvl="0" marL="0" indent="0" defTabSz="502412">
+              <a:spcBef>
+                <a:spcPts val="0"/>
+              </a:spcBef>
+              <a:buSzTx/>
+              <a:buNone/>
+              <a:defRPr sz="1800"/>
+            </a:pPr>
+            <a:r>
+              <a:rPr b="1" sz="2408">
+                <a:latin typeface="Helvetica"/>
+                <a:ea typeface="Helvetica"/>
+                <a:cs typeface="Helvetica"/>
+                <a:sym typeface="Helvetica"/>
+              </a:rPr>
+              <a:t>SELECT</a:t>
+            </a:r>
+            <a:r>
+              <a:rPr sz="2408"/>
+              <a:t> idSEP, data, livelloPericolo </a:t>
+            </a:r>
+            <a:r>
+              <a:rPr b="1" sz="2408">
+                <a:latin typeface="Helvetica"/>
+                <a:ea typeface="Helvetica"/>
+                <a:cs typeface="Helvetica"/>
+                <a:sym typeface="Helvetica"/>
+              </a:rPr>
+              <a:t>FROM</a:t>
+            </a:r>
+            <a:r>
+              <a:rPr sz="2408"/>
+              <a:t> BSE.SEP</a:t>
+            </a:r>
+            <a:endParaRPr sz="2408"/>
+          </a:p>
+          <a:p>
+            <a:pPr lvl="0" marL="0" indent="0" defTabSz="502412">
+              <a:spcBef>
+                <a:spcPts val="0"/>
+              </a:spcBef>
+              <a:buSzTx/>
+              <a:buNone/>
+              <a:defRPr sz="1800"/>
+            </a:pPr>
+            <a:endParaRPr b="1" sz="2408">
+              <a:latin typeface="Helvetica"/>
+              <a:ea typeface="Helvetica"/>
+              <a:cs typeface="Helvetica"/>
+              <a:sym typeface="Helvetica"/>
+            </a:endParaRPr>
+          </a:p>
+          <a:p>
+            <a:pPr lvl="0" marL="0" indent="0" defTabSz="502412">
+              <a:spcBef>
+                <a:spcPts val="0"/>
+              </a:spcBef>
+              <a:buSzTx/>
+              <a:buNone/>
+              <a:defRPr sz="1800"/>
+            </a:pPr>
+            <a:r>
+              <a:rPr b="1" sz="2408">
+                <a:latin typeface="Helvetica"/>
+                <a:ea typeface="Helvetica"/>
+                <a:cs typeface="Helvetica"/>
+                <a:sym typeface="Helvetica"/>
+              </a:rPr>
+              <a:t>CREATE VIEW</a:t>
+            </a:r>
+            <a:r>
+              <a:rPr sz="2408"/>
+              <a:t> Pianificazione(idPianificazione, data) </a:t>
+            </a:r>
+            <a:r>
+              <a:rPr b="1" sz="2408">
+                <a:latin typeface="Helvetica"/>
+                <a:ea typeface="Helvetica"/>
+                <a:cs typeface="Helvetica"/>
+                <a:sym typeface="Helvetica"/>
+              </a:rPr>
+              <a:t>AS</a:t>
+            </a:r>
+            <a:endParaRPr sz="2408"/>
+          </a:p>
+          <a:p>
+            <a:pPr lvl="0" marL="0" indent="0" defTabSz="502412">
+              <a:spcBef>
+                <a:spcPts val="0"/>
+              </a:spcBef>
+              <a:buSzTx/>
+              <a:buNone/>
+              <a:defRPr sz="1800"/>
+            </a:pPr>
+            <a:r>
+              <a:rPr b="1" sz="2408">
+                <a:latin typeface="Helvetica"/>
+                <a:ea typeface="Helvetica"/>
+                <a:cs typeface="Helvetica"/>
+                <a:sym typeface="Helvetica"/>
+              </a:rPr>
+              <a:t>SELECT</a:t>
+            </a:r>
+            <a:r>
+              <a:rPr sz="2408"/>
+              <a:t> idPianificazione, data </a:t>
+            </a:r>
+            <a:r>
+              <a:rPr b="1" sz="2408">
+                <a:latin typeface="Helvetica"/>
+                <a:ea typeface="Helvetica"/>
+                <a:cs typeface="Helvetica"/>
+                <a:sym typeface="Helvetica"/>
+              </a:rPr>
+              <a:t>FROM</a:t>
+            </a:r>
+            <a:r>
+              <a:rPr sz="2408"/>
+              <a:t> BSE.Pianificazione</a:t>
+            </a:r>
+            <a:endParaRPr sz="2408"/>
+          </a:p>
+          <a:p>
+            <a:pPr lvl="0" marL="0" indent="0" defTabSz="502412">
+              <a:spcBef>
+                <a:spcPts val="0"/>
+              </a:spcBef>
+              <a:buSzTx/>
+              <a:buNone/>
+              <a:defRPr sz="1800"/>
+            </a:pPr>
+            <a:endParaRPr sz="2408"/>
+          </a:p>
+          <a:p>
+            <a:pPr lvl="0" marL="0" indent="0" defTabSz="502412">
+              <a:spcBef>
+                <a:spcPts val="0"/>
+              </a:spcBef>
+              <a:buSzTx/>
+              <a:buNone/>
+              <a:defRPr sz="1800"/>
+            </a:pPr>
+            <a:r>
+              <a:rPr b="1" sz="2408">
+                <a:latin typeface="Helvetica"/>
+                <a:ea typeface="Helvetica"/>
+                <a:cs typeface="Helvetica"/>
+                <a:sym typeface="Helvetica"/>
+              </a:rPr>
+              <a:t>CREATE VIEW</a:t>
+            </a:r>
+            <a:r>
+              <a:rPr sz="2408"/>
+              <a:t> SquadraEmergenza(idSquadra, CFResponsabile, coordGPS) </a:t>
+            </a:r>
+            <a:r>
+              <a:rPr b="1" sz="2408">
+                <a:latin typeface="Helvetica"/>
+                <a:ea typeface="Helvetica"/>
+                <a:cs typeface="Helvetica"/>
+                <a:sym typeface="Helvetica"/>
+              </a:rPr>
+              <a:t>AS</a:t>
+            </a:r>
+            <a:endParaRPr sz="2408"/>
+          </a:p>
+          <a:p>
+            <a:pPr lvl="0" marL="0" indent="0" defTabSz="502412">
+              <a:spcBef>
+                <a:spcPts val="0"/>
+              </a:spcBef>
+              <a:buSzTx/>
+              <a:buNone/>
+              <a:defRPr sz="1800"/>
+            </a:pPr>
+            <a:r>
+              <a:rPr b="1" sz="2408">
+                <a:latin typeface="Helvetica"/>
+                <a:ea typeface="Helvetica"/>
+                <a:cs typeface="Helvetica"/>
+                <a:sym typeface="Helvetica"/>
+              </a:rPr>
+              <a:t>SELECT</a:t>
+            </a:r>
+            <a:r>
+              <a:rPr sz="2408"/>
+              <a:t> idSquadra, CFResponsabile, coordGPS </a:t>
+            </a:r>
+            <a:endParaRPr sz="2408"/>
+          </a:p>
+          <a:p>
+            <a:pPr lvl="0" marL="0" indent="0" defTabSz="502412">
+              <a:spcBef>
+                <a:spcPts val="0"/>
+              </a:spcBef>
+              <a:buSzTx/>
+              <a:buNone/>
+              <a:defRPr sz="1800"/>
+            </a:pPr>
+            <a:r>
+              <a:rPr b="1" sz="2408">
+                <a:latin typeface="Helvetica"/>
+                <a:ea typeface="Helvetica"/>
+                <a:cs typeface="Helvetica"/>
+                <a:sym typeface="Helvetica"/>
+              </a:rPr>
+              <a:t>FROM</a:t>
+            </a:r>
+            <a:r>
+              <a:rPr sz="2408"/>
+              <a:t> BSE.SquadraEmergenza</a:t>
+            </a:r>
+            <a:endParaRPr sz="2408"/>
+          </a:p>
+          <a:p>
+            <a:pPr lvl="0" marL="0" indent="0" defTabSz="502412">
+              <a:spcBef>
+                <a:spcPts val="0"/>
+              </a:spcBef>
+              <a:buSzTx/>
+              <a:buNone/>
+              <a:defRPr sz="1800"/>
+            </a:pPr>
+            <a:endParaRPr sz="2408"/>
+          </a:p>
+          <a:p>
+            <a:pPr lvl="0" marL="0" indent="0" defTabSz="502412">
+              <a:spcBef>
+                <a:spcPts val="0"/>
+              </a:spcBef>
+              <a:buSzTx/>
+              <a:buNone/>
+              <a:defRPr sz="1800"/>
+            </a:pPr>
+            <a:r>
+              <a:rPr b="1" sz="2408">
+                <a:latin typeface="Helvetica"/>
+                <a:ea typeface="Helvetica"/>
+                <a:cs typeface="Helvetica"/>
+                <a:sym typeface="Helvetica"/>
+              </a:rPr>
+              <a:t>CREATE VIEW</a:t>
+            </a:r>
+            <a:r>
+              <a:rPr sz="2408"/>
+              <a:t> Assegnamento(idPianificazione, idSEP, idSquadra) </a:t>
+            </a:r>
+            <a:r>
+              <a:rPr b="1" sz="2408">
+                <a:latin typeface="Helvetica"/>
+                <a:ea typeface="Helvetica"/>
+                <a:cs typeface="Helvetica"/>
+                <a:sym typeface="Helvetica"/>
+              </a:rPr>
+              <a:t>AS</a:t>
+            </a:r>
+            <a:endParaRPr b="1" sz="2408">
+              <a:latin typeface="Helvetica"/>
+              <a:ea typeface="Helvetica"/>
+              <a:cs typeface="Helvetica"/>
+              <a:sym typeface="Helvetica"/>
+            </a:endParaRPr>
+          </a:p>
+          <a:p>
+            <a:pPr lvl="0" marL="0" indent="0" defTabSz="502412">
+              <a:spcBef>
+                <a:spcPts val="0"/>
+              </a:spcBef>
+              <a:buSzTx/>
+              <a:buNone/>
+              <a:defRPr sz="1800"/>
+            </a:pPr>
+            <a:r>
+              <a:rPr b="1" sz="2408">
+                <a:latin typeface="Helvetica"/>
+                <a:ea typeface="Helvetica"/>
+                <a:cs typeface="Helvetica"/>
+                <a:sym typeface="Helvetica"/>
+              </a:rPr>
+              <a:t>SELECT</a:t>
+            </a:r>
+            <a:r>
+              <a:rPr sz="2408"/>
+              <a:t> idPianificazione, idSEP, idSquadra </a:t>
+            </a:r>
+            <a:endParaRPr sz="2408"/>
+          </a:p>
+          <a:p>
+            <a:pPr lvl="0" marL="0" indent="0" defTabSz="502412">
+              <a:spcBef>
+                <a:spcPts val="0"/>
+              </a:spcBef>
+              <a:buSzTx/>
+              <a:buNone/>
+              <a:defRPr sz="1800"/>
+            </a:pPr>
+            <a:r>
+              <a:rPr b="1" sz="2408">
+                <a:latin typeface="Helvetica"/>
+                <a:ea typeface="Helvetica"/>
+                <a:cs typeface="Helvetica"/>
+                <a:sym typeface="Helvetica"/>
+              </a:rPr>
+              <a:t>FROM</a:t>
+            </a:r>
+            <a:r>
+              <a:rPr sz="2408"/>
+              <a:t> BSE.Assegnamento</a:t>
+            </a:r>
+          </a:p>
+        </p:txBody>
+      </p:sp>
+    </p:spTree>
+  </p:cSld>
+  <p:clrMapOvr>
+    <a:masterClrMapping/>
+  </p:clrMapOvr>
+  <p:transition spd="med" advClick="1"/>
+</p:sld>
+</file>
+
+<file path=ppt/slides/slide51.xml><?xml version="1.0" encoding="utf-8"?>
+<p:sld xmlns:a="http://schemas.openxmlformats.org/drawingml/2006/main" xmlns:r="http://schemas.openxmlformats.org/officeDocument/2006/relationships" xmlns:p="http://schemas.openxmlformats.org/presentationml/2006/main" showMasterSp="1" showMasterPhAnim="1">
+  <p:cSld>
+    <p:spTree>
+      <p:nvGrpSpPr>
+        <p:cNvPr id="1" name=""/>
+        <p:cNvGrpSpPr/>
+        <p:nvPr/>
+      </p:nvGrpSpPr>
+      <p:grpSpPr>
+        <a:xfrm>
+          <a:off x="0" y="0"/>
+          <a:ext cx="0" cy="0"/>
+          <a:chOff x="0" y="0"/>
+          <a:chExt cx="0" cy="0"/>
+        </a:xfrm>
+      </p:grpSpPr>
+      <p:sp>
+        <p:nvSpPr>
+          <p:cNvPr id="175" name="Shape 175"/>
+          <p:cNvSpPr/>
+          <p:nvPr>
+            <p:ph type="title"/>
+          </p:nvPr>
+        </p:nvSpPr>
+        <p:spPr>
+          <a:xfrm>
+            <a:off x="952500" y="444500"/>
+            <a:ext cx="11099800" cy="1116040"/>
+          </a:xfrm>
+          <a:prstGeom prst="rect">
+            <a:avLst/>
+          </a:prstGeom>
+        </p:spPr>
+        <p:txBody>
+          <a:bodyPr/>
+          <a:lstStyle>
+            <a:lvl1pPr>
+              <a:defRPr sz="6000">
+                <a:solidFill>
+                  <a:srgbClr val="C82506"/>
+                </a:solidFill>
+              </a:defRPr>
+            </a:lvl1pPr>
+          </a:lstStyle>
+          <a:p>
+            <a:pPr lvl="0">
+              <a:defRPr sz="1800">
+                <a:solidFill>
+                  <a:srgbClr val="000000"/>
+                </a:solidFill>
+              </a:defRPr>
+            </a:pPr>
+            <a:r>
+              <a:rPr sz="6000">
+                <a:solidFill>
+                  <a:srgbClr val="C82506"/>
+                </a:solidFill>
+              </a:rPr>
+              <a:t>Mapping (2)</a:t>
+            </a:r>
+          </a:p>
+        </p:txBody>
+      </p:sp>
+      <p:sp>
+        <p:nvSpPr>
+          <p:cNvPr id="176" name="Shape 176"/>
+          <p:cNvSpPr/>
+          <p:nvPr>
+            <p:ph type="body" idx="1"/>
+          </p:nvPr>
+        </p:nvSpPr>
+        <p:spPr>
+          <a:xfrm>
+            <a:off x="952500" y="1526120"/>
+            <a:ext cx="11099800" cy="7492341"/>
+          </a:xfrm>
+          <a:prstGeom prst="rect">
+            <a:avLst/>
+          </a:prstGeom>
+        </p:spPr>
+        <p:txBody>
+          <a:bodyPr/>
+          <a:lstStyle/>
+          <a:p>
+            <a:pPr lvl="0" marL="0" indent="0">
+              <a:spcBef>
+                <a:spcPts val="0"/>
+              </a:spcBef>
+              <a:buSzTx/>
+              <a:buNone/>
+              <a:defRPr sz="1800"/>
+            </a:pPr>
+            <a:r>
+              <a:rPr b="1" sz="2800">
+                <a:latin typeface="Helvetica"/>
+                <a:ea typeface="Helvetica"/>
+                <a:cs typeface="Helvetica"/>
+                <a:sym typeface="Helvetica"/>
+              </a:rPr>
+              <a:t>CREATE VIEW</a:t>
+            </a:r>
+            <a:r>
+              <a:rPr sz="2800"/>
+              <a:t> OperatoreCampo(CF, nome, cognome, </a:t>
+            </a:r>
+            <a:endParaRPr sz="2800"/>
+          </a:p>
+          <a:p>
+            <a:pPr lvl="0" marL="0" indent="0">
+              <a:spcBef>
+                <a:spcPts val="0"/>
+              </a:spcBef>
+              <a:buSzTx/>
+              <a:buNone/>
+              <a:defRPr sz="1800"/>
+            </a:pPr>
+            <a:r>
+              <a:rPr sz="2800"/>
+              <a:t>recapitoTelefonico) </a:t>
+            </a:r>
+            <a:r>
+              <a:rPr b="1" sz="2800">
+                <a:latin typeface="Helvetica"/>
+                <a:ea typeface="Helvetica"/>
+                <a:cs typeface="Helvetica"/>
+                <a:sym typeface="Helvetica"/>
+              </a:rPr>
+              <a:t>AS</a:t>
+            </a:r>
+            <a:endParaRPr b="1" sz="2800">
+              <a:latin typeface="Helvetica"/>
+              <a:ea typeface="Helvetica"/>
+              <a:cs typeface="Helvetica"/>
+              <a:sym typeface="Helvetica"/>
+            </a:endParaRPr>
+          </a:p>
+          <a:p>
+            <a:pPr lvl="0" marL="0" indent="0">
+              <a:spcBef>
+                <a:spcPts val="0"/>
+              </a:spcBef>
+              <a:buSzTx/>
+              <a:buNone/>
+              <a:defRPr sz="1800"/>
+            </a:pPr>
+            <a:r>
+              <a:rPr b="1" sz="2800">
+                <a:latin typeface="Helvetica"/>
+                <a:ea typeface="Helvetica"/>
+                <a:cs typeface="Helvetica"/>
+                <a:sym typeface="Helvetica"/>
+              </a:rPr>
+              <a:t>SELECT </a:t>
+            </a:r>
+            <a:r>
+              <a:rPr sz="2800"/>
+              <a:t>CF, nome, cognome, recapitoTelefonico </a:t>
+            </a:r>
+            <a:endParaRPr sz="2800"/>
+          </a:p>
+          <a:p>
+            <a:pPr lvl="0" marL="0" indent="0">
+              <a:spcBef>
+                <a:spcPts val="0"/>
+              </a:spcBef>
+              <a:buSzTx/>
+              <a:buNone/>
+              <a:defRPr sz="1800"/>
+            </a:pPr>
+            <a:r>
+              <a:rPr b="1" sz="2800">
+                <a:latin typeface="Helvetica"/>
+                <a:ea typeface="Helvetica"/>
+                <a:cs typeface="Helvetica"/>
+                <a:sym typeface="Helvetica"/>
+              </a:rPr>
+              <a:t>FROM </a:t>
+            </a:r>
+            <a:r>
+              <a:rPr sz="2800"/>
+              <a:t>BSE.OperatoreCampo</a:t>
+            </a:r>
+            <a:endParaRPr sz="2800"/>
+          </a:p>
+          <a:p>
+            <a:pPr lvl="0" marL="0" indent="0">
+              <a:spcBef>
+                <a:spcPts val="0"/>
+              </a:spcBef>
+              <a:buSzTx/>
+              <a:buNone/>
+              <a:defRPr sz="1800"/>
+            </a:pPr>
+            <a:endParaRPr sz="2800"/>
+          </a:p>
+          <a:p>
+            <a:pPr lvl="0" marL="0" indent="0">
+              <a:spcBef>
+                <a:spcPts val="0"/>
+              </a:spcBef>
+              <a:buSzTx/>
+              <a:buNone/>
+              <a:defRPr sz="1800"/>
+            </a:pPr>
+            <a:r>
+              <a:rPr b="1" sz="2800">
+                <a:latin typeface="Helvetica"/>
+                <a:ea typeface="Helvetica"/>
+                <a:cs typeface="Helvetica"/>
+                <a:sym typeface="Helvetica"/>
+              </a:rPr>
+              <a:t>CREATE VIEW</a:t>
+            </a:r>
+            <a:r>
+              <a:rPr sz="2800"/>
+              <a:t> ComponenteSquadra(CF, nome, cognome, </a:t>
+            </a:r>
+            <a:endParaRPr sz="2800"/>
+          </a:p>
+          <a:p>
+            <a:pPr lvl="0" marL="0" indent="0">
+              <a:spcBef>
+                <a:spcPts val="0"/>
+              </a:spcBef>
+              <a:buSzTx/>
+              <a:buNone/>
+              <a:defRPr sz="1800"/>
+            </a:pPr>
+            <a:r>
+              <a:rPr sz="2800"/>
+              <a:t>recapitoTelefonico, idSquadra) </a:t>
+            </a:r>
+            <a:r>
+              <a:rPr b="1" sz="2800">
+                <a:latin typeface="Helvetica"/>
+                <a:ea typeface="Helvetica"/>
+                <a:cs typeface="Helvetica"/>
+                <a:sym typeface="Helvetica"/>
+              </a:rPr>
+              <a:t>AS</a:t>
+            </a:r>
+            <a:r>
+              <a:rPr sz="2800"/>
+              <a:t> </a:t>
+            </a:r>
+            <a:endParaRPr sz="2800"/>
+          </a:p>
+          <a:p>
+            <a:pPr lvl="0" marL="0" indent="0">
+              <a:spcBef>
+                <a:spcPts val="0"/>
+              </a:spcBef>
+              <a:buSzTx/>
+              <a:buNone/>
+              <a:defRPr sz="1800"/>
+            </a:pPr>
+            <a:r>
+              <a:rPr b="1" sz="2800">
+                <a:latin typeface="Helvetica"/>
+                <a:ea typeface="Helvetica"/>
+                <a:cs typeface="Helvetica"/>
+                <a:sym typeface="Helvetica"/>
+              </a:rPr>
+              <a:t>SELECT</a:t>
+            </a:r>
+            <a:r>
+              <a:rPr sz="2800"/>
+              <a:t> CF, nome, cognome, recapitoTelefonico, idSquadra </a:t>
+            </a:r>
+            <a:endParaRPr sz="2800"/>
+          </a:p>
+          <a:p>
+            <a:pPr lvl="0" marL="0" indent="0">
+              <a:spcBef>
+                <a:spcPts val="0"/>
+              </a:spcBef>
+              <a:buSzTx/>
+              <a:buNone/>
+              <a:defRPr sz="1800"/>
+            </a:pPr>
+            <a:r>
+              <a:rPr b="1" sz="2800">
+                <a:latin typeface="Helvetica"/>
+                <a:ea typeface="Helvetica"/>
+                <a:cs typeface="Helvetica"/>
+                <a:sym typeface="Helvetica"/>
+              </a:rPr>
+              <a:t>FROM</a:t>
+            </a:r>
+            <a:r>
+              <a:rPr sz="2800"/>
+              <a:t> BSE.ComponenteSquadra</a:t>
+            </a:r>
+            <a:endParaRPr sz="2800"/>
+          </a:p>
+          <a:p>
+            <a:pPr lvl="0" marL="0" indent="0">
+              <a:spcBef>
+                <a:spcPts val="0"/>
+              </a:spcBef>
+              <a:buSzTx/>
+              <a:buNone/>
+              <a:defRPr sz="1800"/>
+            </a:pPr>
+            <a:endParaRPr sz="2800"/>
+          </a:p>
+          <a:p>
+            <a:pPr lvl="0" marL="0" indent="0">
+              <a:spcBef>
+                <a:spcPts val="0"/>
+              </a:spcBef>
+              <a:buSzTx/>
+              <a:buNone/>
+              <a:defRPr sz="1800"/>
+            </a:pPr>
+            <a:r>
+              <a:rPr b="1" sz="2800">
+                <a:latin typeface="Helvetica"/>
+                <a:ea typeface="Helvetica"/>
+                <a:cs typeface="Helvetica"/>
+                <a:sym typeface="Helvetica"/>
+              </a:rPr>
+              <a:t>CREATE VIEW</a:t>
+            </a:r>
+            <a:r>
+              <a:rPr sz="2800"/>
+              <a:t> RilevazioneSensore(codiceSensore, data, valore) AS</a:t>
+            </a:r>
+            <a:endParaRPr sz="2800"/>
+          </a:p>
+          <a:p>
+            <a:pPr lvl="0" marL="0" indent="0">
+              <a:spcBef>
+                <a:spcPts val="0"/>
+              </a:spcBef>
+              <a:buSzTx/>
+              <a:buNone/>
+              <a:defRPr sz="1800"/>
+            </a:pPr>
+            <a:r>
+              <a:rPr b="1" sz="2800">
+                <a:latin typeface="Helvetica"/>
+                <a:ea typeface="Helvetica"/>
+                <a:cs typeface="Helvetica"/>
+                <a:sym typeface="Helvetica"/>
+              </a:rPr>
+              <a:t>SELECT</a:t>
+            </a:r>
+            <a:r>
+              <a:rPr sz="2800"/>
+              <a:t> codiceSensore, data, valore </a:t>
+            </a:r>
+            <a:endParaRPr sz="2800"/>
+          </a:p>
+          <a:p>
+            <a:pPr lvl="0" marL="0" indent="0">
+              <a:spcBef>
+                <a:spcPts val="0"/>
+              </a:spcBef>
+              <a:buSzTx/>
+              <a:buNone/>
+              <a:defRPr sz="1800"/>
+            </a:pPr>
+            <a:r>
+              <a:rPr b="1" sz="2800">
+                <a:latin typeface="Helvetica"/>
+                <a:ea typeface="Helvetica"/>
+                <a:cs typeface="Helvetica"/>
+                <a:sym typeface="Helvetica"/>
+              </a:rPr>
+              <a:t>FROM </a:t>
+            </a:r>
+            <a:r>
+              <a:rPr sz="2800"/>
+              <a:t>BDM.RilevazioneSensore</a:t>
+            </a:r>
+            <a:endParaRPr sz="2800"/>
+          </a:p>
+          <a:p>
+            <a:pPr lvl="0" marL="0" indent="0">
+              <a:spcBef>
+                <a:spcPts val="0"/>
+              </a:spcBef>
+              <a:buSzTx/>
+              <a:buNone/>
+              <a:defRPr sz="1800"/>
+            </a:pPr>
+            <a:r>
+              <a:rPr b="1" sz="2800">
+                <a:latin typeface="Helvetica"/>
+                <a:ea typeface="Helvetica"/>
+                <a:cs typeface="Helvetica"/>
+                <a:sym typeface="Helvetica"/>
+              </a:rPr>
+              <a:t>UNION</a:t>
+            </a:r>
+            <a:endParaRPr b="1" sz="2800">
+              <a:latin typeface="Helvetica"/>
+              <a:ea typeface="Helvetica"/>
+              <a:cs typeface="Helvetica"/>
+              <a:sym typeface="Helvetica"/>
+            </a:endParaRPr>
+          </a:p>
+          <a:p>
+            <a:pPr lvl="0" marL="0" indent="0">
+              <a:spcBef>
+                <a:spcPts val="0"/>
+              </a:spcBef>
+              <a:buSzTx/>
+              <a:buNone/>
+              <a:defRPr sz="1800"/>
+            </a:pPr>
+            <a:r>
+              <a:rPr b="1" sz="2800">
+                <a:latin typeface="Helvetica"/>
+                <a:ea typeface="Helvetica"/>
+                <a:cs typeface="Helvetica"/>
+                <a:sym typeface="Helvetica"/>
+              </a:rPr>
+              <a:t>SELECT</a:t>
+            </a:r>
+            <a:r>
+              <a:rPr sz="2800"/>
+              <a:t> idSensore AS codiceSensore, data, livello </a:t>
+            </a:r>
+            <a:r>
+              <a:rPr b="1" sz="2800">
+                <a:latin typeface="Helvetica"/>
+                <a:ea typeface="Helvetica"/>
+                <a:cs typeface="Helvetica"/>
+                <a:sym typeface="Helvetica"/>
+              </a:rPr>
+              <a:t>AS</a:t>
+            </a:r>
+            <a:r>
+              <a:rPr sz="2800"/>
+              <a:t> valore</a:t>
+            </a:r>
+            <a:endParaRPr sz="2800"/>
+          </a:p>
+          <a:p>
+            <a:pPr lvl="0" marL="0" indent="0">
+              <a:spcBef>
+                <a:spcPts val="0"/>
+              </a:spcBef>
+              <a:buSzTx/>
+              <a:buNone/>
+              <a:defRPr sz="1800"/>
+            </a:pPr>
+            <a:r>
+              <a:rPr b="1" sz="2800">
+                <a:latin typeface="Helvetica"/>
+                <a:ea typeface="Helvetica"/>
+                <a:cs typeface="Helvetica"/>
+                <a:sym typeface="Helvetica"/>
+              </a:rPr>
+              <a:t>FROM</a:t>
+            </a:r>
+            <a:r>
+              <a:rPr sz="2800"/>
+              <a:t> BRI.RilevazioneIdrometro</a:t>
+            </a:r>
+          </a:p>
+        </p:txBody>
+      </p:sp>
+    </p:spTree>
+  </p:cSld>
+  <p:clrMapOvr>
+    <a:masterClrMapping/>
+  </p:clrMapOvr>
+  <p:transition spd="med" advClick="1"/>
+</p:sld>
+</file>
+
+<file path=ppt/slides/slide52.xml><?xml version="1.0" encoding="utf-8"?>
+<p:sld xmlns:a="http://schemas.openxmlformats.org/drawingml/2006/main" xmlns:r="http://schemas.openxmlformats.org/officeDocument/2006/relationships" xmlns:p="http://schemas.openxmlformats.org/presentationml/2006/main" showMasterSp="1" showMasterPhAnim="1">
+  <p:cSld>
+    <p:spTree>
+      <p:nvGrpSpPr>
+        <p:cNvPr id="1" name=""/>
+        <p:cNvGrpSpPr/>
+        <p:nvPr/>
+      </p:nvGrpSpPr>
+      <p:grpSpPr>
+        <a:xfrm>
+          <a:off x="0" y="0"/>
+          <a:ext cx="0" cy="0"/>
+          <a:chOff x="0" y="0"/>
+          <a:chExt cx="0" cy="0"/>
+        </a:xfrm>
+      </p:grpSpPr>
+      <p:sp>
+        <p:nvSpPr>
+          <p:cNvPr id="178" name="Shape 178"/>
+          <p:cNvSpPr/>
+          <p:nvPr>
+            <p:ph type="title"/>
+          </p:nvPr>
+        </p:nvSpPr>
+        <p:spPr>
+          <a:xfrm>
+            <a:off x="952500" y="444500"/>
+            <a:ext cx="11099800" cy="1116040"/>
+          </a:xfrm>
+          <a:prstGeom prst="rect">
+            <a:avLst/>
+          </a:prstGeom>
+        </p:spPr>
+        <p:txBody>
+          <a:bodyPr/>
+          <a:lstStyle>
+            <a:lvl1pPr>
+              <a:defRPr sz="6000">
+                <a:solidFill>
+                  <a:srgbClr val="C82506"/>
+                </a:solidFill>
+              </a:defRPr>
+            </a:lvl1pPr>
+          </a:lstStyle>
+          <a:p>
+            <a:pPr lvl="0">
+              <a:defRPr sz="1800">
+                <a:solidFill>
+                  <a:srgbClr val="000000"/>
+                </a:solidFill>
+              </a:defRPr>
+            </a:pPr>
+            <a:r>
+              <a:rPr sz="6000">
+                <a:solidFill>
+                  <a:srgbClr val="C82506"/>
+                </a:solidFill>
+              </a:rPr>
+              <a:t>Mapping (3)</a:t>
+            </a:r>
+          </a:p>
+        </p:txBody>
+      </p:sp>
+      <p:sp>
+        <p:nvSpPr>
+          <p:cNvPr id="179" name="Shape 179"/>
+          <p:cNvSpPr/>
+          <p:nvPr>
+            <p:ph type="body" idx="1"/>
+          </p:nvPr>
+        </p:nvSpPr>
+        <p:spPr>
+          <a:xfrm>
+            <a:off x="952500" y="1526120"/>
+            <a:ext cx="11099800" cy="7492341"/>
+          </a:xfrm>
+          <a:prstGeom prst="rect">
+            <a:avLst/>
+          </a:prstGeom>
+        </p:spPr>
+        <p:txBody>
+          <a:bodyPr/>
+          <a:lstStyle/>
+          <a:p>
+            <a:pPr lvl="0" marL="0" indent="0">
+              <a:spcBef>
+                <a:spcPts val="0"/>
+              </a:spcBef>
+              <a:buSzTx/>
+              <a:buNone/>
+              <a:defRPr sz="1800"/>
+            </a:pPr>
+            <a:r>
+              <a:rPr b="1" sz="2800">
+                <a:latin typeface="Helvetica"/>
+                <a:ea typeface="Helvetica"/>
+                <a:cs typeface="Helvetica"/>
+                <a:sym typeface="Helvetica"/>
+              </a:rPr>
+              <a:t>CREATE VIEW</a:t>
+            </a:r>
+            <a:r>
+              <a:rPr sz="2800"/>
+              <a:t> Sensore(codiceSensore, marca, modello, tipo, </a:t>
+            </a:r>
+            <a:endParaRPr sz="2800"/>
+          </a:p>
+          <a:p>
+            <a:pPr lvl="0" marL="0" indent="0">
+              <a:spcBef>
+                <a:spcPts val="0"/>
+              </a:spcBef>
+              <a:buSzTx/>
+              <a:buNone/>
+              <a:defRPr sz="1800"/>
+            </a:pPr>
+            <a:r>
+              <a:rPr sz="2800"/>
+              <a:t>altitudine, latitudine, longitudine, idCentralina, idTrattoFiume) </a:t>
+            </a:r>
+            <a:r>
+              <a:rPr b="1" sz="2800">
+                <a:latin typeface="Helvetica"/>
+                <a:ea typeface="Helvetica"/>
+                <a:cs typeface="Helvetica"/>
+                <a:sym typeface="Helvetica"/>
+              </a:rPr>
+              <a:t>AS</a:t>
+            </a:r>
+            <a:endParaRPr sz="2800"/>
+          </a:p>
+          <a:p>
+            <a:pPr lvl="0" marL="0" indent="0">
+              <a:spcBef>
+                <a:spcPts val="0"/>
+              </a:spcBef>
+              <a:buSzTx/>
+              <a:buNone/>
+              <a:defRPr sz="1800"/>
+            </a:pPr>
+            <a:r>
+              <a:rPr b="1" sz="2800">
+                <a:latin typeface="Helvetica"/>
+                <a:ea typeface="Helvetica"/>
+                <a:cs typeface="Helvetica"/>
+                <a:sym typeface="Helvetica"/>
+              </a:rPr>
+              <a:t>SELECT</a:t>
+            </a:r>
+            <a:r>
+              <a:rPr sz="2800"/>
+              <a:t> S.codiceSensore </a:t>
+            </a:r>
+            <a:r>
+              <a:rPr b="1" sz="2800">
+                <a:latin typeface="Helvetica"/>
+                <a:ea typeface="Helvetica"/>
+                <a:cs typeface="Helvetica"/>
+                <a:sym typeface="Helvetica"/>
+              </a:rPr>
+              <a:t>AS</a:t>
+            </a:r>
+            <a:r>
+              <a:rPr sz="2800"/>
+              <a:t> codiceSensore, S.marca </a:t>
+            </a:r>
+            <a:r>
+              <a:rPr b="1" sz="2800">
+                <a:latin typeface="Helvetica"/>
+                <a:ea typeface="Helvetica"/>
+                <a:cs typeface="Helvetica"/>
+                <a:sym typeface="Helvetica"/>
+              </a:rPr>
+              <a:t>AS</a:t>
+            </a:r>
+            <a:r>
+              <a:rPr sz="2800"/>
+              <a:t> marca, S.modello </a:t>
+            </a:r>
+            <a:r>
+              <a:rPr b="1" sz="2800">
+                <a:latin typeface="Helvetica"/>
+                <a:ea typeface="Helvetica"/>
+                <a:cs typeface="Helvetica"/>
+                <a:sym typeface="Helvetica"/>
+              </a:rPr>
+              <a:t>AS</a:t>
+            </a:r>
+            <a:r>
+              <a:rPr sz="2800"/>
+              <a:t> modello, S.tipo </a:t>
+            </a:r>
+            <a:r>
+              <a:rPr b="1" sz="2800">
+                <a:latin typeface="Helvetica"/>
+                <a:ea typeface="Helvetica"/>
+                <a:cs typeface="Helvetica"/>
+                <a:sym typeface="Helvetica"/>
+              </a:rPr>
+              <a:t>AS</a:t>
+            </a:r>
+            <a:r>
+              <a:rPr sz="2800"/>
+              <a:t> tipo, C.ASLM </a:t>
+            </a:r>
+            <a:r>
+              <a:rPr b="1" sz="2800">
+                <a:latin typeface="Helvetica"/>
+                <a:ea typeface="Helvetica"/>
+                <a:cs typeface="Helvetica"/>
+                <a:sym typeface="Helvetica"/>
+              </a:rPr>
+              <a:t>AS</a:t>
+            </a:r>
+            <a:r>
+              <a:rPr sz="2800"/>
+              <a:t> altitudine, C.lat </a:t>
+            </a:r>
+            <a:r>
+              <a:rPr b="1" sz="2800">
+                <a:latin typeface="Helvetica"/>
+                <a:ea typeface="Helvetica"/>
+                <a:cs typeface="Helvetica"/>
+                <a:sym typeface="Helvetica"/>
+              </a:rPr>
+              <a:t>AS</a:t>
+            </a:r>
+            <a:r>
+              <a:rPr sz="2800"/>
+              <a:t> latitudine, C.long </a:t>
+            </a:r>
+            <a:r>
+              <a:rPr b="1" sz="2800">
+                <a:latin typeface="Helvetica"/>
+                <a:ea typeface="Helvetica"/>
+                <a:cs typeface="Helvetica"/>
+                <a:sym typeface="Helvetica"/>
+              </a:rPr>
+              <a:t>AS</a:t>
+            </a:r>
+            <a:r>
+              <a:rPr sz="2800"/>
+              <a:t> longitudine, S.idCentralina </a:t>
+            </a:r>
+            <a:r>
+              <a:rPr b="1" sz="2800">
+                <a:latin typeface="Helvetica"/>
+                <a:ea typeface="Helvetica"/>
+                <a:cs typeface="Helvetica"/>
+                <a:sym typeface="Helvetica"/>
+              </a:rPr>
+              <a:t>AS</a:t>
+            </a:r>
+            <a:r>
+              <a:rPr sz="2800"/>
+              <a:t> idCentralina, null </a:t>
+            </a:r>
+            <a:r>
+              <a:rPr b="1" sz="2800">
+                <a:latin typeface="Helvetica"/>
+                <a:ea typeface="Helvetica"/>
+                <a:cs typeface="Helvetica"/>
+                <a:sym typeface="Helvetica"/>
+              </a:rPr>
+              <a:t>AS</a:t>
+            </a:r>
+            <a:r>
+              <a:rPr sz="2800"/>
+              <a:t> idTrattoFiume</a:t>
+            </a:r>
+            <a:endParaRPr sz="2800"/>
+          </a:p>
+          <a:p>
+            <a:pPr lvl="0" marL="0" indent="0">
+              <a:spcBef>
+                <a:spcPts val="0"/>
+              </a:spcBef>
+              <a:buSzTx/>
+              <a:buNone/>
+              <a:defRPr sz="1800"/>
+            </a:pPr>
+            <a:r>
+              <a:rPr b="1" sz="2800">
+                <a:latin typeface="Helvetica"/>
+                <a:ea typeface="Helvetica"/>
+                <a:cs typeface="Helvetica"/>
+                <a:sym typeface="Helvetica"/>
+              </a:rPr>
+              <a:t>FROM</a:t>
+            </a:r>
+            <a:r>
+              <a:rPr sz="2800"/>
+              <a:t> BDM.Sensore </a:t>
+            </a:r>
+            <a:r>
+              <a:rPr b="1" sz="2800">
+                <a:latin typeface="Helvetica"/>
+                <a:ea typeface="Helvetica"/>
+                <a:cs typeface="Helvetica"/>
+                <a:sym typeface="Helvetica"/>
+              </a:rPr>
+              <a:t>AS</a:t>
+            </a:r>
+            <a:r>
+              <a:rPr sz="2800"/>
+              <a:t> S JOIN BDM.Centralina </a:t>
+            </a:r>
+            <a:r>
+              <a:rPr b="1" sz="2800">
+                <a:latin typeface="Helvetica"/>
+                <a:ea typeface="Helvetica"/>
+                <a:cs typeface="Helvetica"/>
+                <a:sym typeface="Helvetica"/>
+              </a:rPr>
+              <a:t>AS</a:t>
+            </a:r>
+            <a:r>
+              <a:rPr sz="2800"/>
+              <a:t> C ON S.idCentralina</a:t>
+            </a:r>
+            <a:endParaRPr sz="2800"/>
+          </a:p>
+          <a:p>
+            <a:pPr lvl="0" marL="0" indent="0">
+              <a:spcBef>
+                <a:spcPts val="0"/>
+              </a:spcBef>
+              <a:buSzTx/>
+              <a:buNone/>
+              <a:defRPr sz="1800"/>
+            </a:pPr>
+            <a:r>
+              <a:rPr b="1" sz="2800">
+                <a:latin typeface="Helvetica"/>
+                <a:ea typeface="Helvetica"/>
+                <a:cs typeface="Helvetica"/>
+                <a:sym typeface="Helvetica"/>
+              </a:rPr>
+              <a:t>UNION</a:t>
+            </a:r>
+            <a:endParaRPr b="1" sz="2800">
+              <a:latin typeface="Helvetica"/>
+              <a:ea typeface="Helvetica"/>
+              <a:cs typeface="Helvetica"/>
+              <a:sym typeface="Helvetica"/>
+            </a:endParaRPr>
+          </a:p>
+          <a:p>
+            <a:pPr lvl="0" marL="0" indent="0">
+              <a:spcBef>
+                <a:spcPts val="0"/>
+              </a:spcBef>
+              <a:buSzTx/>
+              <a:buNone/>
+              <a:defRPr sz="1800"/>
+            </a:pPr>
+            <a:r>
+              <a:rPr b="1" sz="2800">
+                <a:latin typeface="Helvetica"/>
+                <a:ea typeface="Helvetica"/>
+                <a:cs typeface="Helvetica"/>
+                <a:sym typeface="Helvetica"/>
+              </a:rPr>
+              <a:t>SELECT</a:t>
+            </a:r>
+            <a:r>
+              <a:rPr sz="2800"/>
+              <a:t> idSensore </a:t>
+            </a:r>
+            <a:r>
+              <a:rPr b="1" sz="2800">
+                <a:latin typeface="Helvetica"/>
+                <a:ea typeface="Helvetica"/>
+                <a:cs typeface="Helvetica"/>
+                <a:sym typeface="Helvetica"/>
+              </a:rPr>
+              <a:t>AS</a:t>
+            </a:r>
+            <a:r>
+              <a:rPr sz="2800"/>
+              <a:t> codiceSensore, costruttore </a:t>
+            </a:r>
+            <a:r>
+              <a:rPr b="1" sz="2800">
+                <a:latin typeface="Helvetica"/>
+                <a:ea typeface="Helvetica"/>
+                <a:cs typeface="Helvetica"/>
+                <a:sym typeface="Helvetica"/>
+              </a:rPr>
+              <a:t>AS</a:t>
+            </a:r>
+            <a:r>
+              <a:rPr sz="2800"/>
+              <a:t> marca, modello </a:t>
+            </a:r>
+            <a:r>
+              <a:rPr b="1" sz="2800">
+                <a:latin typeface="Helvetica"/>
+                <a:ea typeface="Helvetica"/>
+                <a:cs typeface="Helvetica"/>
+                <a:sym typeface="Helvetica"/>
+              </a:rPr>
+              <a:t>AS</a:t>
+            </a:r>
+            <a:r>
+              <a:rPr sz="2800"/>
+              <a:t> modello, “Idrometro” </a:t>
+            </a:r>
+            <a:r>
+              <a:rPr b="1" sz="2800">
+                <a:latin typeface="Helvetica"/>
+                <a:ea typeface="Helvetica"/>
+                <a:cs typeface="Helvetica"/>
+                <a:sym typeface="Helvetica"/>
+              </a:rPr>
+              <a:t>AS</a:t>
+            </a:r>
+            <a:r>
+              <a:rPr sz="2800"/>
+              <a:t> tipo, null </a:t>
+            </a:r>
+            <a:r>
+              <a:rPr b="1" sz="2800">
+                <a:latin typeface="Helvetica"/>
+                <a:ea typeface="Helvetica"/>
+                <a:cs typeface="Helvetica"/>
+                <a:sym typeface="Helvetica"/>
+              </a:rPr>
+              <a:t>AS</a:t>
+            </a:r>
+            <a:r>
+              <a:rPr sz="2800"/>
+              <a:t> altitudine, latitudine </a:t>
+            </a:r>
+            <a:r>
+              <a:rPr b="1" sz="2800">
+                <a:latin typeface="Helvetica"/>
+                <a:ea typeface="Helvetica"/>
+                <a:cs typeface="Helvetica"/>
+                <a:sym typeface="Helvetica"/>
+              </a:rPr>
+              <a:t>AS</a:t>
+            </a:r>
+            <a:r>
+              <a:rPr sz="2800"/>
+              <a:t> latitudine, longitudine </a:t>
+            </a:r>
+            <a:r>
+              <a:rPr b="1" sz="2800">
+                <a:latin typeface="Helvetica"/>
+                <a:ea typeface="Helvetica"/>
+                <a:cs typeface="Helvetica"/>
+                <a:sym typeface="Helvetica"/>
+              </a:rPr>
+              <a:t>AS</a:t>
+            </a:r>
+            <a:r>
+              <a:rPr sz="2800"/>
+              <a:t> longitudine, null </a:t>
+            </a:r>
+            <a:r>
+              <a:rPr b="1" sz="2800">
+                <a:latin typeface="Helvetica"/>
+                <a:ea typeface="Helvetica"/>
+                <a:cs typeface="Helvetica"/>
+                <a:sym typeface="Helvetica"/>
+              </a:rPr>
+              <a:t>AS</a:t>
+            </a:r>
+            <a:r>
+              <a:rPr sz="2800"/>
+              <a:t> idCentralina, idTrattoFiume </a:t>
+            </a:r>
+            <a:r>
+              <a:rPr b="1" sz="2800">
+                <a:latin typeface="Helvetica"/>
+                <a:ea typeface="Helvetica"/>
+                <a:cs typeface="Helvetica"/>
+                <a:sym typeface="Helvetica"/>
+              </a:rPr>
+              <a:t>AS</a:t>
+            </a:r>
+            <a:r>
+              <a:rPr sz="2800"/>
+              <a:t> idTrattoFiume</a:t>
+            </a:r>
+            <a:endParaRPr sz="2800"/>
+          </a:p>
+          <a:p>
+            <a:pPr lvl="0" marL="0" indent="0">
+              <a:spcBef>
+                <a:spcPts val="0"/>
+              </a:spcBef>
+              <a:buSzTx/>
+              <a:buNone/>
+              <a:defRPr sz="1800"/>
+            </a:pPr>
+            <a:r>
+              <a:rPr b="1" sz="2800">
+                <a:latin typeface="Helvetica"/>
+                <a:ea typeface="Helvetica"/>
+                <a:cs typeface="Helvetica"/>
+                <a:sym typeface="Helvetica"/>
+              </a:rPr>
+              <a:t>FROM</a:t>
+            </a:r>
+            <a:r>
+              <a:rPr sz="2800"/>
+              <a:t> BRI.Idrometro</a:t>
+            </a:r>
+            <a:endParaRPr sz="2800"/>
+          </a:p>
+        </p:txBody>
+      </p:sp>
+    </p:spTree>
+  </p:cSld>
+  <p:clrMapOvr>
+    <a:masterClrMapping/>
+  </p:clrMapOvr>
+  <p:transition spd="med" advClick="1"/>
+</p:sld>
+</file>
+
+<file path=ppt/slides/slide53.xml><?xml version="1.0" encoding="utf-8"?>
+<p:sld xmlns:a="http://schemas.openxmlformats.org/drawingml/2006/main" xmlns:r="http://schemas.openxmlformats.org/officeDocument/2006/relationships" xmlns:p="http://schemas.openxmlformats.org/presentationml/2006/main" showMasterSp="1" showMasterPhAnim="1">
+  <p:cSld>
+    <p:spTree>
+      <p:nvGrpSpPr>
+        <p:cNvPr id="1" name=""/>
+        <p:cNvGrpSpPr/>
+        <p:nvPr/>
+      </p:nvGrpSpPr>
+      <p:grpSpPr>
+        <a:xfrm>
+          <a:off x="0" y="0"/>
+          <a:ext cx="0" cy="0"/>
+          <a:chOff x="0" y="0"/>
+          <a:chExt cx="0" cy="0"/>
+        </a:xfrm>
+      </p:grpSpPr>
+      <p:sp>
+        <p:nvSpPr>
+          <p:cNvPr id="181" name="Shape 181"/>
+          <p:cNvSpPr/>
+          <p:nvPr>
+            <p:ph type="title"/>
+          </p:nvPr>
+        </p:nvSpPr>
+        <p:spPr>
+          <a:xfrm>
+            <a:off x="952500" y="444500"/>
+            <a:ext cx="11099800" cy="1116040"/>
+          </a:xfrm>
+          <a:prstGeom prst="rect">
+            <a:avLst/>
+          </a:prstGeom>
+        </p:spPr>
+        <p:txBody>
+          <a:bodyPr/>
+          <a:lstStyle>
+            <a:lvl1pPr>
+              <a:defRPr sz="6000">
+                <a:solidFill>
+                  <a:srgbClr val="C82506"/>
+                </a:solidFill>
+              </a:defRPr>
+            </a:lvl1pPr>
+          </a:lstStyle>
+          <a:p>
+            <a:pPr lvl="0">
+              <a:defRPr sz="1800">
+                <a:solidFill>
+                  <a:srgbClr val="000000"/>
+                </a:solidFill>
+              </a:defRPr>
+            </a:pPr>
+            <a:r>
+              <a:rPr sz="6000">
+                <a:solidFill>
+                  <a:srgbClr val="C82506"/>
+                </a:solidFill>
+              </a:rPr>
+              <a:t>Mapping (4)</a:t>
+            </a:r>
+          </a:p>
+        </p:txBody>
+      </p:sp>
+      <p:sp>
+        <p:nvSpPr>
+          <p:cNvPr id="182" name="Shape 182"/>
+          <p:cNvSpPr/>
+          <p:nvPr>
+            <p:ph type="body" idx="1"/>
+          </p:nvPr>
+        </p:nvSpPr>
+        <p:spPr>
+          <a:xfrm>
+            <a:off x="952500" y="1526120"/>
+            <a:ext cx="11099800" cy="7492341"/>
+          </a:xfrm>
+          <a:prstGeom prst="rect">
+            <a:avLst/>
+          </a:prstGeom>
+        </p:spPr>
+        <p:txBody>
+          <a:bodyPr/>
+          <a:lstStyle/>
+          <a:p>
+            <a:pPr lvl="0" marL="0" indent="0" defTabSz="514095">
+              <a:spcBef>
+                <a:spcPts val="0"/>
+              </a:spcBef>
+              <a:buSzTx/>
+              <a:buNone/>
+              <a:defRPr sz="1800"/>
+            </a:pPr>
+            <a:r>
+              <a:rPr b="1" sz="2464">
+                <a:latin typeface="Helvetica"/>
+                <a:ea typeface="Helvetica"/>
+                <a:cs typeface="Helvetica"/>
+                <a:sym typeface="Helvetica"/>
+              </a:rPr>
+              <a:t>CREATE VIEW</a:t>
+            </a:r>
+            <a:r>
+              <a:rPr sz="2464"/>
+              <a:t> Centralina(idCentralina, long, lat, ASLM, idCellaGeografica) </a:t>
+            </a:r>
+            <a:r>
+              <a:rPr b="1" sz="2464">
+                <a:latin typeface="Helvetica"/>
+                <a:ea typeface="Helvetica"/>
+                <a:cs typeface="Helvetica"/>
+                <a:sym typeface="Helvetica"/>
+              </a:rPr>
+              <a:t>AS</a:t>
+            </a:r>
+            <a:endParaRPr sz="2464"/>
+          </a:p>
+          <a:p>
+            <a:pPr lvl="0" marL="0" indent="0" defTabSz="514095">
+              <a:spcBef>
+                <a:spcPts val="0"/>
+              </a:spcBef>
+              <a:buSzTx/>
+              <a:buNone/>
+              <a:defRPr sz="1800"/>
+            </a:pPr>
+            <a:r>
+              <a:rPr b="1" sz="2464">
+                <a:latin typeface="Helvetica"/>
+                <a:ea typeface="Helvetica"/>
+                <a:cs typeface="Helvetica"/>
+                <a:sym typeface="Helvetica"/>
+              </a:rPr>
+              <a:t>SELECT</a:t>
+            </a:r>
+            <a:r>
+              <a:rPr sz="2464"/>
+              <a:t> idCentralina, long, lat, ASLM, idCellaGeografica </a:t>
+            </a:r>
+            <a:endParaRPr sz="2464"/>
+          </a:p>
+          <a:p>
+            <a:pPr lvl="0" marL="0" indent="0" defTabSz="514095">
+              <a:spcBef>
+                <a:spcPts val="0"/>
+              </a:spcBef>
+              <a:buSzTx/>
+              <a:buNone/>
+              <a:defRPr sz="1800"/>
+            </a:pPr>
+            <a:r>
+              <a:rPr b="1" sz="2464">
+                <a:latin typeface="Helvetica"/>
+                <a:ea typeface="Helvetica"/>
+                <a:cs typeface="Helvetica"/>
+                <a:sym typeface="Helvetica"/>
+              </a:rPr>
+              <a:t>FROM</a:t>
+            </a:r>
+            <a:r>
+              <a:rPr sz="2464"/>
+              <a:t> BDM.Centralina</a:t>
+            </a:r>
+            <a:endParaRPr sz="2464"/>
+          </a:p>
+          <a:p>
+            <a:pPr lvl="0" marL="0" indent="0" defTabSz="514095">
+              <a:spcBef>
+                <a:spcPts val="0"/>
+              </a:spcBef>
+              <a:buSzTx/>
+              <a:buNone/>
+              <a:defRPr sz="1800"/>
+            </a:pPr>
+            <a:endParaRPr sz="2464"/>
+          </a:p>
+          <a:p>
+            <a:pPr lvl="0" marL="0" indent="0" defTabSz="514095">
+              <a:spcBef>
+                <a:spcPts val="0"/>
+              </a:spcBef>
+              <a:buSzTx/>
+              <a:buNone/>
+              <a:defRPr sz="1800"/>
+            </a:pPr>
+            <a:r>
+              <a:rPr b="1" sz="2464">
+                <a:latin typeface="Helvetica"/>
+                <a:ea typeface="Helvetica"/>
+                <a:cs typeface="Helvetica"/>
+                <a:sym typeface="Helvetica"/>
+              </a:rPr>
+              <a:t>CREATE VIEW</a:t>
+            </a:r>
+            <a:r>
+              <a:rPr sz="2464"/>
+              <a:t> CellaGeografica(idCella, longitudine, latitudine, regione) </a:t>
+            </a:r>
+            <a:r>
+              <a:rPr b="1" sz="2464">
+                <a:latin typeface="Helvetica"/>
+                <a:ea typeface="Helvetica"/>
+                <a:cs typeface="Helvetica"/>
+                <a:sym typeface="Helvetica"/>
+              </a:rPr>
+              <a:t>AS</a:t>
+            </a:r>
+            <a:endParaRPr sz="2464"/>
+          </a:p>
+          <a:p>
+            <a:pPr lvl="0" marL="0" indent="0" defTabSz="514095">
+              <a:spcBef>
+                <a:spcPts val="0"/>
+              </a:spcBef>
+              <a:buSzTx/>
+              <a:buNone/>
+              <a:defRPr sz="1800"/>
+            </a:pPr>
+            <a:r>
+              <a:rPr b="1" sz="2464">
+                <a:latin typeface="Helvetica"/>
+                <a:ea typeface="Helvetica"/>
+                <a:cs typeface="Helvetica"/>
+                <a:sym typeface="Helvetica"/>
+              </a:rPr>
+              <a:t>SELECT</a:t>
+            </a:r>
+            <a:r>
+              <a:rPr sz="2464"/>
+              <a:t> M.idCella </a:t>
+            </a:r>
+            <a:r>
+              <a:rPr b="1" sz="2464">
+                <a:latin typeface="Helvetica"/>
+                <a:ea typeface="Helvetica"/>
+                <a:cs typeface="Helvetica"/>
+                <a:sym typeface="Helvetica"/>
+              </a:rPr>
+              <a:t>AS</a:t>
+            </a:r>
+            <a:r>
+              <a:rPr sz="2464"/>
+              <a:t> idCella, M.longitudine </a:t>
+            </a:r>
+            <a:r>
+              <a:rPr b="1" sz="2464">
+                <a:latin typeface="Helvetica"/>
+                <a:ea typeface="Helvetica"/>
+                <a:cs typeface="Helvetica"/>
+                <a:sym typeface="Helvetica"/>
+              </a:rPr>
+              <a:t>AS </a:t>
+            </a:r>
+            <a:r>
+              <a:rPr sz="2464"/>
+              <a:t>longitudine, M.latitudine </a:t>
+            </a:r>
+            <a:r>
+              <a:rPr b="1" sz="2464">
+                <a:latin typeface="Helvetica"/>
+                <a:ea typeface="Helvetica"/>
+                <a:cs typeface="Helvetica"/>
+                <a:sym typeface="Helvetica"/>
+              </a:rPr>
+              <a:t>AS</a:t>
+            </a:r>
+            <a:r>
+              <a:rPr sz="2464"/>
+              <a:t> latitudine, I.regione </a:t>
+            </a:r>
+            <a:r>
+              <a:rPr b="1" sz="2464">
+                <a:latin typeface="Helvetica"/>
+                <a:ea typeface="Helvetica"/>
+                <a:cs typeface="Helvetica"/>
+                <a:sym typeface="Helvetica"/>
+              </a:rPr>
+              <a:t>AS</a:t>
+            </a:r>
+            <a:r>
+              <a:rPr sz="2464"/>
+              <a:t> regione </a:t>
+            </a:r>
+            <a:endParaRPr sz="2464"/>
+          </a:p>
+          <a:p>
+            <a:pPr lvl="0" marL="0" indent="0" defTabSz="514095">
+              <a:spcBef>
+                <a:spcPts val="0"/>
+              </a:spcBef>
+              <a:buSzTx/>
+              <a:buNone/>
+              <a:defRPr sz="1800"/>
+            </a:pPr>
+            <a:r>
+              <a:rPr b="1" sz="2464">
+                <a:latin typeface="Helvetica"/>
+                <a:ea typeface="Helvetica"/>
+                <a:cs typeface="Helvetica"/>
+                <a:sym typeface="Helvetica"/>
+              </a:rPr>
+              <a:t>FROM</a:t>
+            </a:r>
+            <a:r>
+              <a:rPr sz="2464"/>
+              <a:t> BDM.CellaGeografica M </a:t>
+            </a:r>
+            <a:r>
+              <a:rPr b="1" sz="2464">
+                <a:latin typeface="Helvetica"/>
+                <a:ea typeface="Helvetica"/>
+                <a:cs typeface="Helvetica"/>
+                <a:sym typeface="Helvetica"/>
+              </a:rPr>
+              <a:t>LEFT OUTER JOIN</a:t>
+            </a:r>
+            <a:r>
+              <a:rPr sz="2464"/>
+              <a:t> BRI.CellaGeografica I </a:t>
+            </a:r>
+            <a:endParaRPr sz="2464"/>
+          </a:p>
+          <a:p>
+            <a:pPr lvl="0" marL="0" indent="0" defTabSz="514095">
+              <a:spcBef>
+                <a:spcPts val="0"/>
+              </a:spcBef>
+              <a:buSzTx/>
+              <a:buNone/>
+              <a:defRPr sz="1800"/>
+            </a:pPr>
+            <a:r>
+              <a:rPr b="1" sz="2464">
+                <a:latin typeface="Helvetica"/>
+                <a:ea typeface="Helvetica"/>
+                <a:cs typeface="Helvetica"/>
+                <a:sym typeface="Helvetica"/>
+              </a:rPr>
+              <a:t>ON</a:t>
+            </a:r>
+            <a:r>
+              <a:rPr sz="2464"/>
+              <a:t> M.idCella = I.idCella</a:t>
+            </a:r>
+            <a:endParaRPr sz="2464"/>
+          </a:p>
+          <a:p>
+            <a:pPr lvl="0" marL="0" indent="0" defTabSz="514095">
+              <a:spcBef>
+                <a:spcPts val="0"/>
+              </a:spcBef>
+              <a:buSzTx/>
+              <a:buNone/>
+              <a:defRPr sz="1800"/>
+            </a:pPr>
+            <a:endParaRPr sz="2464"/>
+          </a:p>
+          <a:p>
+            <a:pPr lvl="0" marL="0" indent="0" defTabSz="514095">
+              <a:spcBef>
+                <a:spcPts val="0"/>
+              </a:spcBef>
+              <a:buSzTx/>
+              <a:buNone/>
+              <a:defRPr sz="1800"/>
+            </a:pPr>
+            <a:r>
+              <a:rPr b="1" sz="2464">
+                <a:latin typeface="Helvetica"/>
+                <a:ea typeface="Helvetica"/>
+                <a:cs typeface="Helvetica"/>
+                <a:sym typeface="Helvetica"/>
+              </a:rPr>
+              <a:t>CREATE VIEW</a:t>
+            </a:r>
+            <a:r>
+              <a:rPr sz="2464"/>
+              <a:t> PrevisioneMeteo(idPM, dataEmissione, dataRiferimento) </a:t>
+            </a:r>
+            <a:r>
+              <a:rPr b="1" sz="2464">
+                <a:latin typeface="Helvetica"/>
+                <a:ea typeface="Helvetica"/>
+                <a:cs typeface="Helvetica"/>
+                <a:sym typeface="Helvetica"/>
+              </a:rPr>
+              <a:t>AS</a:t>
+            </a:r>
+            <a:endParaRPr sz="2464"/>
+          </a:p>
+          <a:p>
+            <a:pPr lvl="0" marL="0" indent="0" defTabSz="514095">
+              <a:spcBef>
+                <a:spcPts val="0"/>
+              </a:spcBef>
+              <a:buSzTx/>
+              <a:buNone/>
+              <a:defRPr sz="1800"/>
+            </a:pPr>
+            <a:r>
+              <a:rPr b="1" sz="2464">
+                <a:latin typeface="Helvetica"/>
+                <a:ea typeface="Helvetica"/>
+                <a:cs typeface="Helvetica"/>
+                <a:sym typeface="Helvetica"/>
+              </a:rPr>
+              <a:t>SELECT</a:t>
+            </a:r>
+            <a:r>
+              <a:rPr sz="2464"/>
+              <a:t> idPM, dataEmissione, dataRiferimento </a:t>
+            </a:r>
+            <a:endParaRPr sz="2464"/>
+          </a:p>
+          <a:p>
+            <a:pPr lvl="0" marL="0" indent="0" defTabSz="514095">
+              <a:spcBef>
+                <a:spcPts val="0"/>
+              </a:spcBef>
+              <a:buSzTx/>
+              <a:buNone/>
+              <a:defRPr sz="1800"/>
+            </a:pPr>
+            <a:r>
+              <a:rPr b="1" sz="2464">
+                <a:latin typeface="Helvetica"/>
+                <a:ea typeface="Helvetica"/>
+                <a:cs typeface="Helvetica"/>
+                <a:sym typeface="Helvetica"/>
+              </a:rPr>
+              <a:t>FROM</a:t>
+            </a:r>
+            <a:r>
+              <a:rPr sz="2464"/>
+              <a:t> BDM.PrevisioneMeteo</a:t>
+            </a:r>
+            <a:endParaRPr sz="2464"/>
+          </a:p>
+          <a:p>
+            <a:pPr lvl="0" marL="0" indent="0" defTabSz="514095">
+              <a:spcBef>
+                <a:spcPts val="0"/>
+              </a:spcBef>
+              <a:buSzTx/>
+              <a:buNone/>
+              <a:defRPr sz="1800"/>
+            </a:pPr>
+            <a:endParaRPr sz="2464"/>
+          </a:p>
+          <a:p>
+            <a:pPr lvl="0" marL="0" indent="0" defTabSz="514095">
+              <a:spcBef>
+                <a:spcPts val="0"/>
+              </a:spcBef>
+              <a:buSzTx/>
+              <a:buNone/>
+              <a:defRPr sz="1800"/>
+            </a:pPr>
+            <a:r>
+              <a:rPr b="1" sz="2464">
+                <a:latin typeface="Helvetica"/>
+                <a:ea typeface="Helvetica"/>
+                <a:cs typeface="Helvetica"/>
+                <a:sym typeface="Helvetica"/>
+              </a:rPr>
+              <a:t>CREATE VIEW</a:t>
+            </a:r>
+            <a:r>
+              <a:rPr sz="2464"/>
+              <a:t> Previsione-Cella(idPM, idCella, temperaturaMin, </a:t>
+            </a:r>
+            <a:endParaRPr sz="2464"/>
+          </a:p>
+          <a:p>
+            <a:pPr lvl="0" marL="0" indent="0" defTabSz="514095">
+              <a:spcBef>
+                <a:spcPts val="0"/>
+              </a:spcBef>
+              <a:buSzTx/>
+              <a:buNone/>
+              <a:defRPr sz="1800"/>
+            </a:pPr>
+            <a:r>
+              <a:rPr sz="2464"/>
+              <a:t>temperaturaMax, probPrecipitazioni, livelloPrecipitazioni) </a:t>
+            </a:r>
+            <a:r>
+              <a:rPr b="1" sz="2464">
+                <a:latin typeface="Helvetica"/>
+                <a:ea typeface="Helvetica"/>
+                <a:cs typeface="Helvetica"/>
+                <a:sym typeface="Helvetica"/>
+              </a:rPr>
+              <a:t>AS</a:t>
+            </a:r>
+            <a:endParaRPr sz="2464"/>
+          </a:p>
+          <a:p>
+            <a:pPr lvl="0" marL="0" indent="0" defTabSz="514095">
+              <a:spcBef>
+                <a:spcPts val="0"/>
+              </a:spcBef>
+              <a:buSzTx/>
+              <a:buNone/>
+              <a:defRPr sz="1800"/>
+            </a:pPr>
+            <a:r>
+              <a:rPr b="1" sz="2464">
+                <a:latin typeface="Helvetica"/>
+                <a:ea typeface="Helvetica"/>
+                <a:cs typeface="Helvetica"/>
+                <a:sym typeface="Helvetica"/>
+              </a:rPr>
+              <a:t>SELECT</a:t>
+            </a:r>
+            <a:r>
+              <a:rPr sz="2464"/>
+              <a:t> idPM, idCella, temperaturaMin, temperaturaMax, probPrecipitazioni, livelloPrecipitazioni </a:t>
+            </a:r>
+            <a:endParaRPr sz="2464"/>
+          </a:p>
+          <a:p>
+            <a:pPr lvl="0" marL="0" indent="0" defTabSz="514095">
+              <a:spcBef>
+                <a:spcPts val="0"/>
+              </a:spcBef>
+              <a:buSzTx/>
+              <a:buNone/>
+              <a:defRPr sz="1800"/>
+            </a:pPr>
+            <a:r>
+              <a:rPr b="1" sz="2464">
+                <a:latin typeface="Helvetica"/>
+                <a:ea typeface="Helvetica"/>
+                <a:cs typeface="Helvetica"/>
+                <a:sym typeface="Helvetica"/>
+              </a:rPr>
+              <a:t>FROM</a:t>
+            </a:r>
+            <a:r>
+              <a:rPr sz="2464"/>
+              <a:t> BDM.Previsione-Cella</a:t>
+            </a:r>
+          </a:p>
+        </p:txBody>
+      </p:sp>
+    </p:spTree>
+  </p:cSld>
+  <p:clrMapOvr>
+    <a:masterClrMapping/>
+  </p:clrMapOvr>
+  <p:transition spd="med" advClick="1"/>
+</p:sld>
+</file>
+
+<file path=ppt/slides/slide54.xml><?xml version="1.0" encoding="utf-8"?>
+<p:sld xmlns:a="http://schemas.openxmlformats.org/drawingml/2006/main" xmlns:r="http://schemas.openxmlformats.org/officeDocument/2006/relationships" xmlns:p="http://schemas.openxmlformats.org/presentationml/2006/main" showMasterSp="1" showMasterPhAnim="1">
+  <p:cSld>
+    <p:spTree>
+      <p:nvGrpSpPr>
+        <p:cNvPr id="1" name=""/>
+        <p:cNvGrpSpPr/>
+        <p:nvPr/>
+      </p:nvGrpSpPr>
+      <p:grpSpPr>
+        <a:xfrm>
+          <a:off x="0" y="0"/>
+          <a:ext cx="0" cy="0"/>
+          <a:chOff x="0" y="0"/>
+          <a:chExt cx="0" cy="0"/>
+        </a:xfrm>
+      </p:grpSpPr>
+      <p:sp>
+        <p:nvSpPr>
+          <p:cNvPr id="184" name="Shape 184"/>
+          <p:cNvSpPr/>
+          <p:nvPr>
+            <p:ph type="title"/>
+          </p:nvPr>
+        </p:nvSpPr>
+        <p:spPr>
+          <a:xfrm>
+            <a:off x="952500" y="444500"/>
+            <a:ext cx="11099800" cy="1116040"/>
+          </a:xfrm>
+          <a:prstGeom prst="rect">
+            <a:avLst/>
+          </a:prstGeom>
+        </p:spPr>
+        <p:txBody>
+          <a:bodyPr/>
+          <a:lstStyle>
+            <a:lvl1pPr>
+              <a:defRPr sz="6000">
+                <a:solidFill>
+                  <a:srgbClr val="C82506"/>
+                </a:solidFill>
+              </a:defRPr>
+            </a:lvl1pPr>
+          </a:lstStyle>
+          <a:p>
+            <a:pPr lvl="0">
+              <a:defRPr sz="1800">
+                <a:solidFill>
+                  <a:srgbClr val="000000"/>
+                </a:solidFill>
+              </a:defRPr>
+            </a:pPr>
+            <a:r>
+              <a:rPr sz="6000">
+                <a:solidFill>
+                  <a:srgbClr val="C82506"/>
+                </a:solidFill>
+              </a:rPr>
+              <a:t>Mapping (5)</a:t>
+            </a:r>
+          </a:p>
+        </p:txBody>
+      </p:sp>
+      <p:sp>
+        <p:nvSpPr>
+          <p:cNvPr id="185" name="Shape 185"/>
+          <p:cNvSpPr/>
+          <p:nvPr>
+            <p:ph type="body" idx="1"/>
+          </p:nvPr>
+        </p:nvSpPr>
+        <p:spPr>
+          <a:xfrm>
+            <a:off x="952500" y="1526120"/>
+            <a:ext cx="11099800" cy="7492341"/>
+          </a:xfrm>
+          <a:prstGeom prst="rect">
+            <a:avLst/>
+          </a:prstGeom>
+        </p:spPr>
+        <p:txBody>
+          <a:bodyPr/>
+          <a:lstStyle/>
+          <a:p>
+            <a:pPr lvl="0" marL="0" indent="0" defTabSz="549148">
+              <a:spcBef>
+                <a:spcPts val="0"/>
+              </a:spcBef>
+              <a:buSzTx/>
+              <a:buNone/>
+              <a:defRPr sz="1800"/>
+            </a:pPr>
+            <a:r>
+              <a:rPr b="1" sz="2632">
+                <a:latin typeface="Helvetica"/>
+                <a:ea typeface="Helvetica"/>
+                <a:cs typeface="Helvetica"/>
+                <a:sym typeface="Helvetica"/>
+              </a:rPr>
+              <a:t>CREATE VIEW</a:t>
+            </a:r>
+            <a:r>
+              <a:rPr sz="2632"/>
+              <a:t> Fiume(idFiume, nome) </a:t>
+            </a:r>
+            <a:r>
+              <a:rPr b="1" sz="2632">
+                <a:latin typeface="Helvetica"/>
+                <a:ea typeface="Helvetica"/>
+                <a:cs typeface="Helvetica"/>
+                <a:sym typeface="Helvetica"/>
+              </a:rPr>
+              <a:t>AS</a:t>
+            </a:r>
+            <a:endParaRPr b="1" sz="2632">
+              <a:latin typeface="Helvetica"/>
+              <a:ea typeface="Helvetica"/>
+              <a:cs typeface="Helvetica"/>
+              <a:sym typeface="Helvetica"/>
+            </a:endParaRPr>
+          </a:p>
+          <a:p>
+            <a:pPr lvl="0" marL="0" indent="0" defTabSz="549148">
+              <a:spcBef>
+                <a:spcPts val="0"/>
+              </a:spcBef>
+              <a:buSzTx/>
+              <a:buNone/>
+              <a:defRPr sz="1800"/>
+            </a:pPr>
+            <a:r>
+              <a:rPr b="1" sz="2632">
+                <a:latin typeface="Helvetica"/>
+                <a:ea typeface="Helvetica"/>
+                <a:cs typeface="Helvetica"/>
+                <a:sym typeface="Helvetica"/>
+              </a:rPr>
+              <a:t>SELECT</a:t>
+            </a:r>
+            <a:r>
+              <a:rPr sz="2632"/>
+              <a:t> idFiume, nome </a:t>
+            </a:r>
+            <a:endParaRPr sz="2632"/>
+          </a:p>
+          <a:p>
+            <a:pPr lvl="0" marL="0" indent="0" defTabSz="549148">
+              <a:spcBef>
+                <a:spcPts val="0"/>
+              </a:spcBef>
+              <a:buSzTx/>
+              <a:buNone/>
+              <a:defRPr sz="1800"/>
+            </a:pPr>
+            <a:r>
+              <a:rPr b="1" sz="2632">
+                <a:latin typeface="Helvetica"/>
+                <a:ea typeface="Helvetica"/>
+                <a:cs typeface="Helvetica"/>
+                <a:sym typeface="Helvetica"/>
+              </a:rPr>
+              <a:t>FROM</a:t>
+            </a:r>
+            <a:r>
+              <a:rPr sz="2632"/>
+              <a:t> BRI.Fiume</a:t>
+            </a:r>
+            <a:endParaRPr sz="2632"/>
+          </a:p>
+          <a:p>
+            <a:pPr lvl="0" marL="0" indent="0" defTabSz="549148">
+              <a:spcBef>
+                <a:spcPts val="0"/>
+              </a:spcBef>
+              <a:buSzTx/>
+              <a:buNone/>
+              <a:defRPr sz="1800"/>
+            </a:pPr>
+            <a:endParaRPr sz="2632"/>
+          </a:p>
+          <a:p>
+            <a:pPr lvl="0" marL="0" indent="0" defTabSz="549148">
+              <a:spcBef>
+                <a:spcPts val="0"/>
+              </a:spcBef>
+              <a:buSzTx/>
+              <a:buNone/>
+              <a:defRPr sz="1800"/>
+            </a:pPr>
+            <a:r>
+              <a:rPr b="1" sz="2632">
+                <a:latin typeface="Helvetica"/>
+                <a:ea typeface="Helvetica"/>
+                <a:cs typeface="Helvetica"/>
+                <a:sym typeface="Helvetica"/>
+              </a:rPr>
+              <a:t>CREATE VIEW</a:t>
+            </a:r>
+            <a:r>
+              <a:rPr sz="2632"/>
+              <a:t> TrattoFiume(idTrattoFiume, lunghezzaTratto, </a:t>
+            </a:r>
+            <a:endParaRPr sz="2632"/>
+          </a:p>
+          <a:p>
+            <a:pPr lvl="0" marL="0" indent="0" defTabSz="549148">
+              <a:spcBef>
+                <a:spcPts val="0"/>
+              </a:spcBef>
+              <a:buSzTx/>
+              <a:buNone/>
+              <a:defRPr sz="1800"/>
+            </a:pPr>
+            <a:r>
+              <a:rPr sz="2632"/>
+              <a:t>livelloMassimo, livelloAllerta, portata, idFiume, nodoInizio, nodoFine) </a:t>
+            </a:r>
+            <a:r>
+              <a:rPr b="1" sz="2632">
+                <a:latin typeface="Helvetica"/>
+                <a:ea typeface="Helvetica"/>
+                <a:cs typeface="Helvetica"/>
+                <a:sym typeface="Helvetica"/>
+              </a:rPr>
+              <a:t>AS</a:t>
+            </a:r>
+            <a:endParaRPr sz="2632"/>
+          </a:p>
+          <a:p>
+            <a:pPr lvl="0" marL="0" indent="0" defTabSz="549148">
+              <a:spcBef>
+                <a:spcPts val="0"/>
+              </a:spcBef>
+              <a:buSzTx/>
+              <a:buNone/>
+              <a:defRPr sz="1800"/>
+            </a:pPr>
+            <a:r>
+              <a:rPr b="1" sz="2632">
+                <a:latin typeface="Helvetica"/>
+                <a:ea typeface="Helvetica"/>
+                <a:cs typeface="Helvetica"/>
+                <a:sym typeface="Helvetica"/>
+              </a:rPr>
+              <a:t>SELECT</a:t>
+            </a:r>
+            <a:r>
+              <a:rPr sz="2632"/>
+              <a:t> idTrattoFiume, lunghezzaTratto, livelloMassimo, livelloAllerta, portata, idFiume, nodoInizio, nodoFine </a:t>
+            </a:r>
+            <a:endParaRPr sz="2632"/>
+          </a:p>
+          <a:p>
+            <a:pPr lvl="0" marL="0" indent="0" defTabSz="549148">
+              <a:spcBef>
+                <a:spcPts val="0"/>
+              </a:spcBef>
+              <a:buSzTx/>
+              <a:buNone/>
+              <a:defRPr sz="1800"/>
+            </a:pPr>
+            <a:r>
+              <a:rPr b="1" sz="2632">
+                <a:latin typeface="Helvetica"/>
+                <a:ea typeface="Helvetica"/>
+                <a:cs typeface="Helvetica"/>
+                <a:sym typeface="Helvetica"/>
+              </a:rPr>
+              <a:t>FROM </a:t>
+            </a:r>
+            <a:r>
+              <a:rPr sz="2632"/>
+              <a:t>BRI.TrattoFiume</a:t>
+            </a:r>
+            <a:endParaRPr sz="2632"/>
+          </a:p>
+          <a:p>
+            <a:pPr lvl="0" marL="0" indent="0" defTabSz="549148">
+              <a:spcBef>
+                <a:spcPts val="0"/>
+              </a:spcBef>
+              <a:buSzTx/>
+              <a:buNone/>
+              <a:defRPr sz="1800"/>
+            </a:pPr>
+            <a:endParaRPr sz="2632"/>
+          </a:p>
+          <a:p>
+            <a:pPr lvl="0" marL="0" indent="0" defTabSz="549148">
+              <a:spcBef>
+                <a:spcPts val="0"/>
+              </a:spcBef>
+              <a:buSzTx/>
+              <a:buNone/>
+              <a:defRPr sz="1800"/>
+            </a:pPr>
+            <a:r>
+              <a:rPr b="1" sz="2632">
+                <a:latin typeface="Helvetica"/>
+                <a:ea typeface="Helvetica"/>
+                <a:cs typeface="Helvetica"/>
+                <a:sym typeface="Helvetica"/>
+              </a:rPr>
+              <a:t>CREATE VIEW</a:t>
+            </a:r>
+            <a:r>
+              <a:rPr sz="2632"/>
+              <a:t> NodoIdrico(idNodoIdrico, altitudine, latitudine, </a:t>
+            </a:r>
+            <a:endParaRPr sz="2632"/>
+          </a:p>
+          <a:p>
+            <a:pPr lvl="0" marL="0" indent="0" defTabSz="549148">
+              <a:spcBef>
+                <a:spcPts val="0"/>
+              </a:spcBef>
+              <a:buSzTx/>
+              <a:buNone/>
+              <a:defRPr sz="1800"/>
+            </a:pPr>
+            <a:r>
+              <a:rPr sz="2632"/>
+              <a:t>longitudine) </a:t>
+            </a:r>
+            <a:r>
+              <a:rPr b="1" sz="2632">
+                <a:latin typeface="Helvetica"/>
+                <a:ea typeface="Helvetica"/>
+                <a:cs typeface="Helvetica"/>
+                <a:sym typeface="Helvetica"/>
+              </a:rPr>
+              <a:t>AS</a:t>
+            </a:r>
+            <a:endParaRPr sz="2632"/>
+          </a:p>
+          <a:p>
+            <a:pPr lvl="0" marL="0" indent="0" defTabSz="549148">
+              <a:spcBef>
+                <a:spcPts val="0"/>
+              </a:spcBef>
+              <a:buSzTx/>
+              <a:buNone/>
+              <a:defRPr sz="1800"/>
+            </a:pPr>
+            <a:r>
+              <a:rPr b="1" sz="2632">
+                <a:latin typeface="Helvetica"/>
+                <a:ea typeface="Helvetica"/>
+                <a:cs typeface="Helvetica"/>
+                <a:sym typeface="Helvetica"/>
+              </a:rPr>
+              <a:t>SELECT </a:t>
+            </a:r>
+            <a:r>
+              <a:rPr sz="2632"/>
+              <a:t>idNodoIdrico, altitudine, latitudine, longitudine </a:t>
+            </a:r>
+            <a:endParaRPr sz="2632"/>
+          </a:p>
+          <a:p>
+            <a:pPr lvl="0" marL="0" indent="0" defTabSz="549148">
+              <a:spcBef>
+                <a:spcPts val="0"/>
+              </a:spcBef>
+              <a:buSzTx/>
+              <a:buNone/>
+              <a:defRPr sz="1800"/>
+            </a:pPr>
+            <a:r>
+              <a:rPr b="1" sz="2632">
+                <a:latin typeface="Helvetica"/>
+                <a:ea typeface="Helvetica"/>
+                <a:cs typeface="Helvetica"/>
+                <a:sym typeface="Helvetica"/>
+              </a:rPr>
+              <a:t>FROM </a:t>
+            </a:r>
+            <a:r>
+              <a:rPr sz="2632"/>
+              <a:t>BRI.NodoIdrico</a:t>
+            </a:r>
+            <a:endParaRPr sz="2632"/>
+          </a:p>
+          <a:p>
+            <a:pPr lvl="0" marL="0" indent="0" defTabSz="549148">
+              <a:spcBef>
+                <a:spcPts val="0"/>
+              </a:spcBef>
+              <a:buSzTx/>
+              <a:buNone/>
+              <a:defRPr sz="1800"/>
+            </a:pPr>
+            <a:endParaRPr sz="2632"/>
+          </a:p>
+          <a:p>
+            <a:pPr lvl="0" marL="0" indent="0" defTabSz="549148">
+              <a:spcBef>
+                <a:spcPts val="0"/>
+              </a:spcBef>
+              <a:buSzTx/>
+              <a:buNone/>
+              <a:defRPr sz="1800"/>
+            </a:pPr>
+            <a:r>
+              <a:rPr b="1" sz="2632">
+                <a:latin typeface="Helvetica"/>
+                <a:ea typeface="Helvetica"/>
+                <a:cs typeface="Helvetica"/>
+                <a:sym typeface="Helvetica"/>
+              </a:rPr>
+              <a:t>CREATE VIEW</a:t>
+            </a:r>
+            <a:r>
+              <a:rPr sz="2632"/>
+              <a:t> TrattoFiume-Cella(idCella, idTratto) </a:t>
+            </a:r>
+            <a:r>
+              <a:rPr b="1" sz="2632">
+                <a:latin typeface="Helvetica"/>
+                <a:ea typeface="Helvetica"/>
+                <a:cs typeface="Helvetica"/>
+                <a:sym typeface="Helvetica"/>
+              </a:rPr>
+              <a:t>AS</a:t>
+            </a:r>
+            <a:endParaRPr sz="2632"/>
+          </a:p>
+          <a:p>
+            <a:pPr lvl="0" marL="0" indent="0" defTabSz="549148">
+              <a:spcBef>
+                <a:spcPts val="0"/>
+              </a:spcBef>
+              <a:buSzTx/>
+              <a:buNone/>
+              <a:defRPr sz="1800"/>
+            </a:pPr>
+            <a:r>
+              <a:rPr b="1" sz="2632">
+                <a:latin typeface="Helvetica"/>
+                <a:ea typeface="Helvetica"/>
+                <a:cs typeface="Helvetica"/>
+                <a:sym typeface="Helvetica"/>
+              </a:rPr>
+              <a:t>SELECT</a:t>
+            </a:r>
+            <a:r>
+              <a:rPr sz="2632"/>
+              <a:t> idCella, idTratto </a:t>
+            </a:r>
+            <a:endParaRPr sz="2632"/>
+          </a:p>
+          <a:p>
+            <a:pPr lvl="0" marL="0" indent="0" defTabSz="549148">
+              <a:spcBef>
+                <a:spcPts val="0"/>
+              </a:spcBef>
+              <a:buSzTx/>
+              <a:buNone/>
+              <a:defRPr sz="1800"/>
+            </a:pPr>
+            <a:r>
+              <a:rPr b="1" sz="2632">
+                <a:latin typeface="Helvetica"/>
+                <a:ea typeface="Helvetica"/>
+                <a:cs typeface="Helvetica"/>
+                <a:sym typeface="Helvetica"/>
+              </a:rPr>
+              <a:t>FROM </a:t>
+            </a:r>
+            <a:r>
+              <a:rPr sz="2632"/>
+              <a:t>BRI.TrattoFiume-Cella</a:t>
+            </a:r>
+            <a:endParaRPr sz="2632"/>
+          </a:p>
+        </p:txBody>
+      </p:sp>
+    </p:spTree>
+  </p:cSld>
+  <p:clrMapOvr>
+    <a:masterClrMapping/>
+  </p:clrMapOvr>
+  <p:transition spd="med" advClick="1"/>
+</p:sld>
+</file>
+
+<file path=ppt/slides/slide55.xml><?xml version="1.0" encoding="utf-8"?>
+<p:sld xmlns:a="http://schemas.openxmlformats.org/drawingml/2006/main" xmlns:r="http://schemas.openxmlformats.org/officeDocument/2006/relationships" xmlns:p="http://schemas.openxmlformats.org/presentationml/2006/main" showMasterSp="1" showMasterPhAnim="1">
+  <p:cSld>
+    <p:spTree>
+      <p:nvGrpSpPr>
+        <p:cNvPr id="1" name=""/>
+        <p:cNvGrpSpPr/>
+        <p:nvPr/>
+      </p:nvGrpSpPr>
+      <p:grpSpPr>
+        <a:xfrm>
+          <a:off x="0" y="0"/>
+          <a:ext cx="0" cy="0"/>
+          <a:chOff x="0" y="0"/>
+          <a:chExt cx="0" cy="0"/>
+        </a:xfrm>
+      </p:grpSpPr>
+      <p:sp>
+        <p:nvSpPr>
+          <p:cNvPr id="187" name="Shape 187"/>
+          <p:cNvSpPr/>
+          <p:nvPr>
+            <p:ph type="title"/>
+          </p:nvPr>
+        </p:nvSpPr>
+        <p:spPr>
+          <a:xfrm>
+            <a:off x="952500" y="444500"/>
+            <a:ext cx="11099800" cy="1116040"/>
+          </a:xfrm>
+          <a:prstGeom prst="rect">
+            <a:avLst/>
+          </a:prstGeom>
+        </p:spPr>
+        <p:txBody>
+          <a:bodyPr/>
+          <a:lstStyle>
+            <a:lvl1pPr>
+              <a:defRPr sz="6000">
+                <a:solidFill>
+                  <a:srgbClr val="C82506"/>
+                </a:solidFill>
+              </a:defRPr>
+            </a:lvl1pPr>
+          </a:lstStyle>
+          <a:p>
+            <a:pPr lvl="0">
+              <a:defRPr sz="1800">
+                <a:solidFill>
+                  <a:srgbClr val="000000"/>
+                </a:solidFill>
+              </a:defRPr>
+            </a:pPr>
+            <a:r>
+              <a:rPr sz="6000">
+                <a:solidFill>
+                  <a:srgbClr val="C82506"/>
+                </a:solidFill>
+              </a:rPr>
+              <a:t>Query</a:t>
+            </a:r>
+          </a:p>
+        </p:txBody>
+      </p:sp>
+      <p:sp>
+        <p:nvSpPr>
+          <p:cNvPr id="188" name="Shape 188"/>
+          <p:cNvSpPr/>
+          <p:nvPr>
+            <p:ph type="body" idx="1"/>
+          </p:nvPr>
+        </p:nvSpPr>
+        <p:spPr>
+          <a:xfrm>
+            <a:off x="952500" y="1526120"/>
+            <a:ext cx="11099800" cy="7492341"/>
+          </a:xfrm>
+          <a:prstGeom prst="rect">
+            <a:avLst/>
+          </a:prstGeom>
+        </p:spPr>
+        <p:txBody>
+          <a:bodyPr anchor="t"/>
+          <a:lstStyle/>
+          <a:p>
+            <a:pPr lvl="0" marL="0" indent="0">
+              <a:spcBef>
+                <a:spcPts val="0"/>
+              </a:spcBef>
+              <a:buSzTx/>
+              <a:buNone/>
+              <a:defRPr sz="1800"/>
+            </a:pPr>
+            <a:r>
+              <a:rPr sz="2800"/>
+              <a:t>S</a:t>
+            </a:r>
+            <a:r>
+              <a:rPr sz="2800"/>
+              <a:t>elezionare tutte le previsioni meteo relative alle celle nelle quali passa il fiume Adige nella regione Veneto</a:t>
+            </a:r>
+            <a:endParaRPr sz="2800"/>
+          </a:p>
+          <a:p>
+            <a:pPr lvl="0" marL="0" indent="0">
+              <a:spcBef>
+                <a:spcPts val="0"/>
+              </a:spcBef>
+              <a:buSzTx/>
+              <a:buNone/>
+              <a:defRPr sz="1800"/>
+            </a:pPr>
+            <a:endParaRPr sz="2800"/>
+          </a:p>
+          <a:p>
+            <a:pPr lvl="0" marL="0" indent="0">
+              <a:spcBef>
+                <a:spcPts val="0"/>
+              </a:spcBef>
+              <a:buSzTx/>
+              <a:buNone/>
+              <a:defRPr sz="1800"/>
+            </a:pPr>
+            <a:r>
+              <a:rPr b="1" sz="2800">
+                <a:latin typeface="Helvetica"/>
+                <a:ea typeface="Helvetica"/>
+                <a:cs typeface="Helvetica"/>
+                <a:sym typeface="Helvetica"/>
+              </a:rPr>
+              <a:t>SELECT</a:t>
+            </a:r>
+            <a:r>
+              <a:rPr sz="2800"/>
+              <a:t> CG. idCella, PC.probPrecipitazioni, PC.livelloPrecipitazioni</a:t>
+            </a:r>
+            <a:endParaRPr sz="2800"/>
+          </a:p>
+          <a:p>
+            <a:pPr lvl="0" marL="0" indent="0">
+              <a:spcBef>
+                <a:spcPts val="0"/>
+              </a:spcBef>
+              <a:buSzTx/>
+              <a:buNone/>
+              <a:defRPr sz="1800"/>
+            </a:pPr>
+            <a:r>
+              <a:rPr b="1" sz="2800">
+                <a:latin typeface="Helvetica"/>
+                <a:ea typeface="Helvetica"/>
+                <a:cs typeface="Helvetica"/>
+                <a:sym typeface="Helvetica"/>
+              </a:rPr>
+              <a:t>FROM</a:t>
+            </a:r>
+            <a:r>
+              <a:rPr sz="2800"/>
+              <a:t> Fiume F </a:t>
+            </a:r>
+            <a:endParaRPr sz="2800"/>
+          </a:p>
+          <a:p>
+            <a:pPr lvl="0" marL="0" indent="0">
+              <a:spcBef>
+                <a:spcPts val="0"/>
+              </a:spcBef>
+              <a:buSzTx/>
+              <a:buNone/>
+              <a:defRPr sz="1800"/>
+            </a:pPr>
+            <a:r>
+              <a:rPr sz="2800"/>
+              <a:t>		</a:t>
+            </a:r>
+            <a:r>
+              <a:rPr b="1" sz="2800">
+                <a:latin typeface="Helvetica"/>
+                <a:ea typeface="Helvetica"/>
+                <a:cs typeface="Helvetica"/>
+                <a:sym typeface="Helvetica"/>
+              </a:rPr>
+              <a:t>JOIN</a:t>
+            </a:r>
+            <a:r>
+              <a:rPr sz="2800"/>
+              <a:t> TrattoFiume TF ON F.idFiume = TF.idFiume</a:t>
+            </a:r>
+            <a:endParaRPr sz="2800"/>
+          </a:p>
+          <a:p>
+            <a:pPr lvl="0" marL="0" indent="0">
+              <a:spcBef>
+                <a:spcPts val="0"/>
+              </a:spcBef>
+              <a:buSzTx/>
+              <a:buNone/>
+              <a:defRPr sz="1800"/>
+            </a:pPr>
+            <a:r>
+              <a:rPr sz="2800"/>
+              <a:t>		</a:t>
+            </a:r>
+            <a:r>
+              <a:rPr b="1" sz="2800">
+                <a:latin typeface="Helvetica"/>
+                <a:ea typeface="Helvetica"/>
+                <a:cs typeface="Helvetica"/>
+                <a:sym typeface="Helvetica"/>
+              </a:rPr>
+              <a:t>JOIN</a:t>
+            </a:r>
+            <a:r>
+              <a:rPr sz="2800"/>
+              <a:t> TrattoFiume-Cella CT </a:t>
+            </a:r>
+            <a:r>
+              <a:rPr b="1" sz="2800">
+                <a:latin typeface="Helvetica"/>
+                <a:ea typeface="Helvetica"/>
+                <a:cs typeface="Helvetica"/>
+                <a:sym typeface="Helvetica"/>
+              </a:rPr>
+              <a:t>ON</a:t>
+            </a:r>
+            <a:r>
+              <a:rPr sz="2800"/>
+              <a:t> CT.idTratto = TF.idTrattoFiume</a:t>
+            </a:r>
+            <a:endParaRPr sz="2800"/>
+          </a:p>
+          <a:p>
+            <a:pPr lvl="0" marL="0" indent="0">
+              <a:spcBef>
+                <a:spcPts val="0"/>
+              </a:spcBef>
+              <a:buSzTx/>
+              <a:buNone/>
+              <a:defRPr sz="1800"/>
+            </a:pPr>
+            <a:r>
+              <a:rPr sz="2800"/>
+              <a:t>		</a:t>
+            </a:r>
+            <a:r>
+              <a:rPr b="1" sz="2800">
+                <a:latin typeface="Helvetica"/>
+                <a:ea typeface="Helvetica"/>
+                <a:cs typeface="Helvetica"/>
+                <a:sym typeface="Helvetica"/>
+              </a:rPr>
+              <a:t>JOIN</a:t>
+            </a:r>
+            <a:r>
+              <a:rPr sz="2800"/>
+              <a:t> CellaGeografica CG </a:t>
+            </a:r>
+            <a:r>
+              <a:rPr b="1" sz="2800">
+                <a:latin typeface="Helvetica"/>
+                <a:ea typeface="Helvetica"/>
+                <a:cs typeface="Helvetica"/>
+                <a:sym typeface="Helvetica"/>
+              </a:rPr>
+              <a:t>ON</a:t>
+            </a:r>
+            <a:r>
+              <a:rPr sz="2800"/>
+              <a:t> CG.idCella = CT.idCella</a:t>
+            </a:r>
+            <a:endParaRPr sz="2800"/>
+          </a:p>
+          <a:p>
+            <a:pPr lvl="0" marL="0" indent="0">
+              <a:spcBef>
+                <a:spcPts val="0"/>
+              </a:spcBef>
+              <a:buSzTx/>
+              <a:buNone/>
+              <a:defRPr sz="1800"/>
+            </a:pPr>
+            <a:r>
+              <a:rPr sz="2800"/>
+              <a:t>		</a:t>
+            </a:r>
+            <a:r>
+              <a:rPr b="1" sz="2800">
+                <a:latin typeface="Helvetica"/>
+                <a:ea typeface="Helvetica"/>
+                <a:cs typeface="Helvetica"/>
+                <a:sym typeface="Helvetica"/>
+              </a:rPr>
+              <a:t>JOIN</a:t>
+            </a:r>
+            <a:r>
+              <a:rPr sz="2800"/>
+              <a:t> Previsione-Cella PC </a:t>
+            </a:r>
+            <a:r>
+              <a:rPr b="1" sz="2800">
+                <a:latin typeface="Helvetica"/>
+                <a:ea typeface="Helvetica"/>
+                <a:cs typeface="Helvetica"/>
+                <a:sym typeface="Helvetica"/>
+              </a:rPr>
+              <a:t>ON</a:t>
+            </a:r>
+            <a:r>
+              <a:rPr sz="2800"/>
+              <a:t> PC.idCella = CG.idCella</a:t>
+            </a:r>
+            <a:endParaRPr sz="2800"/>
+          </a:p>
+          <a:p>
+            <a:pPr lvl="0" marL="0" indent="0">
+              <a:spcBef>
+                <a:spcPts val="0"/>
+              </a:spcBef>
+              <a:buSzTx/>
+              <a:buNone/>
+              <a:defRPr sz="1800"/>
+            </a:pPr>
+            <a:r>
+              <a:rPr b="1" sz="2800">
+                <a:latin typeface="Helvetica"/>
+                <a:ea typeface="Helvetica"/>
+                <a:cs typeface="Helvetica"/>
+                <a:sym typeface="Helvetica"/>
+              </a:rPr>
+              <a:t>WHERE </a:t>
+            </a:r>
+            <a:r>
+              <a:rPr sz="2800"/>
+              <a:t>F.nome = “Adige” </a:t>
+            </a:r>
+            <a:r>
+              <a:rPr b="1" sz="2800">
+                <a:latin typeface="Helvetica"/>
+                <a:ea typeface="Helvetica"/>
+                <a:cs typeface="Helvetica"/>
+                <a:sym typeface="Helvetica"/>
+              </a:rPr>
+              <a:t>AND </a:t>
+            </a:r>
+            <a:r>
+              <a:rPr sz="2800"/>
+              <a:t>CG.Regione = “Veneto”</a:t>
+            </a:r>
+            <a:endParaRPr sz="2800"/>
+          </a:p>
+        </p:txBody>
+      </p:sp>
+    </p:spTree>
+  </p:cSld>
+  <p:clrMapOvr>
+    <a:masterClrMapping/>
+  </p:clrMapOvr>
+  <p:transition spd="med" advClick="1"/>
+</p:sld>
+</file>
+
+<file path=ppt/slides/slide56.xml><?xml version="1.0" encoding="utf-8"?>
+<p:sld xmlns:a="http://schemas.openxmlformats.org/drawingml/2006/main" xmlns:r="http://schemas.openxmlformats.org/officeDocument/2006/relationships" xmlns:p="http://schemas.openxmlformats.org/presentationml/2006/main" showMasterSp="1" showMasterPhAnim="1">
+  <p:cSld>
+    <p:spTree>
+      <p:nvGrpSpPr>
+        <p:cNvPr id="1" name=""/>
+        <p:cNvGrpSpPr/>
+        <p:nvPr/>
+      </p:nvGrpSpPr>
+      <p:grpSpPr>
+        <a:xfrm>
+          <a:off x="0" y="0"/>
+          <a:ext cx="0" cy="0"/>
+          <a:chOff x="0" y="0"/>
+          <a:chExt cx="0" cy="0"/>
+        </a:xfrm>
+      </p:grpSpPr>
+      <p:sp>
+        <p:nvSpPr>
+          <p:cNvPr id="190" name="Shape 190"/>
+          <p:cNvSpPr/>
+          <p:nvPr>
+            <p:ph type="title"/>
+          </p:nvPr>
+        </p:nvSpPr>
+        <p:spPr>
+          <a:xfrm>
+            <a:off x="952500" y="444500"/>
+            <a:ext cx="11099800" cy="1116040"/>
+          </a:xfrm>
+          <a:prstGeom prst="rect">
+            <a:avLst/>
+          </a:prstGeom>
+        </p:spPr>
+        <p:txBody>
+          <a:bodyPr/>
+          <a:lstStyle>
+            <a:lvl1pPr>
+              <a:defRPr sz="6000">
+                <a:solidFill>
+                  <a:srgbClr val="C82506"/>
+                </a:solidFill>
+              </a:defRPr>
+            </a:lvl1pPr>
+          </a:lstStyle>
+          <a:p>
+            <a:pPr lvl="0">
+              <a:defRPr sz="1800">
+                <a:solidFill>
+                  <a:srgbClr val="000000"/>
+                </a:solidFill>
+              </a:defRPr>
+            </a:pPr>
+            <a:r>
+              <a:rPr sz="6000">
+                <a:solidFill>
+                  <a:srgbClr val="C82506"/>
+                </a:solidFill>
+              </a:rPr>
+              <a:t>Unfolding</a:t>
+            </a:r>
+          </a:p>
+        </p:txBody>
+      </p:sp>
+      <p:sp>
+        <p:nvSpPr>
+          <p:cNvPr id="191" name="Shape 191"/>
+          <p:cNvSpPr/>
+          <p:nvPr>
+            <p:ph type="body" idx="1"/>
+          </p:nvPr>
+        </p:nvSpPr>
+        <p:spPr>
+          <a:xfrm>
+            <a:off x="952500" y="1526120"/>
+            <a:ext cx="11099800" cy="7492341"/>
+          </a:xfrm>
+          <a:prstGeom prst="rect">
+            <a:avLst/>
+          </a:prstGeom>
+        </p:spPr>
+        <p:txBody>
+          <a:bodyPr/>
+          <a:lstStyle/>
+          <a:p>
+            <a:pPr lvl="0" marL="0" indent="0">
+              <a:spcBef>
+                <a:spcPts val="0"/>
+              </a:spcBef>
+              <a:buSzTx/>
+              <a:buNone/>
+              <a:defRPr sz="1800"/>
+            </a:pPr>
+            <a:r>
+              <a:rPr b="1" sz="2800">
+                <a:latin typeface="Helvetica"/>
+                <a:ea typeface="Helvetica"/>
+                <a:cs typeface="Helvetica"/>
+                <a:sym typeface="Helvetica"/>
+              </a:rPr>
+              <a:t>SELECT</a:t>
+            </a:r>
+            <a:r>
+              <a:rPr sz="2800"/>
+              <a:t> CGM.idCella, PC.probPrecipitazioni, PC.livelloPrecipitazioni</a:t>
+            </a:r>
+            <a:endParaRPr sz="2800"/>
+          </a:p>
+          <a:p>
+            <a:pPr lvl="0" marL="0" indent="0">
+              <a:spcBef>
+                <a:spcPts val="0"/>
+              </a:spcBef>
+              <a:buSzTx/>
+              <a:buNone/>
+              <a:defRPr sz="1800"/>
+            </a:pPr>
+            <a:r>
+              <a:rPr b="1" sz="2800">
+                <a:latin typeface="Helvetica"/>
+                <a:ea typeface="Helvetica"/>
+                <a:cs typeface="Helvetica"/>
+                <a:sym typeface="Helvetica"/>
+              </a:rPr>
+              <a:t>FROM</a:t>
+            </a:r>
+            <a:r>
+              <a:rPr sz="2800"/>
+              <a:t> BRI.Fiume F </a:t>
+            </a:r>
+            <a:endParaRPr sz="2800"/>
+          </a:p>
+          <a:p>
+            <a:pPr lvl="0" marL="0" indent="0">
+              <a:spcBef>
+                <a:spcPts val="0"/>
+              </a:spcBef>
+              <a:buSzTx/>
+              <a:buNone/>
+              <a:defRPr sz="1800"/>
+            </a:pPr>
+            <a:r>
+              <a:rPr sz="2800"/>
+              <a:t>		</a:t>
+            </a:r>
+            <a:r>
+              <a:rPr b="1" sz="2800">
+                <a:latin typeface="Helvetica"/>
+                <a:ea typeface="Helvetica"/>
+                <a:cs typeface="Helvetica"/>
+                <a:sym typeface="Helvetica"/>
+              </a:rPr>
+              <a:t>JOIN </a:t>
+            </a:r>
+            <a:r>
+              <a:rPr sz="2800"/>
+              <a:t>BRI.TrattoFiume TF </a:t>
+            </a:r>
+            <a:r>
+              <a:rPr b="1" sz="2800">
+                <a:latin typeface="Helvetica"/>
+                <a:ea typeface="Helvetica"/>
+                <a:cs typeface="Helvetica"/>
+                <a:sym typeface="Helvetica"/>
+              </a:rPr>
+              <a:t>ON</a:t>
+            </a:r>
+            <a:r>
+              <a:rPr sz="2800"/>
+              <a:t> F.idFiume = TF.idFiume</a:t>
+            </a:r>
+            <a:endParaRPr sz="2800"/>
+          </a:p>
+          <a:p>
+            <a:pPr lvl="0" marL="0" indent="0">
+              <a:spcBef>
+                <a:spcPts val="0"/>
+              </a:spcBef>
+              <a:buSzTx/>
+              <a:buNone/>
+              <a:defRPr sz="1800"/>
+            </a:pPr>
+            <a:r>
+              <a:rPr sz="2800"/>
+              <a:t>		</a:t>
+            </a:r>
+            <a:r>
+              <a:rPr b="1" sz="2800">
+                <a:latin typeface="Helvetica"/>
+                <a:ea typeface="Helvetica"/>
+                <a:cs typeface="Helvetica"/>
+                <a:sym typeface="Helvetica"/>
+              </a:rPr>
+              <a:t>JOIN </a:t>
+            </a:r>
+            <a:r>
+              <a:rPr sz="2800"/>
+              <a:t>BRI.TrattoFiume-Cella CT </a:t>
+            </a:r>
+            <a:r>
+              <a:rPr b="1" sz="2800">
+                <a:latin typeface="Helvetica"/>
+                <a:ea typeface="Helvetica"/>
+                <a:cs typeface="Helvetica"/>
+                <a:sym typeface="Helvetica"/>
+              </a:rPr>
+              <a:t>ON</a:t>
+            </a:r>
+            <a:endParaRPr b="1" sz="2800">
+              <a:latin typeface="Helvetica"/>
+              <a:ea typeface="Helvetica"/>
+              <a:cs typeface="Helvetica"/>
+              <a:sym typeface="Helvetica"/>
+            </a:endParaRPr>
+          </a:p>
+          <a:p>
+            <a:pPr lvl="8" marL="0" indent="1828800">
+              <a:spcBef>
+                <a:spcPts val="0"/>
+              </a:spcBef>
+              <a:buSzTx/>
+              <a:buNone/>
+              <a:defRPr sz="1800"/>
+            </a:pPr>
+            <a:r>
+              <a:rPr sz="2800"/>
+              <a:t>CT.idTratto = TF.idTrattoFiume</a:t>
+            </a:r>
+            <a:endParaRPr sz="2800"/>
+          </a:p>
+          <a:p>
+            <a:pPr lvl="0" marL="0" indent="0">
+              <a:spcBef>
+                <a:spcPts val="0"/>
+              </a:spcBef>
+              <a:buSzTx/>
+              <a:buNone/>
+              <a:defRPr sz="1800"/>
+            </a:pPr>
+            <a:r>
+              <a:rPr sz="2800"/>
+              <a:t>		</a:t>
+            </a:r>
+            <a:r>
+              <a:rPr b="1" sz="2800">
+                <a:latin typeface="Helvetica"/>
+                <a:ea typeface="Helvetica"/>
+                <a:cs typeface="Helvetica"/>
+                <a:sym typeface="Helvetica"/>
+              </a:rPr>
+              <a:t>JOIN</a:t>
+            </a:r>
+            <a:r>
+              <a:rPr sz="2800"/>
+              <a:t> BRI.CellaGeografica CGI </a:t>
+            </a:r>
+            <a:r>
+              <a:rPr b="1" sz="2800">
+                <a:latin typeface="Helvetica"/>
+                <a:ea typeface="Helvetica"/>
+                <a:cs typeface="Helvetica"/>
+                <a:sym typeface="Helvetica"/>
+              </a:rPr>
+              <a:t>ON</a:t>
+            </a:r>
+            <a:r>
+              <a:rPr sz="2800"/>
+              <a:t> CGI.idCella = CT.idCella</a:t>
+            </a:r>
+            <a:endParaRPr sz="2800"/>
+          </a:p>
+          <a:p>
+            <a:pPr lvl="0" marL="0" indent="0">
+              <a:spcBef>
+                <a:spcPts val="0"/>
+              </a:spcBef>
+              <a:buSzTx/>
+              <a:buNone/>
+              <a:defRPr sz="1800"/>
+            </a:pPr>
+            <a:r>
+              <a:rPr sz="2800"/>
+              <a:t>		</a:t>
+            </a:r>
+            <a:r>
+              <a:rPr b="1" sz="2800">
+                <a:latin typeface="Helvetica"/>
+                <a:ea typeface="Helvetica"/>
+                <a:cs typeface="Helvetica"/>
+                <a:sym typeface="Helvetica"/>
+              </a:rPr>
+              <a:t>LEFT OUTER JOIN</a:t>
+            </a:r>
+            <a:r>
+              <a:rPr sz="2800"/>
+              <a:t> BDM.CellaGeografica CGM </a:t>
+            </a:r>
+            <a:r>
+              <a:rPr b="1" sz="2800">
+                <a:latin typeface="Helvetica"/>
+                <a:ea typeface="Helvetica"/>
+                <a:cs typeface="Helvetica"/>
+                <a:sym typeface="Helvetica"/>
+              </a:rPr>
+              <a:t>ON </a:t>
+            </a:r>
+            <a:endParaRPr b="1" sz="2800">
+              <a:latin typeface="Helvetica"/>
+              <a:ea typeface="Helvetica"/>
+              <a:cs typeface="Helvetica"/>
+              <a:sym typeface="Helvetica"/>
+            </a:endParaRPr>
+          </a:p>
+          <a:p>
+            <a:pPr lvl="8" marL="0" indent="1828800">
+              <a:spcBef>
+                <a:spcPts val="0"/>
+              </a:spcBef>
+              <a:buSzTx/>
+              <a:buNone/>
+              <a:defRPr sz="1800"/>
+            </a:pPr>
+            <a:r>
+              <a:rPr sz="2800"/>
+              <a:t>CGM.idCella = CGI.idCella</a:t>
+            </a:r>
+            <a:endParaRPr sz="2800"/>
+          </a:p>
+          <a:p>
+            <a:pPr lvl="0" marL="0" indent="0">
+              <a:spcBef>
+                <a:spcPts val="0"/>
+              </a:spcBef>
+              <a:buSzTx/>
+              <a:buNone/>
+              <a:defRPr sz="1800"/>
+            </a:pPr>
+            <a:r>
+              <a:rPr sz="2800"/>
+              <a:t>		</a:t>
+            </a:r>
+            <a:r>
+              <a:rPr b="1" sz="2800">
+                <a:latin typeface="Helvetica"/>
+                <a:ea typeface="Helvetica"/>
+                <a:cs typeface="Helvetica"/>
+                <a:sym typeface="Helvetica"/>
+              </a:rPr>
+              <a:t>JOIN</a:t>
+            </a:r>
+            <a:r>
+              <a:rPr sz="2800"/>
+              <a:t> BDM.Previsione-Cella PC ON PC.idCella = CGM.idCella</a:t>
+            </a:r>
+            <a:endParaRPr sz="2800"/>
+          </a:p>
+          <a:p>
+            <a:pPr lvl="0" marL="0" indent="0">
+              <a:spcBef>
+                <a:spcPts val="0"/>
+              </a:spcBef>
+              <a:buSzTx/>
+              <a:buNone/>
+              <a:defRPr sz="1800"/>
+            </a:pPr>
+            <a:r>
+              <a:rPr b="1" sz="2800">
+                <a:latin typeface="Helvetica"/>
+                <a:ea typeface="Helvetica"/>
+                <a:cs typeface="Helvetica"/>
+                <a:sym typeface="Helvetica"/>
+              </a:rPr>
+              <a:t>WHERE</a:t>
+            </a:r>
+            <a:r>
+              <a:rPr sz="2800"/>
+              <a:t> F.nome = “Adda” </a:t>
+            </a:r>
+            <a:r>
+              <a:rPr b="1" sz="2800">
+                <a:latin typeface="Helvetica"/>
+                <a:ea typeface="Helvetica"/>
+                <a:cs typeface="Helvetica"/>
+                <a:sym typeface="Helvetica"/>
+              </a:rPr>
+              <a:t>AND</a:t>
+            </a:r>
+            <a:r>
+              <a:rPr sz="2800"/>
+              <a:t> CGI.Regione = “Veneto”</a:t>
+            </a:r>
+            <a:endParaRPr sz="2800"/>
+          </a:p>
+        </p:txBody>
+      </p:sp>
+    </p:spTree>
+  </p:cSld>
+  <p:clrMapOvr>
+    <a:masterClrMapping/>
+  </p:clrMapOvr>
+  <p:transition spd="med" advClick="1"/>
+</p:sld>
+</file>
+
 <file path=ppt/slides/slide6.xml><?xml version="1.0" encoding="utf-8"?>
 <p:sld xmlns:a="http://schemas.openxmlformats.org/drawingml/2006/main" xmlns:r="http://schemas.openxmlformats.org/officeDocument/2006/relationships" xmlns:p="http://schemas.openxmlformats.org/presentationml/2006/main" showMasterSp="1" showMasterPhAnim="1">
   <p:cSld>
@@ -6445,8 +12037,8 @@
         <p:txBody>
           <a:bodyPr/>
           <a:lstStyle>
-            <a:lvl1pPr defTabSz="519937">
-              <a:defRPr sz="5340">
+            <a:lvl1pPr>
+              <a:defRPr sz="6000">
                 <a:solidFill>
                   <a:srgbClr val="C82506"/>
                 </a:solidFill>
@@ -6462,12 +12054,12 @@
               </a:defRPr>
             </a:pPr>
             <a:r>
-              <a:rPr sz="5340">
+              <a:rPr sz="6000">
                 <a:solidFill>
                   <a:srgbClr val="C82506"/>
                 </a:solidFill>
               </a:rPr>
-              <a:t>Assunzioni - Squadre di Emergenza</a:t>
+              <a:t>?</a:t>
             </a:r>
           </a:p>
         </p:txBody>
